--- a/Présentation.pptx
+++ b/Présentation.pptx
@@ -2,7 +2,7 @@
 <file path=ppt/presentation.xml><?xml version="1.0" encoding="utf-8"?>
 <p:presentation xmlns:a="http://schemas.openxmlformats.org/drawingml/2006/main" xmlns:r="http://schemas.openxmlformats.org/officeDocument/2006/relationships" xmlns:p="http://schemas.openxmlformats.org/presentationml/2006/main" saveSubsetFonts="1">
   <p:sldMasterIdLst>
-    <p:sldMasterId id="2147483648" r:id="rId1"/>
+    <p:sldMasterId id="2147483660" r:id="rId1"/>
   </p:sldMasterIdLst>
   <p:sldIdLst>
     <p:sldId id="256" r:id="rId2"/>
@@ -151,9 +151,575 @@
           <a:chExt cx="0" cy="0"/>
         </a:xfrm>
       </p:grpSpPr>
-      <p:sp>
-        <p:nvSpPr>
-          <p:cNvPr id="2" name="Titre 1"/>
+      <p:grpSp>
+        <p:nvGrpSpPr>
+          <p:cNvPr id="21" name="diagonales"/>
+          <p:cNvGrpSpPr/>
+          <p:nvPr/>
+        </p:nvGrpSpPr>
+        <p:grpSpPr>
+          <a:xfrm>
+            <a:off x="7518401" y="4145282"/>
+            <a:ext cx="4687338" cy="2731407"/>
+            <a:chOff x="5638800" y="3108960"/>
+            <a:chExt cx="3515503" cy="2048555"/>
+          </a:xfrm>
+        </p:grpSpPr>
+        <p:cxnSp>
+          <p:nvCxnSpPr>
+            <p:cNvPr id="14" name="Connecteur droit 13"/>
+            <p:cNvCxnSpPr/>
+            <p:nvPr/>
+          </p:nvCxnSpPr>
+          <p:spPr>
+            <a:xfrm flipV="1">
+              <a:off x="5638800" y="3108960"/>
+              <a:ext cx="3515503" cy="2037116"/>
+            </a:xfrm>
+            <a:prstGeom prst="line">
+              <a:avLst/>
+            </a:prstGeom>
+            <a:noFill/>
+            <a:ln w="38100">
+              <a:gradFill>
+                <a:gsLst>
+                  <a:gs pos="50000">
+                    <a:schemeClr val="accent1">
+                      <a:lumMod val="75000"/>
+                    </a:schemeClr>
+                  </a:gs>
+                  <a:gs pos="0">
+                    <a:schemeClr val="accent1"/>
+                  </a:gs>
+                  <a:gs pos="100000">
+                    <a:schemeClr val="accent1"/>
+                  </a:gs>
+                </a:gsLst>
+                <a:lin ang="5400000" scaled="0"/>
+              </a:gradFill>
+            </a:ln>
+          </p:spPr>
+          <p:style>
+            <a:lnRef idx="2">
+              <a:schemeClr val="accent1">
+                <a:shade val="50000"/>
+              </a:schemeClr>
+            </a:lnRef>
+            <a:fillRef idx="1">
+              <a:schemeClr val="accent1"/>
+            </a:fillRef>
+            <a:effectRef idx="0">
+              <a:schemeClr val="accent1"/>
+            </a:effectRef>
+            <a:fontRef idx="minor">
+              <a:schemeClr val="lt1"/>
+            </a:fontRef>
+          </p:style>
+        </p:cxnSp>
+        <p:cxnSp>
+          <p:nvCxnSpPr>
+            <p:cNvPr id="17" name="Connecteur droit 16"/>
+            <p:cNvCxnSpPr/>
+            <p:nvPr/>
+          </p:nvCxnSpPr>
+          <p:spPr>
+            <a:xfrm flipV="1">
+              <a:off x="6004643" y="3333750"/>
+              <a:ext cx="3149660" cy="1823765"/>
+            </a:xfrm>
+            <a:prstGeom prst="line">
+              <a:avLst/>
+            </a:prstGeom>
+            <a:noFill/>
+            <a:ln w="28575">
+              <a:gradFill>
+                <a:gsLst>
+                  <a:gs pos="0">
+                    <a:schemeClr val="accent1">
+                      <a:lumMod val="75000"/>
+                    </a:schemeClr>
+                  </a:gs>
+                  <a:gs pos="50000">
+                    <a:schemeClr val="accent1">
+                      <a:lumMod val="75000"/>
+                    </a:schemeClr>
+                  </a:gs>
+                  <a:gs pos="100000">
+                    <a:schemeClr val="accent1"/>
+                  </a:gs>
+                </a:gsLst>
+                <a:lin ang="5400000" scaled="0"/>
+              </a:gradFill>
+            </a:ln>
+          </p:spPr>
+          <p:style>
+            <a:lnRef idx="2">
+              <a:schemeClr val="accent1">
+                <a:shade val="50000"/>
+              </a:schemeClr>
+            </a:lnRef>
+            <a:fillRef idx="1">
+              <a:schemeClr val="accent1"/>
+            </a:fillRef>
+            <a:effectRef idx="0">
+              <a:schemeClr val="accent1"/>
+            </a:effectRef>
+            <a:fontRef idx="minor">
+              <a:schemeClr val="lt1"/>
+            </a:fontRef>
+          </p:style>
+        </p:cxnSp>
+        <p:cxnSp>
+          <p:nvCxnSpPr>
+            <p:cNvPr id="19" name="Connecteur droit 18"/>
+            <p:cNvCxnSpPr/>
+            <p:nvPr/>
+          </p:nvCxnSpPr>
+          <p:spPr>
+            <a:xfrm flipV="1">
+              <a:off x="6388342" y="3549891"/>
+              <a:ext cx="2765961" cy="1600149"/>
+            </a:xfrm>
+            <a:prstGeom prst="line">
+              <a:avLst/>
+            </a:prstGeom>
+            <a:noFill/>
+            <a:ln w="25400">
+              <a:gradFill>
+                <a:gsLst>
+                  <a:gs pos="0">
+                    <a:schemeClr val="accent1">
+                      <a:lumMod val="50000"/>
+                    </a:schemeClr>
+                  </a:gs>
+                  <a:gs pos="100000">
+                    <a:schemeClr val="accent1">
+                      <a:lumMod val="75000"/>
+                    </a:schemeClr>
+                  </a:gs>
+                </a:gsLst>
+                <a:lin ang="5400000" scaled="0"/>
+              </a:gradFill>
+            </a:ln>
+          </p:spPr>
+          <p:style>
+            <a:lnRef idx="2">
+              <a:schemeClr val="accent1">
+                <a:shade val="50000"/>
+              </a:schemeClr>
+            </a:lnRef>
+            <a:fillRef idx="1">
+              <a:schemeClr val="accent1"/>
+            </a:fillRef>
+            <a:effectRef idx="0">
+              <a:schemeClr val="accent1"/>
+            </a:effectRef>
+            <a:fontRef idx="minor">
+              <a:schemeClr val="lt1"/>
+            </a:fontRef>
+          </p:style>
+        </p:cxnSp>
+      </p:grpSp>
+      <p:grpSp>
+        <p:nvGrpSpPr>
+          <p:cNvPr id="12" name="lignes inférieures"/>
+          <p:cNvGrpSpPr/>
+          <p:nvPr/>
+        </p:nvGrpSpPr>
+        <p:grpSpPr>
+          <a:xfrm>
+            <a:off x="-8918" y="6057150"/>
+            <a:ext cx="5500158" cy="820207"/>
+            <a:chOff x="-6689" y="4553748"/>
+            <a:chExt cx="4125119" cy="615155"/>
+          </a:xfrm>
+        </p:grpSpPr>
+        <p:sp>
+          <p:nvSpPr>
+            <p:cNvPr id="9" name="Forme libre 8"/>
+            <p:cNvSpPr/>
+            <p:nvPr/>
+          </p:nvSpPr>
+          <p:spPr>
+            <a:xfrm rot="16200000">
+              <a:off x="1754302" y="2802395"/>
+              <a:ext cx="612775" cy="4115481"/>
+            </a:xfrm>
+            <a:custGeom>
+              <a:avLst/>
+              <a:gdLst>
+                <a:gd name="connsiteX0" fmla="*/ 0 w 603250"/>
+                <a:gd name="connsiteY0" fmla="*/ 3905250 h 3905250"/>
+                <a:gd name="connsiteX1" fmla="*/ 603250 w 603250"/>
+                <a:gd name="connsiteY1" fmla="*/ 2984500 h 3905250"/>
+                <a:gd name="connsiteX2" fmla="*/ 603250 w 603250"/>
+                <a:gd name="connsiteY2" fmla="*/ 0 h 3905250"/>
+                <a:gd name="connsiteX0" fmla="*/ 0 w 612775"/>
+                <a:gd name="connsiteY0" fmla="*/ 3919538 h 3919538"/>
+                <a:gd name="connsiteX1" fmla="*/ 612775 w 612775"/>
+                <a:gd name="connsiteY1" fmla="*/ 2984500 h 3919538"/>
+                <a:gd name="connsiteX2" fmla="*/ 612775 w 612775"/>
+                <a:gd name="connsiteY2" fmla="*/ 0 h 3919538"/>
+                <a:gd name="connsiteX0" fmla="*/ 0 w 612775"/>
+                <a:gd name="connsiteY0" fmla="*/ 4115481 h 4115481"/>
+                <a:gd name="connsiteX1" fmla="*/ 612775 w 612775"/>
+                <a:gd name="connsiteY1" fmla="*/ 3180443 h 4115481"/>
+                <a:gd name="connsiteX2" fmla="*/ 612775 w 612775"/>
+                <a:gd name="connsiteY2" fmla="*/ 0 h 4115481"/>
+              </a:gdLst>
+              <a:ahLst/>
+              <a:cxnLst>
+                <a:cxn ang="0">
+                  <a:pos x="connsiteX0" y="connsiteY0"/>
+                </a:cxn>
+                <a:cxn ang="0">
+                  <a:pos x="connsiteX1" y="connsiteY1"/>
+                </a:cxn>
+                <a:cxn ang="0">
+                  <a:pos x="connsiteX2" y="connsiteY2"/>
+                </a:cxn>
+              </a:cxnLst>
+              <a:rect l="l" t="t" r="r" b="b"/>
+              <a:pathLst>
+                <a:path w="612775" h="4115481">
+                  <a:moveTo>
+                    <a:pt x="0" y="4115481"/>
+                  </a:moveTo>
+                  <a:lnTo>
+                    <a:pt x="612775" y="3180443"/>
+                  </a:lnTo>
+                  <a:lnTo>
+                    <a:pt x="612775" y="0"/>
+                  </a:lnTo>
+                </a:path>
+              </a:pathLst>
+            </a:custGeom>
+            <a:noFill/>
+            <a:ln w="38100">
+              <a:gradFill>
+                <a:gsLst>
+                  <a:gs pos="50000">
+                    <a:schemeClr val="accent1">
+                      <a:lumMod val="75000"/>
+                    </a:schemeClr>
+                  </a:gs>
+                  <a:gs pos="0">
+                    <a:schemeClr val="accent1"/>
+                  </a:gs>
+                  <a:gs pos="100000">
+                    <a:schemeClr val="accent1"/>
+                  </a:gs>
+                </a:gsLst>
+                <a:lin ang="5400000" scaled="0"/>
+              </a:gradFill>
+            </a:ln>
+          </p:spPr>
+          <p:style>
+            <a:lnRef idx="2">
+              <a:schemeClr val="accent1">
+                <a:shade val="50000"/>
+              </a:schemeClr>
+            </a:lnRef>
+            <a:fillRef idx="1">
+              <a:schemeClr val="accent1"/>
+            </a:fillRef>
+            <a:effectRef idx="0">
+              <a:schemeClr val="accent1"/>
+            </a:effectRef>
+            <a:fontRef idx="minor">
+              <a:schemeClr val="lt1"/>
+            </a:fontRef>
+          </p:style>
+          <p:txBody>
+            <a:bodyPr rtlCol="0" anchor="ctr"/>
+            <a:lstStyle/>
+            <a:p>
+              <a:pPr lvl="0" algn="ctr" rtl="0"/>
+              <a:endParaRPr lang="fr-FR" sz="1800" dirty="0"/>
+            </a:p>
+          </p:txBody>
+        </p:sp>
+        <p:sp>
+          <p:nvSpPr>
+            <p:cNvPr id="10" name="Forme libre 9"/>
+            <p:cNvSpPr/>
+            <p:nvPr/>
+          </p:nvSpPr>
+          <p:spPr>
+            <a:xfrm rot="16200000">
+              <a:off x="1604659" y="3152814"/>
+              <a:ext cx="410751" cy="3621427"/>
+            </a:xfrm>
+            <a:custGeom>
+              <a:avLst/>
+              <a:gdLst>
+                <a:gd name="connsiteX0" fmla="*/ 0 w 603250"/>
+                <a:gd name="connsiteY0" fmla="*/ 3905250 h 3905250"/>
+                <a:gd name="connsiteX1" fmla="*/ 603250 w 603250"/>
+                <a:gd name="connsiteY1" fmla="*/ 2984500 h 3905250"/>
+                <a:gd name="connsiteX2" fmla="*/ 603250 w 603250"/>
+                <a:gd name="connsiteY2" fmla="*/ 0 h 3905250"/>
+                <a:gd name="connsiteX0" fmla="*/ 0 w 612775"/>
+                <a:gd name="connsiteY0" fmla="*/ 3919538 h 3919538"/>
+                <a:gd name="connsiteX1" fmla="*/ 612775 w 612775"/>
+                <a:gd name="connsiteY1" fmla="*/ 2984500 h 3919538"/>
+                <a:gd name="connsiteX2" fmla="*/ 612775 w 612775"/>
+                <a:gd name="connsiteY2" fmla="*/ 0 h 3919538"/>
+                <a:gd name="connsiteX0" fmla="*/ 0 w 612775"/>
+                <a:gd name="connsiteY0" fmla="*/ 3919538 h 3919538"/>
+                <a:gd name="connsiteX1" fmla="*/ 202024 w 612775"/>
+                <a:gd name="connsiteY1" fmla="*/ 3607676 h 3919538"/>
+                <a:gd name="connsiteX2" fmla="*/ 612775 w 612775"/>
+                <a:gd name="connsiteY2" fmla="*/ 2984500 h 3919538"/>
+                <a:gd name="connsiteX3" fmla="*/ 612775 w 612775"/>
+                <a:gd name="connsiteY3" fmla="*/ 0 h 3919538"/>
+                <a:gd name="connsiteX0" fmla="*/ 0 w 410751"/>
+                <a:gd name="connsiteY0" fmla="*/ 3607676 h 3607676"/>
+                <a:gd name="connsiteX1" fmla="*/ 410751 w 410751"/>
+                <a:gd name="connsiteY1" fmla="*/ 2984500 h 3607676"/>
+                <a:gd name="connsiteX2" fmla="*/ 410751 w 410751"/>
+                <a:gd name="connsiteY2" fmla="*/ 0 h 3607676"/>
+                <a:gd name="connsiteX0" fmla="*/ 0 w 410751"/>
+                <a:gd name="connsiteY0" fmla="*/ 3607676 h 3607676"/>
+                <a:gd name="connsiteX1" fmla="*/ 410751 w 410751"/>
+                <a:gd name="connsiteY1" fmla="*/ 2984500 h 3607676"/>
+                <a:gd name="connsiteX2" fmla="*/ 409575 w 410751"/>
+                <a:gd name="connsiteY2" fmla="*/ 185820 h 3607676"/>
+                <a:gd name="connsiteX3" fmla="*/ 410751 w 410751"/>
+                <a:gd name="connsiteY3" fmla="*/ 0 h 3607676"/>
+                <a:gd name="connsiteX0" fmla="*/ 0 w 410751"/>
+                <a:gd name="connsiteY0" fmla="*/ 3421856 h 3421856"/>
+                <a:gd name="connsiteX1" fmla="*/ 410751 w 410751"/>
+                <a:gd name="connsiteY1" fmla="*/ 2798680 h 3421856"/>
+                <a:gd name="connsiteX2" fmla="*/ 409575 w 410751"/>
+                <a:gd name="connsiteY2" fmla="*/ 0 h 3421856"/>
+                <a:gd name="connsiteX0" fmla="*/ 0 w 410751"/>
+                <a:gd name="connsiteY0" fmla="*/ 3614170 h 3614170"/>
+                <a:gd name="connsiteX1" fmla="*/ 410751 w 410751"/>
+                <a:gd name="connsiteY1" fmla="*/ 2990994 h 3614170"/>
+                <a:gd name="connsiteX2" fmla="*/ 405947 w 410751"/>
+                <a:gd name="connsiteY2" fmla="*/ 0 h 3614170"/>
+                <a:gd name="connsiteX0" fmla="*/ 0 w 410751"/>
+                <a:gd name="connsiteY0" fmla="*/ 3621427 h 3621427"/>
+                <a:gd name="connsiteX1" fmla="*/ 410751 w 410751"/>
+                <a:gd name="connsiteY1" fmla="*/ 2998251 h 3621427"/>
+                <a:gd name="connsiteX2" fmla="*/ 405947 w 410751"/>
+                <a:gd name="connsiteY2" fmla="*/ 0 h 3621427"/>
+              </a:gdLst>
+              <a:ahLst/>
+              <a:cxnLst>
+                <a:cxn ang="0">
+                  <a:pos x="connsiteX0" y="connsiteY0"/>
+                </a:cxn>
+                <a:cxn ang="0">
+                  <a:pos x="connsiteX1" y="connsiteY1"/>
+                </a:cxn>
+                <a:cxn ang="0">
+                  <a:pos x="connsiteX2" y="connsiteY2"/>
+                </a:cxn>
+              </a:cxnLst>
+              <a:rect l="l" t="t" r="r" b="b"/>
+              <a:pathLst>
+                <a:path w="410751" h="3621427">
+                  <a:moveTo>
+                    <a:pt x="0" y="3621427"/>
+                  </a:moveTo>
+                  <a:lnTo>
+                    <a:pt x="410751" y="2998251"/>
+                  </a:lnTo>
+                  <a:cubicBezTo>
+                    <a:pt x="410359" y="2065358"/>
+                    <a:pt x="406339" y="932893"/>
+                    <a:pt x="405947" y="0"/>
+                  </a:cubicBezTo>
+                </a:path>
+              </a:pathLst>
+            </a:custGeom>
+            <a:noFill/>
+            <a:ln w="28575">
+              <a:gradFill>
+                <a:gsLst>
+                  <a:gs pos="0">
+                    <a:schemeClr val="accent1">
+                      <a:lumMod val="75000"/>
+                    </a:schemeClr>
+                  </a:gs>
+                  <a:gs pos="50000">
+                    <a:schemeClr val="accent1">
+                      <a:lumMod val="75000"/>
+                    </a:schemeClr>
+                  </a:gs>
+                  <a:gs pos="100000">
+                    <a:schemeClr val="accent1"/>
+                  </a:gs>
+                </a:gsLst>
+                <a:lin ang="5400000" scaled="0"/>
+              </a:gradFill>
+            </a:ln>
+          </p:spPr>
+          <p:style>
+            <a:lnRef idx="2">
+              <a:schemeClr val="accent1">
+                <a:shade val="50000"/>
+              </a:schemeClr>
+            </a:lnRef>
+            <a:fillRef idx="1">
+              <a:schemeClr val="accent1"/>
+            </a:fillRef>
+            <a:effectRef idx="0">
+              <a:schemeClr val="accent1"/>
+            </a:effectRef>
+            <a:fontRef idx="minor">
+              <a:schemeClr val="lt1"/>
+            </a:fontRef>
+          </p:style>
+          <p:txBody>
+            <a:bodyPr rtlCol="0" anchor="ctr"/>
+            <a:lstStyle/>
+            <a:p>
+              <a:pPr lvl="0" algn="ctr" rtl="0"/>
+              <a:endParaRPr lang="fr-FR" sz="1800" dirty="0"/>
+            </a:p>
+          </p:txBody>
+        </p:sp>
+        <p:sp>
+          <p:nvSpPr>
+            <p:cNvPr id="11" name="Forme libre 10"/>
+            <p:cNvSpPr/>
+            <p:nvPr/>
+          </p:nvSpPr>
+          <p:spPr>
+            <a:xfrm rot="16200000">
+              <a:off x="1462308" y="3453376"/>
+              <a:ext cx="241768" cy="3179761"/>
+            </a:xfrm>
+            <a:custGeom>
+              <a:avLst/>
+              <a:gdLst>
+                <a:gd name="connsiteX0" fmla="*/ 0 w 603250"/>
+                <a:gd name="connsiteY0" fmla="*/ 3905250 h 3905250"/>
+                <a:gd name="connsiteX1" fmla="*/ 603250 w 603250"/>
+                <a:gd name="connsiteY1" fmla="*/ 2984500 h 3905250"/>
+                <a:gd name="connsiteX2" fmla="*/ 603250 w 603250"/>
+                <a:gd name="connsiteY2" fmla="*/ 0 h 3905250"/>
+                <a:gd name="connsiteX0" fmla="*/ 0 w 612775"/>
+                <a:gd name="connsiteY0" fmla="*/ 3919538 h 3919538"/>
+                <a:gd name="connsiteX1" fmla="*/ 612775 w 612775"/>
+                <a:gd name="connsiteY1" fmla="*/ 2984500 h 3919538"/>
+                <a:gd name="connsiteX2" fmla="*/ 612775 w 612775"/>
+                <a:gd name="connsiteY2" fmla="*/ 0 h 3919538"/>
+                <a:gd name="connsiteX0" fmla="*/ 0 w 612775"/>
+                <a:gd name="connsiteY0" fmla="*/ 3919538 h 3919538"/>
+                <a:gd name="connsiteX1" fmla="*/ 373856 w 612775"/>
+                <a:gd name="connsiteY1" fmla="*/ 3344891 h 3919538"/>
+                <a:gd name="connsiteX2" fmla="*/ 612775 w 612775"/>
+                <a:gd name="connsiteY2" fmla="*/ 2984500 h 3919538"/>
+                <a:gd name="connsiteX3" fmla="*/ 612775 w 612775"/>
+                <a:gd name="connsiteY3" fmla="*/ 0 h 3919538"/>
+                <a:gd name="connsiteX0" fmla="*/ 0 w 238919"/>
+                <a:gd name="connsiteY0" fmla="*/ 3344891 h 3344891"/>
+                <a:gd name="connsiteX1" fmla="*/ 238919 w 238919"/>
+                <a:gd name="connsiteY1" fmla="*/ 2984500 h 3344891"/>
+                <a:gd name="connsiteX2" fmla="*/ 238919 w 238919"/>
+                <a:gd name="connsiteY2" fmla="*/ 0 h 3344891"/>
+                <a:gd name="connsiteX0" fmla="*/ 0 w 238919"/>
+                <a:gd name="connsiteY0" fmla="*/ 3344891 h 3344891"/>
+                <a:gd name="connsiteX1" fmla="*/ 238919 w 238919"/>
+                <a:gd name="connsiteY1" fmla="*/ 2984500 h 3344891"/>
+                <a:gd name="connsiteX2" fmla="*/ 238125 w 238919"/>
+                <a:gd name="connsiteY2" fmla="*/ 368330 h 3344891"/>
+                <a:gd name="connsiteX3" fmla="*/ 238919 w 238919"/>
+                <a:gd name="connsiteY3" fmla="*/ 0 h 3344891"/>
+                <a:gd name="connsiteX0" fmla="*/ 0 w 238919"/>
+                <a:gd name="connsiteY0" fmla="*/ 2976561 h 2976561"/>
+                <a:gd name="connsiteX1" fmla="*/ 238919 w 238919"/>
+                <a:gd name="connsiteY1" fmla="*/ 2616170 h 2976561"/>
+                <a:gd name="connsiteX2" fmla="*/ 238125 w 238919"/>
+                <a:gd name="connsiteY2" fmla="*/ 0 h 2976561"/>
+                <a:gd name="connsiteX0" fmla="*/ 0 w 241768"/>
+                <a:gd name="connsiteY0" fmla="*/ 3179761 h 3179761"/>
+                <a:gd name="connsiteX1" fmla="*/ 238919 w 241768"/>
+                <a:gd name="connsiteY1" fmla="*/ 2819370 h 3179761"/>
+                <a:gd name="connsiteX2" fmla="*/ 241754 w 241768"/>
+                <a:gd name="connsiteY2" fmla="*/ 0 h 3179761"/>
+              </a:gdLst>
+              <a:ahLst/>
+              <a:cxnLst>
+                <a:cxn ang="0">
+                  <a:pos x="connsiteX0" y="connsiteY0"/>
+                </a:cxn>
+                <a:cxn ang="0">
+                  <a:pos x="connsiteX1" y="connsiteY1"/>
+                </a:cxn>
+                <a:cxn ang="0">
+                  <a:pos x="connsiteX2" y="connsiteY2"/>
+                </a:cxn>
+              </a:cxnLst>
+              <a:rect l="l" t="t" r="r" b="b"/>
+              <a:pathLst>
+                <a:path w="241768" h="3179761">
+                  <a:moveTo>
+                    <a:pt x="0" y="3179761"/>
+                  </a:moveTo>
+                  <a:lnTo>
+                    <a:pt x="238919" y="2819370"/>
+                  </a:lnTo>
+                  <a:cubicBezTo>
+                    <a:pt x="238654" y="1947313"/>
+                    <a:pt x="242019" y="872057"/>
+                    <a:pt x="241754" y="0"/>
+                  </a:cubicBezTo>
+                </a:path>
+              </a:pathLst>
+            </a:custGeom>
+            <a:noFill/>
+            <a:ln w="25400">
+              <a:gradFill>
+                <a:gsLst>
+                  <a:gs pos="0">
+                    <a:schemeClr val="accent1">
+                      <a:lumMod val="50000"/>
+                    </a:schemeClr>
+                  </a:gs>
+                  <a:gs pos="100000">
+                    <a:schemeClr val="accent1">
+                      <a:lumMod val="75000"/>
+                    </a:schemeClr>
+                  </a:gs>
+                </a:gsLst>
+                <a:lin ang="5400000" scaled="0"/>
+              </a:gradFill>
+            </a:ln>
+          </p:spPr>
+          <p:style>
+            <a:lnRef idx="2">
+              <a:schemeClr val="accent1">
+                <a:shade val="50000"/>
+              </a:schemeClr>
+            </a:lnRef>
+            <a:fillRef idx="1">
+              <a:schemeClr val="accent1"/>
+            </a:fillRef>
+            <a:effectRef idx="0">
+              <a:schemeClr val="accent1"/>
+            </a:effectRef>
+            <a:fontRef idx="minor">
+              <a:schemeClr val="lt1"/>
+            </a:fontRef>
+          </p:style>
+          <p:txBody>
+            <a:bodyPr rtlCol="0" anchor="ctr"/>
+            <a:lstStyle/>
+            <a:p>
+              <a:pPr lvl="0" algn="ctr" rtl="0"/>
+              <a:endParaRPr lang="fr-FR" sz="1800" dirty="0"/>
+            </a:p>
+          </p:txBody>
+        </p:sp>
+      </p:grpSp>
+      <p:sp>
+        <p:nvSpPr>
+          <p:cNvPr id="2" name="Titre 1"/>
           <p:cNvSpPr>
             <a:spLocks noGrp="1"/>
           </p:cNvSpPr>
@@ -163,23 +729,26 @@
         </p:nvSpPr>
         <p:spPr>
           <a:xfrm>
-            <a:off x="1524000" y="1122363"/>
-            <a:ext cx="9144000" cy="2387600"/>
+            <a:off x="1625600" y="584201"/>
+            <a:ext cx="8737600" cy="2000251"/>
           </a:xfrm>
         </p:spPr>
         <p:txBody>
-          <a:bodyPr anchor="b"/>
+          <a:bodyPr rtlCol="0">
+            <a:normAutofit/>
+          </a:bodyPr>
           <a:lstStyle>
-            <a:lvl1pPr algn="ctr">
-              <a:defRPr sz="6000"/>
+            <a:lvl1pPr algn="l" rtl="0">
+              <a:defRPr sz="5400"/>
             </a:lvl1pPr>
           </a:lstStyle>
           <a:p>
+            <a:pPr rtl="0"/>
             <a:r>
               <a:rPr lang="fr-FR" smtClean="0"/>
               <a:t>Modifiez le style du titre</a:t>
             </a:r>
-            <a:endParaRPr lang="en-GB"/>
+            <a:endParaRPr lang="fr-FR" dirty="0"/>
           </a:p>
         </p:txBody>
       </p:sp>
@@ -195,62 +764,120 @@
         </p:nvSpPr>
         <p:spPr>
           <a:xfrm>
-            <a:off x="1524000" y="3602038"/>
-            <a:ext cx="9144000" cy="1655762"/>
+            <a:off x="1625600" y="2616200"/>
+            <a:ext cx="8737600" cy="1752600"/>
           </a:xfrm>
         </p:spPr>
         <p:txBody>
-          <a:bodyPr/>
+          <a:bodyPr rtlCol="0">
+            <a:normAutofit/>
+          </a:bodyPr>
           <a:lstStyle>
-            <a:lvl1pPr marL="0" indent="0" algn="ctr">
+            <a:lvl1pPr marL="0" indent="0" algn="l" rtl="0">
+              <a:spcBef>
+                <a:spcPts val="0"/>
+              </a:spcBef>
               <a:buNone/>
-              <a:defRPr sz="2400"/>
+              <a:defRPr sz="2800" cap="all" spc="200" baseline="0">
+                <a:solidFill>
+                  <a:schemeClr val="accent1"/>
+                </a:solidFill>
+              </a:defRPr>
             </a:lvl1pPr>
-            <a:lvl2pPr marL="457200" indent="0" algn="ctr">
+            <a:lvl2pPr marL="609493" indent="0" algn="ctr" rtl="0">
               <a:buNone/>
-              <a:defRPr sz="2000"/>
+              <a:defRPr>
+                <a:solidFill>
+                  <a:schemeClr val="tx1">
+                    <a:tint val="75000"/>
+                  </a:schemeClr>
+                </a:solidFill>
+              </a:defRPr>
             </a:lvl2pPr>
-            <a:lvl3pPr marL="914400" indent="0" algn="ctr">
+            <a:lvl3pPr marL="1218987" indent="0" algn="ctr" rtl="0">
               <a:buNone/>
-              <a:defRPr sz="1800"/>
+              <a:defRPr>
+                <a:solidFill>
+                  <a:schemeClr val="tx1">
+                    <a:tint val="75000"/>
+                  </a:schemeClr>
+                </a:solidFill>
+              </a:defRPr>
             </a:lvl3pPr>
-            <a:lvl4pPr marL="1371600" indent="0" algn="ctr">
+            <a:lvl4pPr marL="1828480" indent="0" algn="ctr" rtl="0">
               <a:buNone/>
-              <a:defRPr sz="1600"/>
+              <a:defRPr>
+                <a:solidFill>
+                  <a:schemeClr val="tx1">
+                    <a:tint val="75000"/>
+                  </a:schemeClr>
+                </a:solidFill>
+              </a:defRPr>
             </a:lvl4pPr>
-            <a:lvl5pPr marL="1828800" indent="0" algn="ctr">
+            <a:lvl5pPr marL="2437973" indent="0" algn="ctr" rtl="0">
               <a:buNone/>
-              <a:defRPr sz="1600"/>
+              <a:defRPr>
+                <a:solidFill>
+                  <a:schemeClr val="tx1">
+                    <a:tint val="75000"/>
+                  </a:schemeClr>
+                </a:solidFill>
+              </a:defRPr>
             </a:lvl5pPr>
-            <a:lvl6pPr marL="2286000" indent="0" algn="ctr">
+            <a:lvl6pPr marL="3047467" indent="0" algn="ctr" rtl="0">
               <a:buNone/>
-              <a:defRPr sz="1600"/>
+              <a:defRPr>
+                <a:solidFill>
+                  <a:schemeClr val="tx1">
+                    <a:tint val="75000"/>
+                  </a:schemeClr>
+                </a:solidFill>
+              </a:defRPr>
             </a:lvl6pPr>
-            <a:lvl7pPr marL="2743200" indent="0" algn="ctr">
+            <a:lvl7pPr marL="3656960" indent="0" algn="ctr" rtl="0">
               <a:buNone/>
-              <a:defRPr sz="1600"/>
+              <a:defRPr>
+                <a:solidFill>
+                  <a:schemeClr val="tx1">
+                    <a:tint val="75000"/>
+                  </a:schemeClr>
+                </a:solidFill>
+              </a:defRPr>
             </a:lvl7pPr>
-            <a:lvl8pPr marL="3200400" indent="0" algn="ctr">
+            <a:lvl8pPr marL="4266453" indent="0" algn="ctr" rtl="0">
               <a:buNone/>
-              <a:defRPr sz="1600"/>
+              <a:defRPr>
+                <a:solidFill>
+                  <a:schemeClr val="tx1">
+                    <a:tint val="75000"/>
+                  </a:schemeClr>
+                </a:solidFill>
+              </a:defRPr>
             </a:lvl8pPr>
-            <a:lvl9pPr marL="3657600" indent="0" algn="ctr">
+            <a:lvl9pPr marL="4875947" indent="0" algn="ctr" rtl="0">
               <a:buNone/>
-              <a:defRPr sz="1600"/>
+              <a:defRPr>
+                <a:solidFill>
+                  <a:schemeClr val="tx1">
+                    <a:tint val="75000"/>
+                  </a:schemeClr>
+                </a:solidFill>
+              </a:defRPr>
             </a:lvl9pPr>
           </a:lstStyle>
           <a:p>
+            <a:pPr rtl="0"/>
             <a:r>
               <a:rPr lang="fr-FR" smtClean="0"/>
               <a:t>Modifiez le style des sous-titres du masque</a:t>
             </a:r>
-            <a:endParaRPr lang="en-GB"/>
-          </a:p>
-        </p:txBody>
-      </p:sp>
-      <p:sp>
-        <p:nvSpPr>
-          <p:cNvPr id="4" name="Espace réservé de la date 3"/>
+            <a:endParaRPr lang="fr-FR" dirty="0"/>
+          </a:p>
+        </p:txBody>
+      </p:sp>
+      <p:sp>
+        <p:nvSpPr>
+          <p:cNvPr id="22" name="Espace réservé de la date 21"/>
           <p:cNvSpPr>
             <a:spLocks noGrp="1"/>
           </p:cNvSpPr>
@@ -260,8 +887,12 @@
         </p:nvSpPr>
         <p:spPr/>
         <p:txBody>
-          <a:bodyPr/>
-          <a:lstStyle/>
+          <a:bodyPr rtlCol="0"/>
+          <a:lstStyle>
+            <a:lvl1pPr>
+              <a:defRPr/>
+            </a:lvl1pPr>
+          </a:lstStyle>
           <a:p>
             <a:fld id="{7B8C664E-E4BB-437E-8BCE-FB372C1B69CF}" type="datetimeFigureOut">
               <a:rPr lang="en-GB" smtClean="0"/>
@@ -273,7 +904,7 @@
       </p:sp>
       <p:sp>
         <p:nvSpPr>
-          <p:cNvPr id="5" name="Espace réservé du pied de page 4"/>
+          <p:cNvPr id="23" name="Espace réservé du pied de page 22"/>
           <p:cNvSpPr>
             <a:spLocks noGrp="1"/>
           </p:cNvSpPr>
@@ -283,7 +914,7 @@
         </p:nvSpPr>
         <p:spPr/>
         <p:txBody>
-          <a:bodyPr/>
+          <a:bodyPr rtlCol="0"/>
           <a:lstStyle/>
           <a:p>
             <a:endParaRPr lang="en-GB"/>
@@ -292,7 +923,7 @@
       </p:sp>
       <p:sp>
         <p:nvSpPr>
-          <p:cNvPr id="6" name="Espace réservé du numéro de diapositive 5"/>
+          <p:cNvPr id="24" name="Espace réservé du numéro de diapositive 23"/>
           <p:cNvSpPr>
             <a:spLocks noGrp="1"/>
           </p:cNvSpPr>
@@ -302,7 +933,7 @@
         </p:nvSpPr>
         <p:spPr/>
         <p:txBody>
-          <a:bodyPr/>
+          <a:bodyPr rtlCol="0"/>
           <a:lstStyle/>
           <a:p>
             <a:fld id="{EDBE66C2-973C-4326-857B-8142966C0BE3}" type="slidenum">
@@ -316,13 +947,25 @@
     </p:spTree>
     <p:extLst>
       <p:ext uri="{BB962C8B-B14F-4D97-AF65-F5344CB8AC3E}">
-        <p14:creationId xmlns:p14="http://schemas.microsoft.com/office/powerpoint/2010/main" val="3813960114"/>
+        <p14:creationId xmlns:p14="http://schemas.microsoft.com/office/powerpoint/2010/main" val="490558110"/>
       </p:ext>
     </p:extLst>
   </p:cSld>
   <p:clrMapOvr>
     <a:masterClrMapping/>
   </p:clrMapOvr>
+  <mc:AlternateContent xmlns:mc="http://schemas.openxmlformats.org/markup-compatibility/2006" xmlns:p14="http://schemas.microsoft.com/office/powerpoint/2010/main">
+    <mc:Choice Requires="p14">
+      <p:transition spd="med" p14:dur="700">
+        <p:fade/>
+      </p:transition>
+    </mc:Choice>
+    <mc:Fallback xmlns="">
+      <p:transition spd="med">
+        <p:fade/>
+      </p:transition>
+    </mc:Fallback>
+  </mc:AlternateContent>
 </p:sldLayout>
 </file>
 
@@ -355,20 +998,21 @@
         </p:nvSpPr>
         <p:spPr/>
         <p:txBody>
-          <a:bodyPr/>
+          <a:bodyPr rtlCol="0"/>
           <a:lstStyle/>
           <a:p>
+            <a:pPr rtl="0"/>
             <a:r>
               <a:rPr lang="fr-FR" smtClean="0"/>
               <a:t>Modifiez le style du titre</a:t>
             </a:r>
-            <a:endParaRPr lang="en-GB"/>
-          </a:p>
-        </p:txBody>
-      </p:sp>
-      <p:sp>
-        <p:nvSpPr>
-          <p:cNvPr id="3" name="Espace réservé du texte vertical 2"/>
+            <a:endParaRPr lang="fr-FR" dirty="0"/>
+          </a:p>
+        </p:txBody>
+      </p:sp>
+      <p:sp>
+        <p:nvSpPr>
+          <p:cNvPr id="3" name="Espace réservé du texte vertical 2"/>
           <p:cNvSpPr>
             <a:spLocks noGrp="1"/>
           </p:cNvSpPr>
@@ -378,49 +1022,65 @@
         </p:nvSpPr>
         <p:spPr/>
         <p:txBody>
-          <a:bodyPr vert="eaVert"/>
-          <a:lstStyle/>
-          <a:p>
-            <a:pPr lvl="0"/>
+          <a:bodyPr vert="eaVert" rtlCol="0"/>
+          <a:lstStyle>
+            <a:lvl5pPr algn="l" rtl="0">
+              <a:defRPr/>
+            </a:lvl5pPr>
+            <a:lvl6pPr algn="l" rtl="0">
+              <a:defRPr/>
+            </a:lvl6pPr>
+            <a:lvl7pPr algn="l" rtl="0">
+              <a:defRPr/>
+            </a:lvl7pPr>
+            <a:lvl8pPr algn="l" rtl="0">
+              <a:defRPr baseline="0"/>
+            </a:lvl8pPr>
+            <a:lvl9pPr algn="l" rtl="0">
+              <a:defRPr baseline="0"/>
+            </a:lvl9pPr>
+          </a:lstStyle>
+          <a:p>
+            <a:pPr lvl="0" rtl="0"/>
             <a:r>
               <a:rPr lang="fr-FR" smtClean="0"/>
               <a:t>Modifiez les styles du texte du masque</a:t>
             </a:r>
           </a:p>
           <a:p>
-            <a:pPr lvl="1"/>
+            <a:pPr lvl="1" rtl="0"/>
             <a:r>
               <a:rPr lang="fr-FR" smtClean="0"/>
               <a:t>Deuxième niveau</a:t>
             </a:r>
           </a:p>
           <a:p>
-            <a:pPr lvl="2"/>
+            <a:pPr lvl="2" rtl="0"/>
             <a:r>
               <a:rPr lang="fr-FR" smtClean="0"/>
               <a:t>Troisième niveau</a:t>
             </a:r>
           </a:p>
           <a:p>
-            <a:pPr lvl="3"/>
+            <a:pPr lvl="3" rtl="0"/>
             <a:r>
               <a:rPr lang="fr-FR" smtClean="0"/>
               <a:t>Quatrième niveau</a:t>
             </a:r>
           </a:p>
           <a:p>
-            <a:pPr lvl="4"/>
+            <a:pPr lvl="4" rtl="0"/>
             <a:r>
               <a:rPr lang="fr-FR" smtClean="0"/>
               <a:t>Cinquième niveau</a:t>
             </a:r>
-            <a:endParaRPr lang="en-GB"/>
-          </a:p>
-        </p:txBody>
-      </p:sp>
-      <p:sp>
-        <p:nvSpPr>
-          <p:cNvPr id="4" name="Espace réservé de la date 3"/>
+            <a:endParaRPr lang="fr-FR" dirty="0"/>
+          </a:p>
+        </p:txBody>
+      </p:sp>
+      <p:sp>
+        <p:nvSpPr>
+          <p:cNvPr id="4" name="Espace réservé de la date 3"/>
           <p:cNvSpPr>
             <a:spLocks noGrp="1"/>
           </p:cNvSpPr>
@@ -430,8 +1090,12 @@
         </p:nvSpPr>
         <p:spPr/>
         <p:txBody>
-          <a:bodyPr/>
-          <a:lstStyle/>
+          <a:bodyPr rtlCol="0"/>
+          <a:lstStyle>
+            <a:lvl1pPr>
+              <a:defRPr/>
+            </a:lvl1pPr>
+          </a:lstStyle>
           <a:p>
             <a:fld id="{7B8C664E-E4BB-437E-8BCE-FB372C1B69CF}" type="datetimeFigureOut">
               <a:rPr lang="en-GB" smtClean="0"/>
@@ -453,7 +1117,7 @@
         </p:nvSpPr>
         <p:spPr/>
         <p:txBody>
-          <a:bodyPr/>
+          <a:bodyPr rtlCol="0"/>
           <a:lstStyle/>
           <a:p>
             <a:endParaRPr lang="en-GB"/>
@@ -472,7 +1136,7 @@
         </p:nvSpPr>
         <p:spPr/>
         <p:txBody>
-          <a:bodyPr/>
+          <a:bodyPr rtlCol="0"/>
           <a:lstStyle/>
           <a:p>
             <a:fld id="{EDBE66C2-973C-4326-857B-8142966C0BE3}" type="slidenum">
@@ -486,13 +1150,25 @@
     </p:spTree>
     <p:extLst>
       <p:ext uri="{BB962C8B-B14F-4D97-AF65-F5344CB8AC3E}">
-        <p14:creationId xmlns:p14="http://schemas.microsoft.com/office/powerpoint/2010/main" val="2020279624"/>
+        <p14:creationId xmlns:p14="http://schemas.microsoft.com/office/powerpoint/2010/main" val="3175785817"/>
       </p:ext>
     </p:extLst>
   </p:cSld>
   <p:clrMapOvr>
     <a:masterClrMapping/>
   </p:clrMapOvr>
+  <mc:AlternateContent xmlns:mc="http://schemas.openxmlformats.org/markup-compatibility/2006" xmlns:p14="http://schemas.microsoft.com/office/powerpoint/2010/main">
+    <mc:Choice Requires="p14">
+      <p:transition spd="med" p14:dur="700">
+        <p:fade/>
+      </p:transition>
+    </mc:Choice>
+    <mc:Fallback xmlns="">
+      <p:transition spd="med">
+        <p:fade/>
+      </p:transition>
+    </mc:Fallback>
+  </mc:AlternateContent>
 </p:sldLayout>
 </file>
 
@@ -515,7 +1191,7 @@
       </p:grpSpPr>
       <p:sp>
         <p:nvSpPr>
-          <p:cNvPr id="2" name="Titre vertical 1"/>
+          <p:cNvPr id="2" name="Titre vertical 1"/>
           <p:cNvSpPr>
             <a:spLocks noGrp="1"/>
           </p:cNvSpPr>
@@ -525,25 +1201,26 @@
         </p:nvSpPr>
         <p:spPr>
           <a:xfrm>
-            <a:off x="8724900" y="365125"/>
-            <a:ext cx="2628900" cy="5811838"/>
+            <a:off x="8839200" y="584200"/>
+            <a:ext cx="2743200" cy="5588000"/>
           </a:xfrm>
         </p:spPr>
         <p:txBody>
-          <a:bodyPr vert="eaVert"/>
+          <a:bodyPr vert="eaVert" rtlCol="0"/>
           <a:lstStyle/>
           <a:p>
+            <a:pPr rtl="0"/>
             <a:r>
               <a:rPr lang="fr-FR" smtClean="0"/>
               <a:t>Modifiez le style du titre</a:t>
             </a:r>
-            <a:endParaRPr lang="en-GB"/>
-          </a:p>
-        </p:txBody>
-      </p:sp>
-      <p:sp>
-        <p:nvSpPr>
-          <p:cNvPr id="3" name="Espace réservé du texte vertical 2"/>
+            <a:endParaRPr lang="fr-FR" dirty="0"/>
+          </a:p>
+        </p:txBody>
+      </p:sp>
+      <p:sp>
+        <p:nvSpPr>
+          <p:cNvPr id="3" name="Espace réservé du texte vertical 2"/>
           <p:cNvSpPr>
             <a:spLocks noGrp="1"/>
           </p:cNvSpPr>
@@ -553,54 +1230,70 @@
         </p:nvSpPr>
         <p:spPr>
           <a:xfrm>
-            <a:off x="838200" y="365125"/>
-            <a:ext cx="7734300" cy="5811838"/>
+            <a:off x="1219200" y="584200"/>
+            <a:ext cx="7416800" cy="5588000"/>
           </a:xfrm>
         </p:spPr>
         <p:txBody>
-          <a:bodyPr vert="eaVert"/>
-          <a:lstStyle/>
-          <a:p>
-            <a:pPr lvl="0"/>
+          <a:bodyPr vert="eaVert" rtlCol="0"/>
+          <a:lstStyle>
+            <a:lvl5pPr algn="l" rtl="0">
+              <a:defRPr/>
+            </a:lvl5pPr>
+            <a:lvl6pPr algn="l" rtl="0">
+              <a:defRPr/>
+            </a:lvl6pPr>
+            <a:lvl7pPr algn="l" rtl="0">
+              <a:defRPr/>
+            </a:lvl7pPr>
+            <a:lvl8pPr algn="l" rtl="0">
+              <a:defRPr/>
+            </a:lvl8pPr>
+            <a:lvl9pPr algn="l" rtl="0">
+              <a:defRPr/>
+            </a:lvl9pPr>
+          </a:lstStyle>
+          <a:p>
+            <a:pPr lvl="0" rtl="0"/>
             <a:r>
               <a:rPr lang="fr-FR" smtClean="0"/>
               <a:t>Modifiez les styles du texte du masque</a:t>
             </a:r>
           </a:p>
           <a:p>
-            <a:pPr lvl="1"/>
+            <a:pPr lvl="1" rtl="0"/>
             <a:r>
               <a:rPr lang="fr-FR" smtClean="0"/>
               <a:t>Deuxième niveau</a:t>
             </a:r>
           </a:p>
           <a:p>
-            <a:pPr lvl="2"/>
+            <a:pPr lvl="2" rtl="0"/>
             <a:r>
               <a:rPr lang="fr-FR" smtClean="0"/>
               <a:t>Troisième niveau</a:t>
             </a:r>
           </a:p>
           <a:p>
-            <a:pPr lvl="3"/>
+            <a:pPr lvl="3" rtl="0"/>
             <a:r>
               <a:rPr lang="fr-FR" smtClean="0"/>
               <a:t>Quatrième niveau</a:t>
             </a:r>
           </a:p>
           <a:p>
-            <a:pPr lvl="4"/>
+            <a:pPr lvl="4" rtl="0"/>
             <a:r>
               <a:rPr lang="fr-FR" smtClean="0"/>
               <a:t>Cinquième niveau</a:t>
             </a:r>
-            <a:endParaRPr lang="en-GB"/>
-          </a:p>
-        </p:txBody>
-      </p:sp>
-      <p:sp>
-        <p:nvSpPr>
-          <p:cNvPr id="4" name="Espace réservé de la date 3"/>
+            <a:endParaRPr lang="fr-FR" dirty="0"/>
+          </a:p>
+        </p:txBody>
+      </p:sp>
+      <p:sp>
+        <p:nvSpPr>
+          <p:cNvPr id="4" name="Espace réservé de la date 3"/>
           <p:cNvSpPr>
             <a:spLocks noGrp="1"/>
           </p:cNvSpPr>
@@ -610,8 +1303,12 @@
         </p:nvSpPr>
         <p:spPr/>
         <p:txBody>
-          <a:bodyPr/>
-          <a:lstStyle/>
+          <a:bodyPr rtlCol="0"/>
+          <a:lstStyle>
+            <a:lvl1pPr>
+              <a:defRPr/>
+            </a:lvl1pPr>
+          </a:lstStyle>
           <a:p>
             <a:fld id="{7B8C664E-E4BB-437E-8BCE-FB372C1B69CF}" type="datetimeFigureOut">
               <a:rPr lang="en-GB" smtClean="0"/>
@@ -633,7 +1330,7 @@
         </p:nvSpPr>
         <p:spPr/>
         <p:txBody>
-          <a:bodyPr/>
+          <a:bodyPr rtlCol="0"/>
           <a:lstStyle/>
           <a:p>
             <a:endParaRPr lang="en-GB"/>
@@ -652,7 +1349,7 @@
         </p:nvSpPr>
         <p:spPr/>
         <p:txBody>
-          <a:bodyPr/>
+          <a:bodyPr rtlCol="0"/>
           <a:lstStyle/>
           <a:p>
             <a:fld id="{EDBE66C2-973C-4326-857B-8142966C0BE3}" type="slidenum">
@@ -666,13 +1363,25 @@
     </p:spTree>
     <p:extLst>
       <p:ext uri="{BB962C8B-B14F-4D97-AF65-F5344CB8AC3E}">
-        <p14:creationId xmlns:p14="http://schemas.microsoft.com/office/powerpoint/2010/main" val="386450092"/>
+        <p14:creationId xmlns:p14="http://schemas.microsoft.com/office/powerpoint/2010/main" val="2320473199"/>
       </p:ext>
     </p:extLst>
   </p:cSld>
   <p:clrMapOvr>
     <a:masterClrMapping/>
   </p:clrMapOvr>
+  <mc:AlternateContent xmlns:mc="http://schemas.openxmlformats.org/markup-compatibility/2006" xmlns:p14="http://schemas.microsoft.com/office/powerpoint/2010/main">
+    <mc:Choice Requires="p14">
+      <p:transition spd="med" p14:dur="700">
+        <p:fade/>
+      </p:transition>
+    </mc:Choice>
+    <mc:Fallback xmlns="">
+      <p:transition spd="med">
+        <p:fade/>
+      </p:transition>
+    </mc:Fallback>
+  </mc:AlternateContent>
 </p:sldLayout>
 </file>
 
@@ -705,20 +1414,21 @@
         </p:nvSpPr>
         <p:spPr/>
         <p:txBody>
-          <a:bodyPr/>
+          <a:bodyPr rtlCol="0"/>
           <a:lstStyle/>
           <a:p>
+            <a:pPr rtl="0"/>
             <a:r>
               <a:rPr lang="fr-FR" smtClean="0"/>
               <a:t>Modifiez le style du titre</a:t>
             </a:r>
-            <a:endParaRPr lang="en-GB"/>
-          </a:p>
-        </p:txBody>
-      </p:sp>
-      <p:sp>
-        <p:nvSpPr>
-          <p:cNvPr id="3" name="Espace réservé du contenu 2"/>
+            <a:endParaRPr lang="fr-FR" dirty="0"/>
+          </a:p>
+        </p:txBody>
+      </p:sp>
+      <p:sp>
+        <p:nvSpPr>
+          <p:cNvPr id="3" name="Espace réservé du contenu 2"/>
           <p:cNvSpPr>
             <a:spLocks noGrp="1"/>
           </p:cNvSpPr>
@@ -728,49 +1438,65 @@
         </p:nvSpPr>
         <p:spPr/>
         <p:txBody>
-          <a:bodyPr/>
-          <a:lstStyle/>
-          <a:p>
-            <a:pPr lvl="0"/>
+          <a:bodyPr rtlCol="0"/>
+          <a:lstStyle>
+            <a:lvl5pPr algn="l" rtl="0">
+              <a:defRPr/>
+            </a:lvl5pPr>
+            <a:lvl6pPr algn="l" rtl="0">
+              <a:defRPr/>
+            </a:lvl6pPr>
+            <a:lvl7pPr algn="l" rtl="0">
+              <a:defRPr/>
+            </a:lvl7pPr>
+            <a:lvl8pPr algn="l" rtl="0">
+              <a:defRPr/>
+            </a:lvl8pPr>
+            <a:lvl9pPr algn="l" rtl="0">
+              <a:defRPr/>
+            </a:lvl9pPr>
+          </a:lstStyle>
+          <a:p>
+            <a:pPr lvl="0" rtl="0"/>
             <a:r>
               <a:rPr lang="fr-FR" smtClean="0"/>
               <a:t>Modifiez les styles du texte du masque</a:t>
             </a:r>
           </a:p>
           <a:p>
-            <a:pPr lvl="1"/>
+            <a:pPr lvl="1" rtl="0"/>
             <a:r>
               <a:rPr lang="fr-FR" smtClean="0"/>
               <a:t>Deuxième niveau</a:t>
             </a:r>
           </a:p>
           <a:p>
-            <a:pPr lvl="2"/>
+            <a:pPr lvl="2" rtl="0"/>
             <a:r>
               <a:rPr lang="fr-FR" smtClean="0"/>
               <a:t>Troisième niveau</a:t>
             </a:r>
           </a:p>
           <a:p>
-            <a:pPr lvl="3"/>
+            <a:pPr lvl="3" rtl="0"/>
             <a:r>
               <a:rPr lang="fr-FR" smtClean="0"/>
               <a:t>Quatrième niveau</a:t>
             </a:r>
           </a:p>
           <a:p>
-            <a:pPr lvl="4"/>
+            <a:pPr lvl="4" rtl="0"/>
             <a:r>
               <a:rPr lang="fr-FR" smtClean="0"/>
               <a:t>Cinquième niveau</a:t>
             </a:r>
-            <a:endParaRPr lang="en-GB"/>
-          </a:p>
-        </p:txBody>
-      </p:sp>
-      <p:sp>
-        <p:nvSpPr>
-          <p:cNvPr id="4" name="Espace réservé de la date 3"/>
+            <a:endParaRPr lang="fr-FR" dirty="0"/>
+          </a:p>
+        </p:txBody>
+      </p:sp>
+      <p:sp>
+        <p:nvSpPr>
+          <p:cNvPr id="4" name="Espace réservé de la date 3"/>
           <p:cNvSpPr>
             <a:spLocks noGrp="1"/>
           </p:cNvSpPr>
@@ -780,8 +1506,12 @@
         </p:nvSpPr>
         <p:spPr/>
         <p:txBody>
-          <a:bodyPr/>
-          <a:lstStyle/>
+          <a:bodyPr rtlCol="0"/>
+          <a:lstStyle>
+            <a:lvl1pPr>
+              <a:defRPr/>
+            </a:lvl1pPr>
+          </a:lstStyle>
           <a:p>
             <a:fld id="{7B8C664E-E4BB-437E-8BCE-FB372C1B69CF}" type="datetimeFigureOut">
               <a:rPr lang="en-GB" smtClean="0"/>
@@ -803,7 +1533,7 @@
         </p:nvSpPr>
         <p:spPr/>
         <p:txBody>
-          <a:bodyPr/>
+          <a:bodyPr rtlCol="0"/>
           <a:lstStyle/>
           <a:p>
             <a:endParaRPr lang="en-GB"/>
@@ -822,7 +1552,7 @@
         </p:nvSpPr>
         <p:spPr/>
         <p:txBody>
-          <a:bodyPr/>
+          <a:bodyPr rtlCol="0"/>
           <a:lstStyle/>
           <a:p>
             <a:fld id="{EDBE66C2-973C-4326-857B-8142966C0BE3}" type="slidenum">
@@ -836,19 +1566,31 @@
     </p:spTree>
     <p:extLst>
       <p:ext uri="{BB962C8B-B14F-4D97-AF65-F5344CB8AC3E}">
-        <p14:creationId xmlns:p14="http://schemas.microsoft.com/office/powerpoint/2010/main" val="3068981305"/>
+        <p14:creationId xmlns:p14="http://schemas.microsoft.com/office/powerpoint/2010/main" val="856127992"/>
       </p:ext>
     </p:extLst>
   </p:cSld>
   <p:clrMapOvr>
     <a:masterClrMapping/>
   </p:clrMapOvr>
+  <mc:AlternateContent xmlns:mc="http://schemas.openxmlformats.org/markup-compatibility/2006" xmlns:p14="http://schemas.microsoft.com/office/powerpoint/2010/main">
+    <mc:Choice Requires="p14">
+      <p:transition spd="med" p14:dur="700">
+        <p:fade/>
+      </p:transition>
+    </mc:Choice>
+    <mc:Fallback xmlns="">
+      <p:transition spd="med">
+        <p:fade/>
+      </p:transition>
+    </mc:Fallback>
+  </mc:AlternateContent>
 </p:sldLayout>
 </file>
 
 <file path=ppt/slideLayouts/slideLayout3.xml><?xml version="1.0" encoding="utf-8"?>
 <p:sldLayout xmlns:a="http://schemas.openxmlformats.org/drawingml/2006/main" xmlns:r="http://schemas.openxmlformats.org/officeDocument/2006/relationships" xmlns:p="http://schemas.openxmlformats.org/presentationml/2006/main" type="secHead" preserve="1">
-  <p:cSld name="Titre de section">
+  <p:cSld name="En-tête de section">
     <p:spTree>
       <p:nvGrpSpPr>
         <p:cNvPr id="1" name=""/>
@@ -863,9 +1605,178 @@
           <a:chExt cx="0" cy="0"/>
         </a:xfrm>
       </p:grpSpPr>
-      <p:sp>
-        <p:nvSpPr>
-          <p:cNvPr id="2" name="Titre 1"/>
+      <p:grpSp>
+        <p:nvGrpSpPr>
+          <p:cNvPr id="11" name="diagonales"/>
+          <p:cNvGrpSpPr/>
+          <p:nvPr/>
+        </p:nvGrpSpPr>
+        <p:grpSpPr>
+          <a:xfrm>
+            <a:off x="7518401" y="4145282"/>
+            <a:ext cx="4687338" cy="2731407"/>
+            <a:chOff x="5638800" y="3108960"/>
+            <a:chExt cx="3515503" cy="2048555"/>
+          </a:xfrm>
+        </p:grpSpPr>
+        <p:cxnSp>
+          <p:nvCxnSpPr>
+            <p:cNvPr id="12" name="Connecteur droit 11"/>
+            <p:cNvCxnSpPr/>
+            <p:nvPr/>
+          </p:nvCxnSpPr>
+          <p:spPr>
+            <a:xfrm flipV="1">
+              <a:off x="5638800" y="3108960"/>
+              <a:ext cx="3515503" cy="2037116"/>
+            </a:xfrm>
+            <a:prstGeom prst="line">
+              <a:avLst/>
+            </a:prstGeom>
+            <a:noFill/>
+            <a:ln w="38100">
+              <a:gradFill>
+                <a:gsLst>
+                  <a:gs pos="50000">
+                    <a:schemeClr val="accent1">
+                      <a:lumMod val="75000"/>
+                    </a:schemeClr>
+                  </a:gs>
+                  <a:gs pos="0">
+                    <a:schemeClr val="accent1"/>
+                  </a:gs>
+                  <a:gs pos="100000">
+                    <a:schemeClr val="accent1"/>
+                  </a:gs>
+                </a:gsLst>
+                <a:lin ang="5400000" scaled="0"/>
+              </a:gradFill>
+            </a:ln>
+          </p:spPr>
+          <p:style>
+            <a:lnRef idx="2">
+              <a:schemeClr val="accent1">
+                <a:shade val="50000"/>
+              </a:schemeClr>
+            </a:lnRef>
+            <a:fillRef idx="1">
+              <a:schemeClr val="accent1"/>
+            </a:fillRef>
+            <a:effectRef idx="0">
+              <a:schemeClr val="accent1"/>
+            </a:effectRef>
+            <a:fontRef idx="minor">
+              <a:schemeClr val="lt1"/>
+            </a:fontRef>
+          </p:style>
+        </p:cxnSp>
+        <p:cxnSp>
+          <p:nvCxnSpPr>
+            <p:cNvPr id="13" name="Connecteur droit 12"/>
+            <p:cNvCxnSpPr/>
+            <p:nvPr/>
+          </p:nvCxnSpPr>
+          <p:spPr>
+            <a:xfrm flipV="1">
+              <a:off x="6004643" y="3333750"/>
+              <a:ext cx="3149660" cy="1823765"/>
+            </a:xfrm>
+            <a:prstGeom prst="line">
+              <a:avLst/>
+            </a:prstGeom>
+            <a:noFill/>
+            <a:ln w="28575">
+              <a:gradFill>
+                <a:gsLst>
+                  <a:gs pos="0">
+                    <a:schemeClr val="accent1">
+                      <a:lumMod val="75000"/>
+                    </a:schemeClr>
+                  </a:gs>
+                  <a:gs pos="50000">
+                    <a:schemeClr val="accent1">
+                      <a:lumMod val="75000"/>
+                    </a:schemeClr>
+                  </a:gs>
+                  <a:gs pos="100000">
+                    <a:schemeClr val="accent1"/>
+                  </a:gs>
+                </a:gsLst>
+                <a:lin ang="5400000" scaled="0"/>
+              </a:gradFill>
+            </a:ln>
+          </p:spPr>
+          <p:style>
+            <a:lnRef idx="2">
+              <a:schemeClr val="accent1">
+                <a:shade val="50000"/>
+              </a:schemeClr>
+            </a:lnRef>
+            <a:fillRef idx="1">
+              <a:schemeClr val="accent1"/>
+            </a:fillRef>
+            <a:effectRef idx="0">
+              <a:schemeClr val="accent1"/>
+            </a:effectRef>
+            <a:fontRef idx="minor">
+              <a:schemeClr val="lt1"/>
+            </a:fontRef>
+          </p:style>
+        </p:cxnSp>
+        <p:cxnSp>
+          <p:nvCxnSpPr>
+            <p:cNvPr id="14" name="Connecteur droit 13"/>
+            <p:cNvCxnSpPr/>
+            <p:nvPr/>
+          </p:nvCxnSpPr>
+          <p:spPr>
+            <a:xfrm flipV="1">
+              <a:off x="6388342" y="3549891"/>
+              <a:ext cx="2765961" cy="1600149"/>
+            </a:xfrm>
+            <a:prstGeom prst="line">
+              <a:avLst/>
+            </a:prstGeom>
+            <a:noFill/>
+            <a:ln w="25400">
+              <a:gradFill>
+                <a:gsLst>
+                  <a:gs pos="0">
+                    <a:schemeClr val="accent1">
+                      <a:lumMod val="50000"/>
+                    </a:schemeClr>
+                  </a:gs>
+                  <a:gs pos="100000">
+                    <a:schemeClr val="accent1">
+                      <a:lumMod val="75000"/>
+                    </a:schemeClr>
+                  </a:gs>
+                </a:gsLst>
+                <a:lin ang="5400000" scaled="0"/>
+              </a:gradFill>
+            </a:ln>
+          </p:spPr>
+          <p:style>
+            <a:lnRef idx="2">
+              <a:schemeClr val="accent1">
+                <a:shade val="50000"/>
+              </a:schemeClr>
+            </a:lnRef>
+            <a:fillRef idx="1">
+              <a:schemeClr val="accent1"/>
+            </a:fillRef>
+            <a:effectRef idx="0">
+              <a:schemeClr val="accent1"/>
+            </a:effectRef>
+            <a:fontRef idx="minor">
+              <a:schemeClr val="lt1"/>
+            </a:fontRef>
+          </p:style>
+        </p:cxnSp>
+      </p:grpSp>
+      <p:sp>
+        <p:nvSpPr>
+          <p:cNvPr id="2" name="Titre 1"/>
           <p:cNvSpPr>
             <a:spLocks noGrp="1"/>
           </p:cNvSpPr>
@@ -875,23 +1786,26 @@
         </p:nvSpPr>
         <p:spPr>
           <a:xfrm>
-            <a:off x="831850" y="1709738"/>
-            <a:ext cx="10515600" cy="2852737"/>
+            <a:off x="1625601" y="2209802"/>
+            <a:ext cx="8940800" cy="2764335"/>
           </a:xfrm>
         </p:spPr>
         <p:txBody>
-          <a:bodyPr anchor="b"/>
+          <a:bodyPr rtlCol="0" anchor="b">
+            <a:normAutofit/>
+          </a:bodyPr>
           <a:lstStyle>
-            <a:lvl1pPr>
-              <a:defRPr sz="6000"/>
+            <a:lvl1pPr algn="l" rtl="0">
+              <a:defRPr sz="5400" b="0" cap="none" baseline="0"/>
             </a:lvl1pPr>
           </a:lstStyle>
           <a:p>
+            <a:pPr rtl="0"/>
             <a:r>
               <a:rPr lang="fr-FR" smtClean="0"/>
               <a:t>Modifiez le style du titre</a:t>
             </a:r>
-            <a:endParaRPr lang="en-GB"/>
+            <a:endParaRPr lang="fr-FR" dirty="0"/>
           </a:p>
         </p:txBody>
       </p:sp>
@@ -907,14 +1821,27 @@
         </p:nvSpPr>
         <p:spPr>
           <a:xfrm>
-            <a:off x="831850" y="4589463"/>
-            <a:ext cx="10515600" cy="1500187"/>
+            <a:off x="1625600" y="4951267"/>
+            <a:ext cx="7071361" cy="1220933"/>
           </a:xfrm>
         </p:spPr>
         <p:txBody>
-          <a:bodyPr/>
+          <a:bodyPr rtlCol="0" anchor="t">
+            <a:normAutofit/>
+          </a:bodyPr>
           <a:lstStyle>
-            <a:lvl1pPr marL="0" indent="0">
+            <a:lvl1pPr marL="0" indent="0" algn="l" rtl="0">
+              <a:spcBef>
+                <a:spcPts val="0"/>
+              </a:spcBef>
+              <a:buNone/>
+              <a:defRPr sz="2800" cap="all" spc="200" baseline="0">
+                <a:solidFill>
+                  <a:schemeClr val="accent1"/>
+                </a:solidFill>
+              </a:defRPr>
+            </a:lvl1pPr>
+            <a:lvl2pPr marL="609493" indent="0" algn="l" rtl="0">
               <a:buNone/>
               <a:defRPr sz="2400">
                 <a:solidFill>
@@ -923,20 +1850,10 @@
                   </a:schemeClr>
                 </a:solidFill>
               </a:defRPr>
-            </a:lvl1pPr>
-            <a:lvl2pPr marL="457200" indent="0">
+            </a:lvl2pPr>
+            <a:lvl3pPr marL="1218987" indent="0" algn="l" rtl="0">
               <a:buNone/>
-              <a:defRPr sz="2000">
-                <a:solidFill>
-                  <a:schemeClr val="tx1">
-                    <a:tint val="75000"/>
-                  </a:schemeClr>
-                </a:solidFill>
-              </a:defRPr>
-            </a:lvl2pPr>
-            <a:lvl3pPr marL="914400" indent="0">
-              <a:buNone/>
-              <a:defRPr sz="1800">
+              <a:defRPr sz="2100">
                 <a:solidFill>
                   <a:schemeClr val="tx1">
                     <a:tint val="75000"/>
@@ -944,9 +1861,9 @@
                 </a:solidFill>
               </a:defRPr>
             </a:lvl3pPr>
-            <a:lvl4pPr marL="1371600" indent="0">
+            <a:lvl4pPr marL="1828480" indent="0" algn="l" rtl="0">
               <a:buNone/>
-              <a:defRPr sz="1600">
+              <a:defRPr sz="1900">
                 <a:solidFill>
                   <a:schemeClr val="tx1">
                     <a:tint val="75000"/>
@@ -954,9 +1871,9 @@
                 </a:solidFill>
               </a:defRPr>
             </a:lvl4pPr>
-            <a:lvl5pPr marL="1828800" indent="0">
+            <a:lvl5pPr marL="2437973" indent="0" algn="l" rtl="0">
               <a:buNone/>
-              <a:defRPr sz="1600">
+              <a:defRPr sz="1900">
                 <a:solidFill>
                   <a:schemeClr val="tx1">
                     <a:tint val="75000"/>
@@ -964,9 +1881,9 @@
                 </a:solidFill>
               </a:defRPr>
             </a:lvl5pPr>
-            <a:lvl6pPr marL="2286000" indent="0">
+            <a:lvl6pPr marL="3047467" indent="0" algn="l" rtl="0">
               <a:buNone/>
-              <a:defRPr sz="1600">
+              <a:defRPr sz="1900">
                 <a:solidFill>
                   <a:schemeClr val="tx1">
                     <a:tint val="75000"/>
@@ -974,9 +1891,9 @@
                 </a:solidFill>
               </a:defRPr>
             </a:lvl6pPr>
-            <a:lvl7pPr marL="2743200" indent="0">
+            <a:lvl7pPr marL="3656960" indent="0" algn="l" rtl="0">
               <a:buNone/>
-              <a:defRPr sz="1600">
+              <a:defRPr sz="1900">
                 <a:solidFill>
                   <a:schemeClr val="tx1">
                     <a:tint val="75000"/>
@@ -984,9 +1901,9 @@
                 </a:solidFill>
               </a:defRPr>
             </a:lvl7pPr>
-            <a:lvl8pPr marL="3200400" indent="0">
+            <a:lvl8pPr marL="4266453" indent="0" algn="l" rtl="0">
               <a:buNone/>
-              <a:defRPr sz="1600">
+              <a:defRPr sz="1900">
                 <a:solidFill>
                   <a:schemeClr val="tx1">
                     <a:tint val="75000"/>
@@ -994,9 +1911,9 @@
                 </a:solidFill>
               </a:defRPr>
             </a:lvl8pPr>
-            <a:lvl9pPr marL="3657600" indent="0">
+            <a:lvl9pPr marL="4875947" indent="0" algn="l" rtl="0">
               <a:buNone/>
-              <a:defRPr sz="1600">
+              <a:defRPr sz="1900">
                 <a:solidFill>
                   <a:schemeClr val="tx1">
                     <a:tint val="75000"/>
@@ -1006,7 +1923,7 @@
             </a:lvl9pPr>
           </a:lstStyle>
           <a:p>
-            <a:pPr lvl="0"/>
+            <a:pPr lvl="0" rtl="0"/>
             <a:r>
               <a:rPr lang="fr-FR" smtClean="0"/>
               <a:t>Modifiez les styles du texte du masque</a:t>
@@ -1016,7 +1933,7 @@
       </p:sp>
       <p:sp>
         <p:nvSpPr>
-          <p:cNvPr id="4" name="Espace réservé de la date 3"/>
+          <p:cNvPr id="4" name="Espace réservé de la date 3"/>
           <p:cNvSpPr>
             <a:spLocks noGrp="1"/>
           </p:cNvSpPr>
@@ -1026,8 +1943,12 @@
         </p:nvSpPr>
         <p:spPr/>
         <p:txBody>
-          <a:bodyPr/>
-          <a:lstStyle/>
+          <a:bodyPr rtlCol="0"/>
+          <a:lstStyle>
+            <a:lvl1pPr>
+              <a:defRPr/>
+            </a:lvl1pPr>
+          </a:lstStyle>
           <a:p>
             <a:fld id="{7B8C664E-E4BB-437E-8BCE-FB372C1B69CF}" type="datetimeFigureOut">
               <a:rPr lang="en-GB" smtClean="0"/>
@@ -1049,7 +1970,7 @@
         </p:nvSpPr>
         <p:spPr/>
         <p:txBody>
-          <a:bodyPr/>
+          <a:bodyPr rtlCol="0"/>
           <a:lstStyle/>
           <a:p>
             <a:endParaRPr lang="en-GB"/>
@@ -1068,7 +1989,7 @@
         </p:nvSpPr>
         <p:spPr/>
         <p:txBody>
-          <a:bodyPr/>
+          <a:bodyPr rtlCol="0"/>
           <a:lstStyle/>
           <a:p>
             <a:fld id="{EDBE66C2-973C-4326-857B-8142966C0BE3}" type="slidenum">
@@ -1082,13 +2003,25 @@
     </p:spTree>
     <p:extLst>
       <p:ext uri="{BB962C8B-B14F-4D97-AF65-F5344CB8AC3E}">
-        <p14:creationId xmlns:p14="http://schemas.microsoft.com/office/powerpoint/2010/main" val="253196787"/>
+        <p14:creationId xmlns:p14="http://schemas.microsoft.com/office/powerpoint/2010/main" val="2624531094"/>
       </p:ext>
     </p:extLst>
   </p:cSld>
   <p:clrMapOvr>
     <a:masterClrMapping/>
   </p:clrMapOvr>
+  <mc:AlternateContent xmlns:mc="http://schemas.openxmlformats.org/markup-compatibility/2006" xmlns:p14="http://schemas.microsoft.com/office/powerpoint/2010/main">
+    <mc:Choice Requires="p14">
+      <p:transition spd="med" p14:dur="700">
+        <p:fade/>
+      </p:transition>
+    </mc:Choice>
+    <mc:Fallback xmlns="">
+      <p:transition spd="med">
+        <p:fade/>
+      </p:transition>
+    </mc:Fallback>
+  </mc:AlternateContent>
 </p:sldLayout>
 </file>
 
@@ -1121,14 +2054,15 @@
         </p:nvSpPr>
         <p:spPr/>
         <p:txBody>
-          <a:bodyPr/>
+          <a:bodyPr rtlCol="0"/>
           <a:lstStyle/>
           <a:p>
+            <a:pPr rtl="0"/>
             <a:r>
               <a:rPr lang="fr-FR" smtClean="0"/>
               <a:t>Modifiez le style du titre</a:t>
             </a:r>
-            <a:endParaRPr lang="en-GB"/>
+            <a:endParaRPr lang="fr-FR" dirty="0"/>
           </a:p>
         </p:txBody>
       </p:sp>
@@ -1144,54 +2078,84 @@
         </p:nvSpPr>
         <p:spPr>
           <a:xfrm>
-            <a:off x="838200" y="1825625"/>
-            <a:ext cx="5181600" cy="4351338"/>
+            <a:off x="1219201" y="1706880"/>
+            <a:ext cx="5080000" cy="4465320"/>
           </a:xfrm>
         </p:spPr>
         <p:txBody>
-          <a:bodyPr/>
-          <a:lstStyle/>
-          <a:p>
-            <a:pPr lvl="0"/>
+          <a:bodyPr rtlCol="0">
+            <a:normAutofit/>
+          </a:bodyPr>
+          <a:lstStyle>
+            <a:lvl1pPr algn="l" rtl="0">
+              <a:defRPr sz="2800"/>
+            </a:lvl1pPr>
+            <a:lvl2pPr algn="l" rtl="0">
+              <a:defRPr sz="2400"/>
+            </a:lvl2pPr>
+            <a:lvl3pPr algn="l" rtl="0">
+              <a:defRPr sz="2000"/>
+            </a:lvl3pPr>
+            <a:lvl4pPr algn="l" rtl="0">
+              <a:defRPr sz="2000"/>
+            </a:lvl4pPr>
+            <a:lvl5pPr algn="l" rtl="0">
+              <a:defRPr sz="2000"/>
+            </a:lvl5pPr>
+            <a:lvl6pPr algn="l" rtl="0">
+              <a:defRPr sz="2000"/>
+            </a:lvl6pPr>
+            <a:lvl7pPr algn="l" rtl="0">
+              <a:defRPr sz="2000"/>
+            </a:lvl7pPr>
+            <a:lvl8pPr algn="l" rtl="0">
+              <a:defRPr sz="2000" baseline="0"/>
+            </a:lvl8pPr>
+            <a:lvl9pPr algn="l" rtl="0">
+              <a:defRPr sz="2000" baseline="0"/>
+            </a:lvl9pPr>
+          </a:lstStyle>
+          <a:p>
+            <a:pPr lvl="0" rtl="0"/>
             <a:r>
               <a:rPr lang="fr-FR" smtClean="0"/>
               <a:t>Modifiez les styles du texte du masque</a:t>
             </a:r>
           </a:p>
           <a:p>
-            <a:pPr lvl="1"/>
+            <a:pPr lvl="1" rtl="0"/>
             <a:r>
               <a:rPr lang="fr-FR" smtClean="0"/>
               <a:t>Deuxième niveau</a:t>
             </a:r>
           </a:p>
           <a:p>
-            <a:pPr lvl="2"/>
+            <a:pPr lvl="2" rtl="0"/>
             <a:r>
               <a:rPr lang="fr-FR" smtClean="0"/>
               <a:t>Troisième niveau</a:t>
             </a:r>
           </a:p>
           <a:p>
-            <a:pPr lvl="3"/>
+            <a:pPr lvl="3" rtl="0"/>
             <a:r>
               <a:rPr lang="fr-FR" smtClean="0"/>
               <a:t>Quatrième niveau</a:t>
             </a:r>
           </a:p>
           <a:p>
-            <a:pPr lvl="4"/>
+            <a:pPr lvl="4" rtl="0"/>
             <a:r>
               <a:rPr lang="fr-FR" smtClean="0"/>
               <a:t>Cinquième niveau</a:t>
             </a:r>
-            <a:endParaRPr lang="en-GB"/>
-          </a:p>
-        </p:txBody>
-      </p:sp>
-      <p:sp>
-        <p:nvSpPr>
-          <p:cNvPr id="4" name="Espace réservé du contenu 3"/>
+            <a:endParaRPr lang="fr-FR" dirty="0"/>
+          </a:p>
+        </p:txBody>
+      </p:sp>
+      <p:sp>
+        <p:nvSpPr>
+          <p:cNvPr id="4" name="Espace réservé du contenu 3"/>
           <p:cNvSpPr>
             <a:spLocks noGrp="1"/>
           </p:cNvSpPr>
@@ -1201,54 +2165,84 @@
         </p:nvSpPr>
         <p:spPr>
           <a:xfrm>
-            <a:off x="6172200" y="1825625"/>
-            <a:ext cx="5181600" cy="4351338"/>
+            <a:off x="6502401" y="1706880"/>
+            <a:ext cx="5080000" cy="4465320"/>
           </a:xfrm>
         </p:spPr>
         <p:txBody>
-          <a:bodyPr/>
-          <a:lstStyle/>
-          <a:p>
-            <a:pPr lvl="0"/>
+          <a:bodyPr rtlCol="0">
+            <a:normAutofit/>
+          </a:bodyPr>
+          <a:lstStyle>
+            <a:lvl1pPr algn="l" rtl="0">
+              <a:defRPr sz="2800"/>
+            </a:lvl1pPr>
+            <a:lvl2pPr algn="l" rtl="0">
+              <a:defRPr sz="2400"/>
+            </a:lvl2pPr>
+            <a:lvl3pPr algn="l" rtl="0">
+              <a:defRPr sz="2000"/>
+            </a:lvl3pPr>
+            <a:lvl4pPr algn="l" rtl="0">
+              <a:defRPr sz="2000"/>
+            </a:lvl4pPr>
+            <a:lvl5pPr algn="l" rtl="0">
+              <a:defRPr sz="2000"/>
+            </a:lvl5pPr>
+            <a:lvl6pPr algn="l" rtl="0">
+              <a:defRPr sz="2000"/>
+            </a:lvl6pPr>
+            <a:lvl7pPr algn="l" rtl="0">
+              <a:defRPr sz="2000"/>
+            </a:lvl7pPr>
+            <a:lvl8pPr algn="l" rtl="0">
+              <a:defRPr sz="2000"/>
+            </a:lvl8pPr>
+            <a:lvl9pPr algn="l" rtl="0">
+              <a:defRPr sz="2000"/>
+            </a:lvl9pPr>
+          </a:lstStyle>
+          <a:p>
+            <a:pPr lvl="0" rtl="0"/>
             <a:r>
               <a:rPr lang="fr-FR" smtClean="0"/>
               <a:t>Modifiez les styles du texte du masque</a:t>
             </a:r>
           </a:p>
           <a:p>
-            <a:pPr lvl="1"/>
+            <a:pPr lvl="1" rtl="0"/>
             <a:r>
               <a:rPr lang="fr-FR" smtClean="0"/>
               <a:t>Deuxième niveau</a:t>
             </a:r>
           </a:p>
           <a:p>
-            <a:pPr lvl="2"/>
+            <a:pPr lvl="2" rtl="0"/>
             <a:r>
               <a:rPr lang="fr-FR" smtClean="0"/>
               <a:t>Troisième niveau</a:t>
             </a:r>
           </a:p>
           <a:p>
-            <a:pPr lvl="3"/>
+            <a:pPr lvl="3" rtl="0"/>
             <a:r>
               <a:rPr lang="fr-FR" smtClean="0"/>
               <a:t>Quatrième niveau</a:t>
             </a:r>
           </a:p>
           <a:p>
-            <a:pPr lvl="4"/>
+            <a:pPr lvl="4" rtl="0"/>
             <a:r>
               <a:rPr lang="fr-FR" smtClean="0"/>
               <a:t>Cinquième niveau</a:t>
             </a:r>
-            <a:endParaRPr lang="en-GB"/>
-          </a:p>
-        </p:txBody>
-      </p:sp>
-      <p:sp>
-        <p:nvSpPr>
-          <p:cNvPr id="5" name="Espace réservé de la date 4"/>
+            <a:endParaRPr lang="fr-FR" dirty="0"/>
+          </a:p>
+        </p:txBody>
+      </p:sp>
+      <p:sp>
+        <p:nvSpPr>
+          <p:cNvPr id="5" name="Espace réservé de la date 4"/>
           <p:cNvSpPr>
             <a:spLocks noGrp="1"/>
           </p:cNvSpPr>
@@ -1258,8 +2252,12 @@
         </p:nvSpPr>
         <p:spPr/>
         <p:txBody>
-          <a:bodyPr/>
-          <a:lstStyle/>
+          <a:bodyPr rtlCol="0"/>
+          <a:lstStyle>
+            <a:lvl1pPr>
+              <a:defRPr/>
+            </a:lvl1pPr>
+          </a:lstStyle>
           <a:p>
             <a:fld id="{7B8C664E-E4BB-437E-8BCE-FB372C1B69CF}" type="datetimeFigureOut">
               <a:rPr lang="en-GB" smtClean="0"/>
@@ -1271,7 +2269,7 @@
       </p:sp>
       <p:sp>
         <p:nvSpPr>
-          <p:cNvPr id="6" name="Espace réservé du pied de page 5"/>
+          <p:cNvPr id="6" name="Espace réservé du pied de page 5"/>
           <p:cNvSpPr>
             <a:spLocks noGrp="1"/>
           </p:cNvSpPr>
@@ -1281,7 +2279,7 @@
         </p:nvSpPr>
         <p:spPr/>
         <p:txBody>
-          <a:bodyPr/>
+          <a:bodyPr rtlCol="0"/>
           <a:lstStyle/>
           <a:p>
             <a:endParaRPr lang="en-GB"/>
@@ -1290,7 +2288,7 @@
       </p:sp>
       <p:sp>
         <p:nvSpPr>
-          <p:cNvPr id="7" name="Espace réservé du numéro de diapositive 6"/>
+          <p:cNvPr id="7" name="Espace réservé du numéro de diapositive 6"/>
           <p:cNvSpPr>
             <a:spLocks noGrp="1"/>
           </p:cNvSpPr>
@@ -1300,7 +2298,7 @@
         </p:nvSpPr>
         <p:spPr/>
         <p:txBody>
-          <a:bodyPr/>
+          <a:bodyPr rtlCol="0"/>
           <a:lstStyle/>
           <a:p>
             <a:fld id="{EDBE66C2-973C-4326-857B-8142966C0BE3}" type="slidenum">
@@ -1314,13 +2312,25 @@
     </p:spTree>
     <p:extLst>
       <p:ext uri="{BB962C8B-B14F-4D97-AF65-F5344CB8AC3E}">
-        <p14:creationId xmlns:p14="http://schemas.microsoft.com/office/powerpoint/2010/main" val="1889046822"/>
+        <p14:creationId xmlns:p14="http://schemas.microsoft.com/office/powerpoint/2010/main" val="2286924381"/>
       </p:ext>
     </p:extLst>
   </p:cSld>
   <p:clrMapOvr>
     <a:masterClrMapping/>
   </p:clrMapOvr>
+  <mc:AlternateContent xmlns:mc="http://schemas.openxmlformats.org/markup-compatibility/2006" xmlns:p14="http://schemas.microsoft.com/office/powerpoint/2010/main">
+    <mc:Choice Requires="p14">
+      <p:transition spd="med" p14:dur="700">
+        <p:fade/>
+      </p:transition>
+    </mc:Choice>
+    <mc:Fallback xmlns="">
+      <p:transition spd="med">
+        <p:fade/>
+      </p:transition>
+    </mc:Fallback>
+  </mc:AlternateContent>
 </p:sldLayout>
 </file>
 
@@ -1351,82 +2361,252 @@
             <p:ph type="title"/>
           </p:nvPr>
         </p:nvSpPr>
+        <p:spPr/>
+        <p:txBody>
+          <a:bodyPr rtlCol="0"/>
+          <a:lstStyle>
+            <a:lvl1pPr algn="l" rtl="0">
+              <a:defRPr/>
+            </a:lvl1pPr>
+          </a:lstStyle>
+          <a:p>
+            <a:pPr rtl="0"/>
+            <a:r>
+              <a:rPr lang="fr-FR" smtClean="0"/>
+              <a:t>Modifiez le style du titre</a:t>
+            </a:r>
+            <a:endParaRPr lang="fr-FR" dirty="0"/>
+          </a:p>
+        </p:txBody>
+      </p:sp>
+      <p:sp>
+        <p:nvSpPr>
+          <p:cNvPr id="3" name="Espace réservé du texte 2"/>
+          <p:cNvSpPr>
+            <a:spLocks noGrp="1"/>
+          </p:cNvSpPr>
+          <p:nvPr>
+            <p:ph type="body" idx="1"/>
+          </p:nvPr>
+        </p:nvSpPr>
         <p:spPr>
           <a:xfrm>
-            <a:off x="839788" y="365125"/>
-            <a:ext cx="10515600" cy="1325563"/>
+            <a:off x="1219200" y="1701800"/>
+            <a:ext cx="5084064" cy="914400"/>
           </a:xfrm>
         </p:spPr>
         <p:txBody>
-          <a:bodyPr/>
-          <a:lstStyle/>
-          <a:p>
+          <a:bodyPr rtlCol="0" anchor="b">
+            <a:normAutofit/>
+          </a:bodyPr>
+          <a:lstStyle>
+            <a:lvl1pPr marL="0" indent="0" algn="l" rtl="0">
+              <a:spcBef>
+                <a:spcPts val="0"/>
+              </a:spcBef>
+              <a:buNone/>
+              <a:defRPr sz="2800" b="0" cap="all" spc="200" baseline="0">
+                <a:solidFill>
+                  <a:schemeClr val="accent1"/>
+                </a:solidFill>
+              </a:defRPr>
+            </a:lvl1pPr>
+            <a:lvl2pPr marL="609493" indent="0" algn="l" rtl="0">
+              <a:buNone/>
+              <a:defRPr sz="2700" b="1"/>
+            </a:lvl2pPr>
+            <a:lvl3pPr marL="1218987" indent="0" algn="l" rtl="0">
+              <a:buNone/>
+              <a:defRPr sz="2400" b="1"/>
+            </a:lvl3pPr>
+            <a:lvl4pPr marL="1828480" indent="0" algn="l" rtl="0">
+              <a:buNone/>
+              <a:defRPr sz="2100" b="1"/>
+            </a:lvl4pPr>
+            <a:lvl5pPr marL="2437973" indent="0" algn="l" rtl="0">
+              <a:buNone/>
+              <a:defRPr sz="2100" b="1"/>
+            </a:lvl5pPr>
+            <a:lvl6pPr marL="3047467" indent="0" algn="l" rtl="0">
+              <a:buNone/>
+              <a:defRPr sz="2100" b="1"/>
+            </a:lvl6pPr>
+            <a:lvl7pPr marL="3656960" indent="0" algn="l" rtl="0">
+              <a:buNone/>
+              <a:defRPr sz="2100" b="1"/>
+            </a:lvl7pPr>
+            <a:lvl8pPr marL="4266453" indent="0" algn="l" rtl="0">
+              <a:buNone/>
+              <a:defRPr sz="2100" b="1"/>
+            </a:lvl8pPr>
+            <a:lvl9pPr marL="4875947" indent="0" algn="l" rtl="0">
+              <a:buNone/>
+              <a:defRPr sz="2100" b="1"/>
+            </a:lvl9pPr>
+          </a:lstStyle>
+          <a:p>
+            <a:pPr lvl="0" rtl="0"/>
             <a:r>
               <a:rPr lang="fr-FR" smtClean="0"/>
-              <a:t>Modifiez le style du titre</a:t>
-            </a:r>
-            <a:endParaRPr lang="en-GB"/>
-          </a:p>
-        </p:txBody>
-      </p:sp>
-      <p:sp>
-        <p:nvSpPr>
-          <p:cNvPr id="3" name="Espace réservé du texte 2"/>
-          <p:cNvSpPr>
-            <a:spLocks noGrp="1"/>
-          </p:cNvSpPr>
-          <p:nvPr>
-            <p:ph type="body" idx="1"/>
+              <a:t>Modifiez les styles du texte du masque</a:t>
+            </a:r>
+          </a:p>
+        </p:txBody>
+      </p:sp>
+      <p:sp>
+        <p:nvSpPr>
+          <p:cNvPr id="4" name="Espace réservé du contenu 3"/>
+          <p:cNvSpPr>
+            <a:spLocks noGrp="1"/>
+          </p:cNvSpPr>
+          <p:nvPr>
+            <p:ph sz="half" idx="2"/>
           </p:nvPr>
         </p:nvSpPr>
         <p:spPr>
           <a:xfrm>
-            <a:off x="839788" y="1681163"/>
-            <a:ext cx="5157787" cy="823912"/>
+            <a:off x="1219201" y="2717800"/>
+            <a:ext cx="5080000" cy="3454400"/>
           </a:xfrm>
         </p:spPr>
         <p:txBody>
-          <a:bodyPr anchor="b"/>
+          <a:bodyPr rtlCol="0">
+            <a:noAutofit/>
+          </a:bodyPr>
           <a:lstStyle>
-            <a:lvl1pPr marL="0" indent="0">
+            <a:lvl1pPr algn="l" rtl="0">
+              <a:defRPr sz="2800"/>
+            </a:lvl1pPr>
+            <a:lvl2pPr algn="l" rtl="0">
+              <a:defRPr sz="2400"/>
+            </a:lvl2pPr>
+            <a:lvl3pPr algn="l" rtl="0">
+              <a:defRPr sz="2000"/>
+            </a:lvl3pPr>
+            <a:lvl4pPr algn="l" rtl="0">
+              <a:defRPr sz="2000"/>
+            </a:lvl4pPr>
+            <a:lvl5pPr algn="l" rtl="0">
+              <a:defRPr sz="2000"/>
+            </a:lvl5pPr>
+            <a:lvl6pPr algn="l" rtl="0">
+              <a:defRPr sz="2000"/>
+            </a:lvl6pPr>
+            <a:lvl7pPr algn="l" rtl="0">
+              <a:defRPr sz="2000" baseline="0"/>
+            </a:lvl7pPr>
+            <a:lvl8pPr algn="l" rtl="0">
+              <a:defRPr sz="2000" baseline="0"/>
+            </a:lvl8pPr>
+            <a:lvl9pPr algn="l" rtl="0">
+              <a:defRPr sz="2000" baseline="0"/>
+            </a:lvl9pPr>
+          </a:lstStyle>
+          <a:p>
+            <a:pPr lvl="0" rtl="0"/>
+            <a:r>
+              <a:rPr lang="fr-FR" smtClean="0"/>
+              <a:t>Modifiez les styles du texte du masque</a:t>
+            </a:r>
+          </a:p>
+          <a:p>
+            <a:pPr lvl="1" rtl="0"/>
+            <a:r>
+              <a:rPr lang="fr-FR" smtClean="0"/>
+              <a:t>Deuxième niveau</a:t>
+            </a:r>
+          </a:p>
+          <a:p>
+            <a:pPr lvl="2" rtl="0"/>
+            <a:r>
+              <a:rPr lang="fr-FR" smtClean="0"/>
+              <a:t>Troisième niveau</a:t>
+            </a:r>
+          </a:p>
+          <a:p>
+            <a:pPr lvl="3" rtl="0"/>
+            <a:r>
+              <a:rPr lang="fr-FR" smtClean="0"/>
+              <a:t>Quatrième niveau</a:t>
+            </a:r>
+          </a:p>
+          <a:p>
+            <a:pPr lvl="4" rtl="0"/>
+            <a:r>
+              <a:rPr lang="fr-FR" smtClean="0"/>
+              <a:t>Cinquième niveau</a:t>
+            </a:r>
+            <a:endParaRPr lang="fr-FR" dirty="0"/>
+          </a:p>
+        </p:txBody>
+      </p:sp>
+      <p:sp>
+        <p:nvSpPr>
+          <p:cNvPr id="5" name="Espace réservé du texte 4"/>
+          <p:cNvSpPr>
+            <a:spLocks noGrp="1"/>
+          </p:cNvSpPr>
+          <p:nvPr>
+            <p:ph type="body" sz="quarter" idx="3"/>
+          </p:nvPr>
+        </p:nvSpPr>
+        <p:spPr>
+          <a:xfrm>
+            <a:off x="6498336" y="1701800"/>
+            <a:ext cx="5084064" cy="914400"/>
+          </a:xfrm>
+        </p:spPr>
+        <p:txBody>
+          <a:bodyPr rtlCol="0" anchor="b">
+            <a:normAutofit/>
+          </a:bodyPr>
+          <a:lstStyle>
+            <a:lvl1pPr marL="0" indent="0" algn="l" rtl="0">
+              <a:spcBef>
+                <a:spcPts val="0"/>
+              </a:spcBef>
+              <a:buNone/>
+              <a:defRPr sz="2800" b="0" cap="all" spc="200" baseline="0">
+                <a:solidFill>
+                  <a:schemeClr val="accent1"/>
+                </a:solidFill>
+              </a:defRPr>
+            </a:lvl1pPr>
+            <a:lvl2pPr marL="609493" indent="0" algn="l" rtl="0">
+              <a:buNone/>
+              <a:defRPr sz="2700" b="1"/>
+            </a:lvl2pPr>
+            <a:lvl3pPr marL="1218987" indent="0" algn="l" rtl="0">
               <a:buNone/>
               <a:defRPr sz="2400" b="1"/>
-            </a:lvl1pPr>
-            <a:lvl2pPr marL="457200" indent="0">
+            </a:lvl3pPr>
+            <a:lvl4pPr marL="1828480" indent="0" algn="l" rtl="0">
               <a:buNone/>
-              <a:defRPr sz="2000" b="1"/>
-            </a:lvl2pPr>
-            <a:lvl3pPr marL="914400" indent="0">
+              <a:defRPr sz="2100" b="1"/>
+            </a:lvl4pPr>
+            <a:lvl5pPr marL="2437973" indent="0" algn="l" rtl="0">
               <a:buNone/>
-              <a:defRPr sz="1800" b="1"/>
-            </a:lvl3pPr>
-            <a:lvl4pPr marL="1371600" indent="0">
+              <a:defRPr sz="2100" b="1"/>
+            </a:lvl5pPr>
+            <a:lvl6pPr marL="3047467" indent="0" algn="l" rtl="0">
               <a:buNone/>
-              <a:defRPr sz="1600" b="1"/>
-            </a:lvl4pPr>
-            <a:lvl5pPr marL="1828800" indent="0">
+              <a:defRPr sz="2100" b="1"/>
+            </a:lvl6pPr>
+            <a:lvl7pPr marL="3656960" indent="0" algn="l" rtl="0">
               <a:buNone/>
-              <a:defRPr sz="1600" b="1"/>
-            </a:lvl5pPr>
-            <a:lvl6pPr marL="2286000" indent="0">
+              <a:defRPr sz="2100" b="1"/>
+            </a:lvl7pPr>
+            <a:lvl8pPr marL="4266453" indent="0" algn="l" rtl="0">
               <a:buNone/>
-              <a:defRPr sz="1600" b="1"/>
-            </a:lvl6pPr>
-            <a:lvl7pPr marL="2743200" indent="0">
+              <a:defRPr sz="2100" b="1"/>
+            </a:lvl8pPr>
+            <a:lvl9pPr marL="4875947" indent="0" algn="l" rtl="0">
               <a:buNone/>
-              <a:defRPr sz="1600" b="1"/>
-            </a:lvl7pPr>
-            <a:lvl8pPr marL="3200400" indent="0">
-              <a:buNone/>
-              <a:defRPr sz="1600" b="1"/>
-            </a:lvl8pPr>
-            <a:lvl9pPr marL="3657600" indent="0">
-              <a:buNone/>
-              <a:defRPr sz="1600" b="1"/>
+              <a:defRPr sz="2100" b="1"/>
             </a:lvl9pPr>
           </a:lstStyle>
           <a:p>
-            <a:pPr lvl="0"/>
+            <a:pPr lvl="0" rtl="0"/>
             <a:r>
               <a:rPr lang="fr-FR" smtClean="0"/>
               <a:t>Modifiez les styles du texte du masque</a:t>
@@ -1436,197 +2616,109 @@
       </p:sp>
       <p:sp>
         <p:nvSpPr>
-          <p:cNvPr id="4" name="Espace réservé du contenu 3"/>
-          <p:cNvSpPr>
-            <a:spLocks noGrp="1"/>
-          </p:cNvSpPr>
-          <p:nvPr>
-            <p:ph sz="half" idx="2"/>
+          <p:cNvPr id="6" name="Espace réservé du contenu 5"/>
+          <p:cNvSpPr>
+            <a:spLocks noGrp="1"/>
+          </p:cNvSpPr>
+          <p:nvPr>
+            <p:ph sz="quarter" idx="4"/>
           </p:nvPr>
         </p:nvSpPr>
         <p:spPr>
           <a:xfrm>
-            <a:off x="839788" y="2505075"/>
-            <a:ext cx="5157787" cy="3684588"/>
+            <a:off x="6502401" y="2717800"/>
+            <a:ext cx="5080000" cy="3454400"/>
           </a:xfrm>
         </p:spPr>
         <p:txBody>
-          <a:bodyPr/>
-          <a:lstStyle/>
-          <a:p>
-            <a:pPr lvl="0"/>
+          <a:bodyPr rtlCol="0">
+            <a:noAutofit/>
+          </a:bodyPr>
+          <a:lstStyle>
+            <a:lvl1pPr algn="l" rtl="0">
+              <a:defRPr sz="2800"/>
+            </a:lvl1pPr>
+            <a:lvl2pPr algn="l" rtl="0">
+              <a:defRPr sz="2400"/>
+            </a:lvl2pPr>
+            <a:lvl3pPr algn="l" rtl="0">
+              <a:defRPr sz="2000"/>
+            </a:lvl3pPr>
+            <a:lvl4pPr algn="l" rtl="0">
+              <a:defRPr sz="2000"/>
+            </a:lvl4pPr>
+            <a:lvl5pPr algn="l" rtl="0">
+              <a:defRPr sz="2000"/>
+            </a:lvl5pPr>
+            <a:lvl6pPr algn="l" rtl="0">
+              <a:defRPr sz="2000" baseline="0"/>
+            </a:lvl6pPr>
+            <a:lvl7pPr algn="l" rtl="0">
+              <a:defRPr sz="2000" baseline="0"/>
+            </a:lvl7pPr>
+            <a:lvl8pPr algn="l" rtl="0">
+              <a:defRPr sz="2000" baseline="0"/>
+            </a:lvl8pPr>
+            <a:lvl9pPr algn="l" rtl="0">
+              <a:defRPr sz="2000" baseline="0"/>
+            </a:lvl9pPr>
+          </a:lstStyle>
+          <a:p>
+            <a:pPr lvl="0" rtl="0"/>
             <a:r>
               <a:rPr lang="fr-FR" smtClean="0"/>
               <a:t>Modifiez les styles du texte du masque</a:t>
             </a:r>
           </a:p>
           <a:p>
-            <a:pPr lvl="1"/>
+            <a:pPr lvl="1" rtl="0"/>
             <a:r>
               <a:rPr lang="fr-FR" smtClean="0"/>
               <a:t>Deuxième niveau</a:t>
             </a:r>
           </a:p>
           <a:p>
-            <a:pPr lvl="2"/>
+            <a:pPr lvl="2" rtl="0"/>
             <a:r>
               <a:rPr lang="fr-FR" smtClean="0"/>
               <a:t>Troisième niveau</a:t>
             </a:r>
           </a:p>
           <a:p>
-            <a:pPr lvl="3"/>
+            <a:pPr lvl="3" rtl="0"/>
             <a:r>
               <a:rPr lang="fr-FR" smtClean="0"/>
               <a:t>Quatrième niveau</a:t>
             </a:r>
           </a:p>
           <a:p>
-            <a:pPr lvl="4"/>
+            <a:pPr lvl="4" rtl="0"/>
             <a:r>
               <a:rPr lang="fr-FR" smtClean="0"/>
               <a:t>Cinquième niveau</a:t>
             </a:r>
-            <a:endParaRPr lang="en-GB"/>
-          </a:p>
-        </p:txBody>
-      </p:sp>
-      <p:sp>
-        <p:nvSpPr>
-          <p:cNvPr id="5" name="Espace réservé du texte 4"/>
-          <p:cNvSpPr>
-            <a:spLocks noGrp="1"/>
-          </p:cNvSpPr>
-          <p:nvPr>
-            <p:ph type="body" sz="quarter" idx="3"/>
-          </p:nvPr>
-        </p:nvSpPr>
-        <p:spPr>
-          <a:xfrm>
-            <a:off x="6172200" y="1681163"/>
-            <a:ext cx="5183188" cy="823912"/>
-          </a:xfrm>
-        </p:spPr>
-        <p:txBody>
-          <a:bodyPr anchor="b"/>
+            <a:endParaRPr lang="fr-FR" dirty="0"/>
+          </a:p>
+        </p:txBody>
+      </p:sp>
+      <p:sp>
+        <p:nvSpPr>
+          <p:cNvPr id="7" name="Espace réservé de la date 6"/>
+          <p:cNvSpPr>
+            <a:spLocks noGrp="1"/>
+          </p:cNvSpPr>
+          <p:nvPr>
+            <p:ph type="dt" sz="half" idx="10"/>
+          </p:nvPr>
+        </p:nvSpPr>
+        <p:spPr/>
+        <p:txBody>
+          <a:bodyPr rtlCol="0"/>
           <a:lstStyle>
-            <a:lvl1pPr marL="0" indent="0">
-              <a:buNone/>
-              <a:defRPr sz="2400" b="1"/>
+            <a:lvl1pPr>
+              <a:defRPr/>
             </a:lvl1pPr>
-            <a:lvl2pPr marL="457200" indent="0">
-              <a:buNone/>
-              <a:defRPr sz="2000" b="1"/>
-            </a:lvl2pPr>
-            <a:lvl3pPr marL="914400" indent="0">
-              <a:buNone/>
-              <a:defRPr sz="1800" b="1"/>
-            </a:lvl3pPr>
-            <a:lvl4pPr marL="1371600" indent="0">
-              <a:buNone/>
-              <a:defRPr sz="1600" b="1"/>
-            </a:lvl4pPr>
-            <a:lvl5pPr marL="1828800" indent="0">
-              <a:buNone/>
-              <a:defRPr sz="1600" b="1"/>
-            </a:lvl5pPr>
-            <a:lvl6pPr marL="2286000" indent="0">
-              <a:buNone/>
-              <a:defRPr sz="1600" b="1"/>
-            </a:lvl6pPr>
-            <a:lvl7pPr marL="2743200" indent="0">
-              <a:buNone/>
-              <a:defRPr sz="1600" b="1"/>
-            </a:lvl7pPr>
-            <a:lvl8pPr marL="3200400" indent="0">
-              <a:buNone/>
-              <a:defRPr sz="1600" b="1"/>
-            </a:lvl8pPr>
-            <a:lvl9pPr marL="3657600" indent="0">
-              <a:buNone/>
-              <a:defRPr sz="1600" b="1"/>
-            </a:lvl9pPr>
           </a:lstStyle>
-          <a:p>
-            <a:pPr lvl="0"/>
-            <a:r>
-              <a:rPr lang="fr-FR" smtClean="0"/>
-              <a:t>Modifiez les styles du texte du masque</a:t>
-            </a:r>
-          </a:p>
-        </p:txBody>
-      </p:sp>
-      <p:sp>
-        <p:nvSpPr>
-          <p:cNvPr id="6" name="Espace réservé du contenu 5"/>
-          <p:cNvSpPr>
-            <a:spLocks noGrp="1"/>
-          </p:cNvSpPr>
-          <p:nvPr>
-            <p:ph sz="quarter" idx="4"/>
-          </p:nvPr>
-        </p:nvSpPr>
-        <p:spPr>
-          <a:xfrm>
-            <a:off x="6172200" y="2505075"/>
-            <a:ext cx="5183188" cy="3684588"/>
-          </a:xfrm>
-        </p:spPr>
-        <p:txBody>
-          <a:bodyPr/>
-          <a:lstStyle/>
-          <a:p>
-            <a:pPr lvl="0"/>
-            <a:r>
-              <a:rPr lang="fr-FR" smtClean="0"/>
-              <a:t>Modifiez les styles du texte du masque</a:t>
-            </a:r>
-          </a:p>
-          <a:p>
-            <a:pPr lvl="1"/>
-            <a:r>
-              <a:rPr lang="fr-FR" smtClean="0"/>
-              <a:t>Deuxième niveau</a:t>
-            </a:r>
-          </a:p>
-          <a:p>
-            <a:pPr lvl="2"/>
-            <a:r>
-              <a:rPr lang="fr-FR" smtClean="0"/>
-              <a:t>Troisième niveau</a:t>
-            </a:r>
-          </a:p>
-          <a:p>
-            <a:pPr lvl="3"/>
-            <a:r>
-              <a:rPr lang="fr-FR" smtClean="0"/>
-              <a:t>Quatrième niveau</a:t>
-            </a:r>
-          </a:p>
-          <a:p>
-            <a:pPr lvl="4"/>
-            <a:r>
-              <a:rPr lang="fr-FR" smtClean="0"/>
-              <a:t>Cinquième niveau</a:t>
-            </a:r>
-            <a:endParaRPr lang="en-GB"/>
-          </a:p>
-        </p:txBody>
-      </p:sp>
-      <p:sp>
-        <p:nvSpPr>
-          <p:cNvPr id="7" name="Espace réservé de la date 6"/>
-          <p:cNvSpPr>
-            <a:spLocks noGrp="1"/>
-          </p:cNvSpPr>
-          <p:nvPr>
-            <p:ph type="dt" sz="half" idx="10"/>
-          </p:nvPr>
-        </p:nvSpPr>
-        <p:spPr/>
-        <p:txBody>
-          <a:bodyPr/>
-          <a:lstStyle/>
           <a:p>
             <a:fld id="{7B8C664E-E4BB-437E-8BCE-FB372C1B69CF}" type="datetimeFigureOut">
               <a:rPr lang="en-GB" smtClean="0"/>
@@ -1638,7 +2730,7 @@
       </p:sp>
       <p:sp>
         <p:nvSpPr>
-          <p:cNvPr id="8" name="Espace réservé du pied de page 7"/>
+          <p:cNvPr id="8" name="Espace réservé du pied de page 7"/>
           <p:cNvSpPr>
             <a:spLocks noGrp="1"/>
           </p:cNvSpPr>
@@ -1648,7 +2740,7 @@
         </p:nvSpPr>
         <p:spPr/>
         <p:txBody>
-          <a:bodyPr/>
+          <a:bodyPr rtlCol="0"/>
           <a:lstStyle/>
           <a:p>
             <a:endParaRPr lang="en-GB"/>
@@ -1667,7 +2759,7 @@
         </p:nvSpPr>
         <p:spPr/>
         <p:txBody>
-          <a:bodyPr/>
+          <a:bodyPr rtlCol="0"/>
           <a:lstStyle/>
           <a:p>
             <a:fld id="{EDBE66C2-973C-4326-857B-8142966C0BE3}" type="slidenum">
@@ -1681,19 +2773,31 @@
     </p:spTree>
     <p:extLst>
       <p:ext uri="{BB962C8B-B14F-4D97-AF65-F5344CB8AC3E}">
-        <p14:creationId xmlns:p14="http://schemas.microsoft.com/office/powerpoint/2010/main" val="1316802908"/>
+        <p14:creationId xmlns:p14="http://schemas.microsoft.com/office/powerpoint/2010/main" val="479291144"/>
       </p:ext>
     </p:extLst>
   </p:cSld>
   <p:clrMapOvr>
     <a:masterClrMapping/>
   </p:clrMapOvr>
+  <mc:AlternateContent xmlns:mc="http://schemas.openxmlformats.org/markup-compatibility/2006" xmlns:p14="http://schemas.microsoft.com/office/powerpoint/2010/main">
+    <mc:Choice Requires="p14">
+      <p:transition spd="med" p14:dur="700">
+        <p:fade/>
+      </p:transition>
+    </mc:Choice>
+    <mc:Fallback xmlns="">
+      <p:transition spd="med">
+        <p:fade/>
+      </p:transition>
+    </mc:Fallback>
+  </mc:AlternateContent>
 </p:sldLayout>
 </file>
 
 <file path=ppt/slideLayouts/slideLayout6.xml><?xml version="1.0" encoding="utf-8"?>
 <p:sldLayout xmlns:a="http://schemas.openxmlformats.org/drawingml/2006/main" xmlns:r="http://schemas.openxmlformats.org/officeDocument/2006/relationships" xmlns:p="http://schemas.openxmlformats.org/presentationml/2006/main" type="titleOnly" preserve="1">
-  <p:cSld name="Titre seul">
+  <p:cSld name="Titre uniquement">
     <p:spTree>
       <p:nvGrpSpPr>
         <p:cNvPr id="1" name=""/>
@@ -1720,20 +2824,21 @@
         </p:nvSpPr>
         <p:spPr/>
         <p:txBody>
-          <a:bodyPr/>
+          <a:bodyPr rtlCol="0"/>
           <a:lstStyle/>
           <a:p>
+            <a:pPr rtl="0"/>
             <a:r>
               <a:rPr lang="fr-FR" smtClean="0"/>
               <a:t>Modifiez le style du titre</a:t>
             </a:r>
-            <a:endParaRPr lang="en-GB"/>
-          </a:p>
-        </p:txBody>
-      </p:sp>
-      <p:sp>
-        <p:nvSpPr>
-          <p:cNvPr id="3" name="Espace réservé de la date 2"/>
+            <a:endParaRPr lang="fr-FR" dirty="0"/>
+          </a:p>
+        </p:txBody>
+      </p:sp>
+      <p:sp>
+        <p:nvSpPr>
+          <p:cNvPr id="3" name="Espace réservé de la date 2"/>
           <p:cNvSpPr>
             <a:spLocks noGrp="1"/>
           </p:cNvSpPr>
@@ -1743,8 +2848,12 @@
         </p:nvSpPr>
         <p:spPr/>
         <p:txBody>
-          <a:bodyPr/>
-          <a:lstStyle/>
+          <a:bodyPr rtlCol="0"/>
+          <a:lstStyle>
+            <a:lvl1pPr>
+              <a:defRPr/>
+            </a:lvl1pPr>
+          </a:lstStyle>
           <a:p>
             <a:fld id="{7B8C664E-E4BB-437E-8BCE-FB372C1B69CF}" type="datetimeFigureOut">
               <a:rPr lang="en-GB" smtClean="0"/>
@@ -1756,7 +2865,7 @@
       </p:sp>
       <p:sp>
         <p:nvSpPr>
-          <p:cNvPr id="4" name="Espace réservé du pied de page 3"/>
+          <p:cNvPr id="4" name="Espace réservé du pied de page 3"/>
           <p:cNvSpPr>
             <a:spLocks noGrp="1"/>
           </p:cNvSpPr>
@@ -1766,7 +2875,7 @@
         </p:nvSpPr>
         <p:spPr/>
         <p:txBody>
-          <a:bodyPr/>
+          <a:bodyPr rtlCol="0"/>
           <a:lstStyle/>
           <a:p>
             <a:endParaRPr lang="en-GB"/>
@@ -1775,7 +2884,7 @@
       </p:sp>
       <p:sp>
         <p:nvSpPr>
-          <p:cNvPr id="5" name="Espace réservé du numéro de diapositive 4"/>
+          <p:cNvPr id="5" name="Espace réservé du numéro de diapositive 4"/>
           <p:cNvSpPr>
             <a:spLocks noGrp="1"/>
           </p:cNvSpPr>
@@ -1785,7 +2894,7 @@
         </p:nvSpPr>
         <p:spPr/>
         <p:txBody>
-          <a:bodyPr/>
+          <a:bodyPr rtlCol="0"/>
           <a:lstStyle/>
           <a:p>
             <a:fld id="{EDBE66C2-973C-4326-857B-8142966C0BE3}" type="slidenum">
@@ -1799,13 +2908,25 @@
     </p:spTree>
     <p:extLst>
       <p:ext uri="{BB962C8B-B14F-4D97-AF65-F5344CB8AC3E}">
-        <p14:creationId xmlns:p14="http://schemas.microsoft.com/office/powerpoint/2010/main" val="60319542"/>
+        <p14:creationId xmlns:p14="http://schemas.microsoft.com/office/powerpoint/2010/main" val="1264843814"/>
       </p:ext>
     </p:extLst>
   </p:cSld>
   <p:clrMapOvr>
     <a:masterClrMapping/>
   </p:clrMapOvr>
+  <mc:AlternateContent xmlns:mc="http://schemas.openxmlformats.org/markup-compatibility/2006" xmlns:p14="http://schemas.microsoft.com/office/powerpoint/2010/main">
+    <mc:Choice Requires="p14">
+      <p:transition spd="med" p14:dur="700">
+        <p:fade/>
+      </p:transition>
+    </mc:Choice>
+    <mc:Fallback xmlns="">
+      <p:transition spd="med">
+        <p:fade/>
+      </p:transition>
+    </mc:Fallback>
+  </mc:AlternateContent>
 </p:sldLayout>
 </file>
 
@@ -1828,7 +2949,7 @@
       </p:grpSpPr>
       <p:sp>
         <p:nvSpPr>
-          <p:cNvPr id="2" name="Espace réservé de la date 1"/>
+          <p:cNvPr id="2" name="Espace réservé de la date 1"/>
           <p:cNvSpPr>
             <a:spLocks noGrp="1"/>
           </p:cNvSpPr>
@@ -1838,8 +2959,12 @@
         </p:nvSpPr>
         <p:spPr/>
         <p:txBody>
-          <a:bodyPr/>
-          <a:lstStyle/>
+          <a:bodyPr rtlCol="0"/>
+          <a:lstStyle>
+            <a:lvl1pPr>
+              <a:defRPr/>
+            </a:lvl1pPr>
+          </a:lstStyle>
           <a:p>
             <a:fld id="{7B8C664E-E4BB-437E-8BCE-FB372C1B69CF}" type="datetimeFigureOut">
               <a:rPr lang="en-GB" smtClean="0"/>
@@ -1851,7 +2976,7 @@
       </p:sp>
       <p:sp>
         <p:nvSpPr>
-          <p:cNvPr id="3" name="Espace réservé du pied de page 2"/>
+          <p:cNvPr id="3" name="Espace réservé du pied de page 2"/>
           <p:cNvSpPr>
             <a:spLocks noGrp="1"/>
           </p:cNvSpPr>
@@ -1861,7 +2986,7 @@
         </p:nvSpPr>
         <p:spPr/>
         <p:txBody>
-          <a:bodyPr/>
+          <a:bodyPr rtlCol="0"/>
           <a:lstStyle/>
           <a:p>
             <a:endParaRPr lang="en-GB"/>
@@ -1880,7 +3005,7 @@
         </p:nvSpPr>
         <p:spPr/>
         <p:txBody>
-          <a:bodyPr/>
+          <a:bodyPr rtlCol="0"/>
           <a:lstStyle/>
           <a:p>
             <a:fld id="{EDBE66C2-973C-4326-857B-8142966C0BE3}" type="slidenum">
@@ -1894,13 +3019,25 @@
     </p:spTree>
     <p:extLst>
       <p:ext uri="{BB962C8B-B14F-4D97-AF65-F5344CB8AC3E}">
-        <p14:creationId xmlns:p14="http://schemas.microsoft.com/office/powerpoint/2010/main" val="3131857554"/>
+        <p14:creationId xmlns:p14="http://schemas.microsoft.com/office/powerpoint/2010/main" val="3936443515"/>
       </p:ext>
     </p:extLst>
   </p:cSld>
   <p:clrMapOvr>
     <a:masterClrMapping/>
   </p:clrMapOvr>
+  <mc:AlternateContent xmlns:mc="http://schemas.openxmlformats.org/markup-compatibility/2006" xmlns:p14="http://schemas.microsoft.com/office/powerpoint/2010/main">
+    <mc:Choice Requires="p14">
+      <p:transition spd="med" p14:dur="700">
+        <p:fade/>
+      </p:transition>
+    </mc:Choice>
+    <mc:Fallback xmlns="">
+      <p:transition spd="med">
+        <p:fade/>
+      </p:transition>
+    </mc:Fallback>
+  </mc:AlternateContent>
 </p:sldLayout>
 </file>
 
@@ -1933,190 +3070,205 @@
         </p:nvSpPr>
         <p:spPr>
           <a:xfrm>
-            <a:off x="839788" y="457200"/>
-            <a:ext cx="3932237" cy="1600200"/>
+            <a:off x="1219200" y="1701800"/>
+            <a:ext cx="4064000" cy="2438400"/>
           </a:xfrm>
         </p:spPr>
         <p:txBody>
-          <a:bodyPr anchor="b"/>
+          <a:bodyPr rtlCol="0" anchor="b">
+            <a:normAutofit/>
+          </a:bodyPr>
+          <a:lstStyle>
+            <a:lvl1pPr algn="l" rtl="0">
+              <a:defRPr sz="2800" b="0" cap="all" spc="200" baseline="0">
+                <a:solidFill>
+                  <a:schemeClr val="accent1"/>
+                </a:solidFill>
+              </a:defRPr>
+            </a:lvl1pPr>
+          </a:lstStyle>
+          <a:p>
+            <a:pPr rtl="0"/>
+            <a:r>
+              <a:rPr lang="fr-FR" smtClean="0"/>
+              <a:t>Modifiez le style du titre</a:t>
+            </a:r>
+            <a:endParaRPr lang="fr-FR" dirty="0"/>
+          </a:p>
+        </p:txBody>
+      </p:sp>
+      <p:sp>
+        <p:nvSpPr>
+          <p:cNvPr id="4" name="Espace réservé du texte 3"/>
+          <p:cNvSpPr>
+            <a:spLocks noGrp="1"/>
+          </p:cNvSpPr>
+          <p:nvPr>
+            <p:ph type="body" sz="half" idx="2"/>
+          </p:nvPr>
+        </p:nvSpPr>
+        <p:spPr>
+          <a:xfrm>
+            <a:off x="1219200" y="4241800"/>
+            <a:ext cx="4064000" cy="1930400"/>
+          </a:xfrm>
+        </p:spPr>
+        <p:txBody>
+          <a:bodyPr rtlCol="0">
+            <a:normAutofit/>
+          </a:bodyPr>
+          <a:lstStyle>
+            <a:lvl1pPr marL="0" indent="0" algn="l" rtl="0">
+              <a:buNone/>
+              <a:defRPr sz="2000"/>
+            </a:lvl1pPr>
+            <a:lvl2pPr marL="609493" indent="0" algn="l" rtl="0">
+              <a:buNone/>
+              <a:defRPr sz="1600"/>
+            </a:lvl2pPr>
+            <a:lvl3pPr marL="1218987" indent="0" algn="l" rtl="0">
+              <a:buNone/>
+              <a:defRPr sz="1300"/>
+            </a:lvl3pPr>
+            <a:lvl4pPr marL="1828480" indent="0" algn="l" rtl="0">
+              <a:buNone/>
+              <a:defRPr sz="1200"/>
+            </a:lvl4pPr>
+            <a:lvl5pPr marL="2437973" indent="0" algn="l" rtl="0">
+              <a:buNone/>
+              <a:defRPr sz="1200"/>
+            </a:lvl5pPr>
+            <a:lvl6pPr marL="3047467" indent="0" algn="l" rtl="0">
+              <a:buNone/>
+              <a:defRPr sz="1200"/>
+            </a:lvl6pPr>
+            <a:lvl7pPr marL="3656960" indent="0" algn="l" rtl="0">
+              <a:buNone/>
+              <a:defRPr sz="1200"/>
+            </a:lvl7pPr>
+            <a:lvl8pPr marL="4266453" indent="0" algn="l" rtl="0">
+              <a:buNone/>
+              <a:defRPr sz="1200"/>
+            </a:lvl8pPr>
+            <a:lvl9pPr marL="4875947" indent="0" algn="l" rtl="0">
+              <a:buNone/>
+              <a:defRPr sz="1200"/>
+            </a:lvl9pPr>
+          </a:lstStyle>
+          <a:p>
+            <a:pPr lvl="0" rtl="0"/>
+            <a:r>
+              <a:rPr lang="fr-FR" smtClean="0"/>
+              <a:t>Modifiez les styles du texte du masque</a:t>
+            </a:r>
+          </a:p>
+        </p:txBody>
+      </p:sp>
+      <p:sp>
+        <p:nvSpPr>
+          <p:cNvPr id="3" name="Espace réservé du contenu 2"/>
+          <p:cNvSpPr>
+            <a:spLocks noGrp="1"/>
+          </p:cNvSpPr>
+          <p:nvPr>
+            <p:ph idx="1"/>
+          </p:nvPr>
+        </p:nvSpPr>
+        <p:spPr>
+          <a:xfrm>
+            <a:off x="5486400" y="584200"/>
+            <a:ext cx="6096001" cy="5588000"/>
+          </a:xfrm>
+        </p:spPr>
+        <p:txBody>
+          <a:bodyPr rtlCol="0">
+            <a:normAutofit/>
+          </a:bodyPr>
+          <a:lstStyle>
+            <a:lvl1pPr algn="l" rtl="0">
+              <a:defRPr sz="2800"/>
+            </a:lvl1pPr>
+            <a:lvl2pPr algn="l" rtl="0">
+              <a:defRPr sz="2400"/>
+            </a:lvl2pPr>
+            <a:lvl3pPr algn="l" rtl="0">
+              <a:defRPr sz="2000"/>
+            </a:lvl3pPr>
+            <a:lvl4pPr algn="l" rtl="0">
+              <a:defRPr sz="2000"/>
+            </a:lvl4pPr>
+            <a:lvl5pPr algn="l" rtl="0">
+              <a:defRPr sz="2000"/>
+            </a:lvl5pPr>
+            <a:lvl6pPr algn="l" rtl="0">
+              <a:defRPr sz="2000"/>
+            </a:lvl6pPr>
+            <a:lvl7pPr algn="l" rtl="0">
+              <a:defRPr sz="2000"/>
+            </a:lvl7pPr>
+            <a:lvl8pPr algn="l" rtl="0">
+              <a:defRPr sz="2000" baseline="0"/>
+            </a:lvl8pPr>
+            <a:lvl9pPr algn="l" rtl="0">
+              <a:defRPr sz="2000" baseline="0"/>
+            </a:lvl9pPr>
+          </a:lstStyle>
+          <a:p>
+            <a:pPr lvl="0" rtl="0"/>
+            <a:r>
+              <a:rPr lang="fr-FR" smtClean="0"/>
+              <a:t>Modifiez les styles du texte du masque</a:t>
+            </a:r>
+          </a:p>
+          <a:p>
+            <a:pPr lvl="1" rtl="0"/>
+            <a:r>
+              <a:rPr lang="fr-FR" smtClean="0"/>
+              <a:t>Deuxième niveau</a:t>
+            </a:r>
+          </a:p>
+          <a:p>
+            <a:pPr lvl="2" rtl="0"/>
+            <a:r>
+              <a:rPr lang="fr-FR" smtClean="0"/>
+              <a:t>Troisième niveau</a:t>
+            </a:r>
+          </a:p>
+          <a:p>
+            <a:pPr lvl="3" rtl="0"/>
+            <a:r>
+              <a:rPr lang="fr-FR" smtClean="0"/>
+              <a:t>Quatrième niveau</a:t>
+            </a:r>
+          </a:p>
+          <a:p>
+            <a:pPr lvl="4" rtl="0"/>
+            <a:r>
+              <a:rPr lang="fr-FR" smtClean="0"/>
+              <a:t>Cinquième niveau</a:t>
+            </a:r>
+            <a:endParaRPr lang="fr-FR" dirty="0"/>
+          </a:p>
+        </p:txBody>
+      </p:sp>
+      <p:sp>
+        <p:nvSpPr>
+          <p:cNvPr id="5" name="Espace réservé de la date 4"/>
+          <p:cNvSpPr>
+            <a:spLocks noGrp="1"/>
+          </p:cNvSpPr>
+          <p:nvPr>
+            <p:ph type="dt" sz="half" idx="10"/>
+          </p:nvPr>
+        </p:nvSpPr>
+        <p:spPr/>
+        <p:txBody>
+          <a:bodyPr rtlCol="0"/>
           <a:lstStyle>
             <a:lvl1pPr>
-              <a:defRPr sz="3200"/>
+              <a:defRPr/>
             </a:lvl1pPr>
           </a:lstStyle>
-          <a:p>
-            <a:r>
-              <a:rPr lang="fr-FR" smtClean="0"/>
-              <a:t>Modifiez le style du titre</a:t>
-            </a:r>
-            <a:endParaRPr lang="en-GB"/>
-          </a:p>
-        </p:txBody>
-      </p:sp>
-      <p:sp>
-        <p:nvSpPr>
-          <p:cNvPr id="3" name="Espace réservé du contenu 2"/>
-          <p:cNvSpPr>
-            <a:spLocks noGrp="1"/>
-          </p:cNvSpPr>
-          <p:nvPr>
-            <p:ph idx="1"/>
-          </p:nvPr>
-        </p:nvSpPr>
-        <p:spPr>
-          <a:xfrm>
-            <a:off x="5183188" y="987425"/>
-            <a:ext cx="6172200" cy="4873625"/>
-          </a:xfrm>
-        </p:spPr>
-        <p:txBody>
-          <a:bodyPr/>
-          <a:lstStyle>
-            <a:lvl1pPr>
-              <a:defRPr sz="3200"/>
-            </a:lvl1pPr>
-            <a:lvl2pPr>
-              <a:defRPr sz="2800"/>
-            </a:lvl2pPr>
-            <a:lvl3pPr>
-              <a:defRPr sz="2400"/>
-            </a:lvl3pPr>
-            <a:lvl4pPr>
-              <a:defRPr sz="2000"/>
-            </a:lvl4pPr>
-            <a:lvl5pPr>
-              <a:defRPr sz="2000"/>
-            </a:lvl5pPr>
-            <a:lvl6pPr>
-              <a:defRPr sz="2000"/>
-            </a:lvl6pPr>
-            <a:lvl7pPr>
-              <a:defRPr sz="2000"/>
-            </a:lvl7pPr>
-            <a:lvl8pPr>
-              <a:defRPr sz="2000"/>
-            </a:lvl8pPr>
-            <a:lvl9pPr>
-              <a:defRPr sz="2000"/>
-            </a:lvl9pPr>
-          </a:lstStyle>
-          <a:p>
-            <a:pPr lvl="0"/>
-            <a:r>
-              <a:rPr lang="fr-FR" smtClean="0"/>
-              <a:t>Modifiez les styles du texte du masque</a:t>
-            </a:r>
-          </a:p>
-          <a:p>
-            <a:pPr lvl="1"/>
-            <a:r>
-              <a:rPr lang="fr-FR" smtClean="0"/>
-              <a:t>Deuxième niveau</a:t>
-            </a:r>
-          </a:p>
-          <a:p>
-            <a:pPr lvl="2"/>
-            <a:r>
-              <a:rPr lang="fr-FR" smtClean="0"/>
-              <a:t>Troisième niveau</a:t>
-            </a:r>
-          </a:p>
-          <a:p>
-            <a:pPr lvl="3"/>
-            <a:r>
-              <a:rPr lang="fr-FR" smtClean="0"/>
-              <a:t>Quatrième niveau</a:t>
-            </a:r>
-          </a:p>
-          <a:p>
-            <a:pPr lvl="4"/>
-            <a:r>
-              <a:rPr lang="fr-FR" smtClean="0"/>
-              <a:t>Cinquième niveau</a:t>
-            </a:r>
-            <a:endParaRPr lang="en-GB"/>
-          </a:p>
-        </p:txBody>
-      </p:sp>
-      <p:sp>
-        <p:nvSpPr>
-          <p:cNvPr id="4" name="Espace réservé du texte 3"/>
-          <p:cNvSpPr>
-            <a:spLocks noGrp="1"/>
-          </p:cNvSpPr>
-          <p:nvPr>
-            <p:ph type="body" sz="half" idx="2"/>
-          </p:nvPr>
-        </p:nvSpPr>
-        <p:spPr>
-          <a:xfrm>
-            <a:off x="839788" y="2057400"/>
-            <a:ext cx="3932237" cy="3811588"/>
-          </a:xfrm>
-        </p:spPr>
-        <p:txBody>
-          <a:bodyPr/>
-          <a:lstStyle>
-            <a:lvl1pPr marL="0" indent="0">
-              <a:buNone/>
-              <a:defRPr sz="1600"/>
-            </a:lvl1pPr>
-            <a:lvl2pPr marL="457200" indent="0">
-              <a:buNone/>
-              <a:defRPr sz="1400"/>
-            </a:lvl2pPr>
-            <a:lvl3pPr marL="914400" indent="0">
-              <a:buNone/>
-              <a:defRPr sz="1200"/>
-            </a:lvl3pPr>
-            <a:lvl4pPr marL="1371600" indent="0">
-              <a:buNone/>
-              <a:defRPr sz="1000"/>
-            </a:lvl4pPr>
-            <a:lvl5pPr marL="1828800" indent="0">
-              <a:buNone/>
-              <a:defRPr sz="1000"/>
-            </a:lvl5pPr>
-            <a:lvl6pPr marL="2286000" indent="0">
-              <a:buNone/>
-              <a:defRPr sz="1000"/>
-            </a:lvl6pPr>
-            <a:lvl7pPr marL="2743200" indent="0">
-              <a:buNone/>
-              <a:defRPr sz="1000"/>
-            </a:lvl7pPr>
-            <a:lvl8pPr marL="3200400" indent="0">
-              <a:buNone/>
-              <a:defRPr sz="1000"/>
-            </a:lvl8pPr>
-            <a:lvl9pPr marL="3657600" indent="0">
-              <a:buNone/>
-              <a:defRPr sz="1000"/>
-            </a:lvl9pPr>
-          </a:lstStyle>
-          <a:p>
-            <a:pPr lvl="0"/>
-            <a:r>
-              <a:rPr lang="fr-FR" smtClean="0"/>
-              <a:t>Modifiez les styles du texte du masque</a:t>
-            </a:r>
-          </a:p>
-        </p:txBody>
-      </p:sp>
-      <p:sp>
-        <p:nvSpPr>
-          <p:cNvPr id="5" name="Espace réservé de la date 4"/>
-          <p:cNvSpPr>
-            <a:spLocks noGrp="1"/>
-          </p:cNvSpPr>
-          <p:nvPr>
-            <p:ph type="dt" sz="half" idx="10"/>
-          </p:nvPr>
-        </p:nvSpPr>
-        <p:spPr/>
-        <p:txBody>
-          <a:bodyPr/>
-          <a:lstStyle/>
           <a:p>
             <a:fld id="{7B8C664E-E4BB-437E-8BCE-FB372C1B69CF}" type="datetimeFigureOut">
               <a:rPr lang="en-GB" smtClean="0"/>
@@ -2128,7 +3280,7 @@
       </p:sp>
       <p:sp>
         <p:nvSpPr>
-          <p:cNvPr id="6" name="Espace réservé du pied de page 5"/>
+          <p:cNvPr id="6" name="Espace réservé du pied de page 5"/>
           <p:cNvSpPr>
             <a:spLocks noGrp="1"/>
           </p:cNvSpPr>
@@ -2138,7 +3290,7 @@
         </p:nvSpPr>
         <p:spPr/>
         <p:txBody>
-          <a:bodyPr/>
+          <a:bodyPr rtlCol="0"/>
           <a:lstStyle/>
           <a:p>
             <a:endParaRPr lang="en-GB"/>
@@ -2147,7 +3299,7 @@
       </p:sp>
       <p:sp>
         <p:nvSpPr>
-          <p:cNvPr id="7" name="Espace réservé du numéro de diapositive 6"/>
+          <p:cNvPr id="7" name="Espace réservé du numéro de diapositive 6"/>
           <p:cNvSpPr>
             <a:spLocks noGrp="1"/>
           </p:cNvSpPr>
@@ -2157,7 +3309,7 @@
         </p:nvSpPr>
         <p:spPr/>
         <p:txBody>
-          <a:bodyPr/>
+          <a:bodyPr rtlCol="0"/>
           <a:lstStyle/>
           <a:p>
             <a:fld id="{EDBE66C2-973C-4326-857B-8142966C0BE3}" type="slidenum">
@@ -2171,13 +3323,25 @@
     </p:spTree>
     <p:extLst>
       <p:ext uri="{BB962C8B-B14F-4D97-AF65-F5344CB8AC3E}">
-        <p14:creationId xmlns:p14="http://schemas.microsoft.com/office/powerpoint/2010/main" val="4002856003"/>
+        <p14:creationId xmlns:p14="http://schemas.microsoft.com/office/powerpoint/2010/main" val="1297909409"/>
       </p:ext>
     </p:extLst>
   </p:cSld>
   <p:clrMapOvr>
     <a:masterClrMapping/>
   </p:clrMapOvr>
+  <mc:AlternateContent xmlns:mc="http://schemas.openxmlformats.org/markup-compatibility/2006" xmlns:p14="http://schemas.microsoft.com/office/powerpoint/2010/main">
+    <mc:Choice Requires="p14">
+      <p:transition spd="med" p14:dur="700">
+        <p:fade/>
+      </p:transition>
+    </mc:Choice>
+    <mc:Fallback xmlns="">
+      <p:transition spd="med">
+        <p:fade/>
+      </p:transition>
+    </mc:Fallback>
+  </mc:AlternateContent>
 </p:sldLayout>
 </file>
 
@@ -2200,7 +3364,7 @@
       </p:grpSpPr>
       <p:sp>
         <p:nvSpPr>
-          <p:cNvPr id="2" name="Titre 1"/>
+          <p:cNvPr id="2" name="Titre 1"/>
           <p:cNvSpPr>
             <a:spLocks noGrp="1"/>
           </p:cNvSpPr>
@@ -2210,166 +3374,195 @@
         </p:nvSpPr>
         <p:spPr>
           <a:xfrm>
-            <a:off x="839788" y="457200"/>
-            <a:ext cx="3932237" cy="1600200"/>
+            <a:off x="1219200" y="1701800"/>
+            <a:ext cx="4064000" cy="2438400"/>
           </a:xfrm>
         </p:spPr>
         <p:txBody>
-          <a:bodyPr anchor="b"/>
+          <a:bodyPr rtlCol="0" anchor="b">
+            <a:normAutofit/>
+          </a:bodyPr>
+          <a:lstStyle>
+            <a:lvl1pPr algn="l" rtl="0">
+              <a:defRPr sz="2800" b="0" cap="all" spc="200" baseline="0">
+                <a:solidFill>
+                  <a:schemeClr val="accent1"/>
+                </a:solidFill>
+              </a:defRPr>
+            </a:lvl1pPr>
+          </a:lstStyle>
+          <a:p>
+            <a:pPr rtl="0"/>
+            <a:r>
+              <a:rPr lang="fr-FR" smtClean="0"/>
+              <a:t>Modifiez le style du titre</a:t>
+            </a:r>
+            <a:endParaRPr lang="fr-FR" dirty="0"/>
+          </a:p>
+        </p:txBody>
+      </p:sp>
+      <p:sp>
+        <p:nvSpPr>
+          <p:cNvPr id="4" name="Espace réservé du texte 3"/>
+          <p:cNvSpPr>
+            <a:spLocks noGrp="1"/>
+          </p:cNvSpPr>
+          <p:nvPr>
+            <p:ph type="body" sz="half" idx="2"/>
+          </p:nvPr>
+        </p:nvSpPr>
+        <p:spPr>
+          <a:xfrm>
+            <a:off x="1219200" y="4241800"/>
+            <a:ext cx="4064000" cy="1930400"/>
+          </a:xfrm>
+        </p:spPr>
+        <p:txBody>
+          <a:bodyPr rtlCol="0">
+            <a:normAutofit/>
+          </a:bodyPr>
+          <a:lstStyle>
+            <a:lvl1pPr marL="0" indent="0" algn="l" rtl="0">
+              <a:buNone/>
+              <a:defRPr sz="2000"/>
+            </a:lvl1pPr>
+            <a:lvl2pPr marL="609493" indent="0" algn="l" rtl="0">
+              <a:buNone/>
+              <a:defRPr sz="1600"/>
+            </a:lvl2pPr>
+            <a:lvl3pPr marL="1218987" indent="0" algn="l" rtl="0">
+              <a:buNone/>
+              <a:defRPr sz="1300"/>
+            </a:lvl3pPr>
+            <a:lvl4pPr marL="1828480" indent="0" algn="l" rtl="0">
+              <a:buNone/>
+              <a:defRPr sz="1200"/>
+            </a:lvl4pPr>
+            <a:lvl5pPr marL="2437973" indent="0" algn="l" rtl="0">
+              <a:buNone/>
+              <a:defRPr sz="1200"/>
+            </a:lvl5pPr>
+            <a:lvl6pPr marL="3047467" indent="0" algn="l" rtl="0">
+              <a:buNone/>
+              <a:defRPr sz="1200"/>
+            </a:lvl6pPr>
+            <a:lvl7pPr marL="3656960" indent="0" algn="l" rtl="0">
+              <a:buNone/>
+              <a:defRPr sz="1200"/>
+            </a:lvl7pPr>
+            <a:lvl8pPr marL="4266453" indent="0" algn="l" rtl="0">
+              <a:buNone/>
+              <a:defRPr sz="1200"/>
+            </a:lvl8pPr>
+            <a:lvl9pPr marL="4875947" indent="0" algn="l" rtl="0">
+              <a:buNone/>
+              <a:defRPr sz="1200"/>
+            </a:lvl9pPr>
+          </a:lstStyle>
+          <a:p>
+            <a:pPr lvl="0" rtl="0"/>
+            <a:r>
+              <a:rPr lang="fr-FR" smtClean="0"/>
+              <a:t>Modifiez les styles du texte du masque</a:t>
+            </a:r>
+          </a:p>
+        </p:txBody>
+      </p:sp>
+      <p:sp>
+        <p:nvSpPr>
+          <p:cNvPr id="3" name="Espace réservé d’image 2" descr="Espace réservé vide pour ajouter une image. Cliquez sur l’espace réservé et sélectionnez l’image à ajouter."/>
+          <p:cNvSpPr>
+            <a:spLocks noGrp="1"/>
+          </p:cNvSpPr>
+          <p:nvPr>
+            <p:ph type="pic" idx="1"/>
+          </p:nvPr>
+        </p:nvSpPr>
+        <p:spPr>
+          <a:xfrm>
+            <a:off x="5486400" y="584200"/>
+            <a:ext cx="6096001" cy="5588000"/>
+          </a:xfrm>
+          <a:ln w="12700">
+            <a:solidFill>
+              <a:schemeClr val="bg1">
+                <a:lumMod val="75000"/>
+                <a:lumOff val="25000"/>
+              </a:schemeClr>
+            </a:solidFill>
+            <a:miter lim="800000"/>
+          </a:ln>
+        </p:spPr>
+        <p:txBody>
+          <a:bodyPr rtlCol="0">
+            <a:normAutofit/>
+          </a:bodyPr>
+          <a:lstStyle>
+            <a:lvl1pPr marL="0" indent="0" algn="l" rtl="0">
+              <a:buNone/>
+              <a:defRPr sz="2800"/>
+            </a:lvl1pPr>
+            <a:lvl2pPr marL="609493" indent="0" algn="l" rtl="0">
+              <a:buNone/>
+              <a:defRPr sz="3700"/>
+            </a:lvl2pPr>
+            <a:lvl3pPr marL="1218987" indent="0" algn="l" rtl="0">
+              <a:buNone/>
+              <a:defRPr sz="3200"/>
+            </a:lvl3pPr>
+            <a:lvl4pPr marL="1828480" indent="0" algn="l" rtl="0">
+              <a:buNone/>
+              <a:defRPr sz="2700"/>
+            </a:lvl4pPr>
+            <a:lvl5pPr marL="2437973" indent="0" algn="l" rtl="0">
+              <a:buNone/>
+              <a:defRPr sz="2700"/>
+            </a:lvl5pPr>
+            <a:lvl6pPr marL="3047467" indent="0" algn="l" rtl="0">
+              <a:buNone/>
+              <a:defRPr sz="2700"/>
+            </a:lvl6pPr>
+            <a:lvl7pPr marL="3656960" indent="0" algn="l" rtl="0">
+              <a:buNone/>
+              <a:defRPr sz="2700"/>
+            </a:lvl7pPr>
+            <a:lvl8pPr marL="4266453" indent="0" algn="l" rtl="0">
+              <a:buNone/>
+              <a:defRPr sz="2700"/>
+            </a:lvl8pPr>
+            <a:lvl9pPr marL="4875947" indent="0" algn="l" rtl="0">
+              <a:buNone/>
+              <a:defRPr sz="2700"/>
+            </a:lvl9pPr>
+          </a:lstStyle>
+          <a:p>
+            <a:pPr rtl="0"/>
+            <a:r>
+              <a:rPr lang="fr-FR" smtClean="0"/>
+              <a:t>Cliquez sur l'icône pour ajouter une image</a:t>
+            </a:r>
+            <a:endParaRPr lang="fr-FR" dirty="0"/>
+          </a:p>
+        </p:txBody>
+      </p:sp>
+      <p:sp>
+        <p:nvSpPr>
+          <p:cNvPr id="5" name="Espace réservé de la date 4"/>
+          <p:cNvSpPr>
+            <a:spLocks noGrp="1"/>
+          </p:cNvSpPr>
+          <p:nvPr>
+            <p:ph type="dt" sz="half" idx="10"/>
+          </p:nvPr>
+        </p:nvSpPr>
+        <p:spPr/>
+        <p:txBody>
+          <a:bodyPr rtlCol="0"/>
           <a:lstStyle>
             <a:lvl1pPr>
-              <a:defRPr sz="3200"/>
+              <a:defRPr/>
             </a:lvl1pPr>
           </a:lstStyle>
-          <a:p>
-            <a:r>
-              <a:rPr lang="fr-FR" smtClean="0"/>
-              <a:t>Modifiez le style du titre</a:t>
-            </a:r>
-            <a:endParaRPr lang="en-GB"/>
-          </a:p>
-        </p:txBody>
-      </p:sp>
-      <p:sp>
-        <p:nvSpPr>
-          <p:cNvPr id="3" name="Espace réservé pour une image  2"/>
-          <p:cNvSpPr>
-            <a:spLocks noGrp="1"/>
-          </p:cNvSpPr>
-          <p:nvPr>
-            <p:ph type="pic" idx="1"/>
-          </p:nvPr>
-        </p:nvSpPr>
-        <p:spPr>
-          <a:xfrm>
-            <a:off x="5183188" y="987425"/>
-            <a:ext cx="6172200" cy="4873625"/>
-          </a:xfrm>
-        </p:spPr>
-        <p:txBody>
-          <a:bodyPr/>
-          <a:lstStyle>
-            <a:lvl1pPr marL="0" indent="0">
-              <a:buNone/>
-              <a:defRPr sz="3200"/>
-            </a:lvl1pPr>
-            <a:lvl2pPr marL="457200" indent="0">
-              <a:buNone/>
-              <a:defRPr sz="2800"/>
-            </a:lvl2pPr>
-            <a:lvl3pPr marL="914400" indent="0">
-              <a:buNone/>
-              <a:defRPr sz="2400"/>
-            </a:lvl3pPr>
-            <a:lvl4pPr marL="1371600" indent="0">
-              <a:buNone/>
-              <a:defRPr sz="2000"/>
-            </a:lvl4pPr>
-            <a:lvl5pPr marL="1828800" indent="0">
-              <a:buNone/>
-              <a:defRPr sz="2000"/>
-            </a:lvl5pPr>
-            <a:lvl6pPr marL="2286000" indent="0">
-              <a:buNone/>
-              <a:defRPr sz="2000"/>
-            </a:lvl6pPr>
-            <a:lvl7pPr marL="2743200" indent="0">
-              <a:buNone/>
-              <a:defRPr sz="2000"/>
-            </a:lvl7pPr>
-            <a:lvl8pPr marL="3200400" indent="0">
-              <a:buNone/>
-              <a:defRPr sz="2000"/>
-            </a:lvl8pPr>
-            <a:lvl9pPr marL="3657600" indent="0">
-              <a:buNone/>
-              <a:defRPr sz="2000"/>
-            </a:lvl9pPr>
-          </a:lstStyle>
-          <a:p>
-            <a:endParaRPr lang="en-GB"/>
-          </a:p>
-        </p:txBody>
-      </p:sp>
-      <p:sp>
-        <p:nvSpPr>
-          <p:cNvPr id="4" name="Espace réservé du texte 3"/>
-          <p:cNvSpPr>
-            <a:spLocks noGrp="1"/>
-          </p:cNvSpPr>
-          <p:nvPr>
-            <p:ph type="body" sz="half" idx="2"/>
-          </p:nvPr>
-        </p:nvSpPr>
-        <p:spPr>
-          <a:xfrm>
-            <a:off x="839788" y="2057400"/>
-            <a:ext cx="3932237" cy="3811588"/>
-          </a:xfrm>
-        </p:spPr>
-        <p:txBody>
-          <a:bodyPr/>
-          <a:lstStyle>
-            <a:lvl1pPr marL="0" indent="0">
-              <a:buNone/>
-              <a:defRPr sz="1600"/>
-            </a:lvl1pPr>
-            <a:lvl2pPr marL="457200" indent="0">
-              <a:buNone/>
-              <a:defRPr sz="1400"/>
-            </a:lvl2pPr>
-            <a:lvl3pPr marL="914400" indent="0">
-              <a:buNone/>
-              <a:defRPr sz="1200"/>
-            </a:lvl3pPr>
-            <a:lvl4pPr marL="1371600" indent="0">
-              <a:buNone/>
-              <a:defRPr sz="1000"/>
-            </a:lvl4pPr>
-            <a:lvl5pPr marL="1828800" indent="0">
-              <a:buNone/>
-              <a:defRPr sz="1000"/>
-            </a:lvl5pPr>
-            <a:lvl6pPr marL="2286000" indent="0">
-              <a:buNone/>
-              <a:defRPr sz="1000"/>
-            </a:lvl6pPr>
-            <a:lvl7pPr marL="2743200" indent="0">
-              <a:buNone/>
-              <a:defRPr sz="1000"/>
-            </a:lvl7pPr>
-            <a:lvl8pPr marL="3200400" indent="0">
-              <a:buNone/>
-              <a:defRPr sz="1000"/>
-            </a:lvl8pPr>
-            <a:lvl9pPr marL="3657600" indent="0">
-              <a:buNone/>
-              <a:defRPr sz="1000"/>
-            </a:lvl9pPr>
-          </a:lstStyle>
-          <a:p>
-            <a:pPr lvl="0"/>
-            <a:r>
-              <a:rPr lang="fr-FR" smtClean="0"/>
-              <a:t>Modifiez les styles du texte du masque</a:t>
-            </a:r>
-          </a:p>
-        </p:txBody>
-      </p:sp>
-      <p:sp>
-        <p:nvSpPr>
-          <p:cNvPr id="5" name="Espace réservé de la date 4"/>
-          <p:cNvSpPr>
-            <a:spLocks noGrp="1"/>
-          </p:cNvSpPr>
-          <p:nvPr>
-            <p:ph type="dt" sz="half" idx="10"/>
-          </p:nvPr>
-        </p:nvSpPr>
-        <p:spPr/>
-        <p:txBody>
-          <a:bodyPr/>
-          <a:lstStyle/>
           <a:p>
             <a:fld id="{7B8C664E-E4BB-437E-8BCE-FB372C1B69CF}" type="datetimeFigureOut">
               <a:rPr lang="en-GB" smtClean="0"/>
@@ -2381,7 +3574,7 @@
       </p:sp>
       <p:sp>
         <p:nvSpPr>
-          <p:cNvPr id="6" name="Espace réservé du pied de page 5"/>
+          <p:cNvPr id="6" name="Espace réservé du pied de page 5"/>
           <p:cNvSpPr>
             <a:spLocks noGrp="1"/>
           </p:cNvSpPr>
@@ -2391,7 +3584,7 @@
         </p:nvSpPr>
         <p:spPr/>
         <p:txBody>
-          <a:bodyPr/>
+          <a:bodyPr rtlCol="0"/>
           <a:lstStyle/>
           <a:p>
             <a:endParaRPr lang="en-GB"/>
@@ -2400,7 +3593,7 @@
       </p:sp>
       <p:sp>
         <p:nvSpPr>
-          <p:cNvPr id="7" name="Espace réservé du numéro de diapositive 6"/>
+          <p:cNvPr id="7" name="Espace réservé du numéro de diapositive 6"/>
           <p:cNvSpPr>
             <a:spLocks noGrp="1"/>
           </p:cNvSpPr>
@@ -2410,7 +3603,7 @@
         </p:nvSpPr>
         <p:spPr/>
         <p:txBody>
-          <a:bodyPr/>
+          <a:bodyPr rtlCol="0"/>
           <a:lstStyle/>
           <a:p>
             <a:fld id="{EDBE66C2-973C-4326-857B-8142966C0BE3}" type="slidenum">
@@ -2424,13 +3617,25 @@
     </p:spTree>
     <p:extLst>
       <p:ext uri="{BB962C8B-B14F-4D97-AF65-F5344CB8AC3E}">
-        <p14:creationId xmlns:p14="http://schemas.microsoft.com/office/powerpoint/2010/main" val="538102011"/>
+        <p14:creationId xmlns:p14="http://schemas.microsoft.com/office/powerpoint/2010/main" val="1040880553"/>
       </p:ext>
     </p:extLst>
   </p:cSld>
   <p:clrMapOvr>
     <a:masterClrMapping/>
   </p:clrMapOvr>
+  <mc:AlternateContent xmlns:mc="http://schemas.openxmlformats.org/markup-compatibility/2006" xmlns:p14="http://schemas.microsoft.com/office/powerpoint/2010/main">
+    <mc:Choice Requires="p14">
+      <p:transition spd="med" p14:dur="700">
+        <p:fade/>
+      </p:transition>
+    </mc:Choice>
+    <mc:Fallback xmlns="">
+      <p:transition spd="med">
+        <p:fade/>
+      </p:transition>
+    </mc:Fallback>
+  </mc:AlternateContent>
 </p:sldLayout>
 </file>
 
@@ -2438,9 +3643,35 @@
 <p:sldMaster xmlns:a="http://schemas.openxmlformats.org/drawingml/2006/main" xmlns:r="http://schemas.openxmlformats.org/officeDocument/2006/relationships" xmlns:p="http://schemas.openxmlformats.org/presentationml/2006/main">
   <p:cSld>
     <p:bg>
-      <p:bgRef idx="1001">
-        <a:schemeClr val="bg1"/>
-      </p:bgRef>
+      <p:bgPr>
+        <a:gradFill flip="none" rotWithShape="1">
+          <a:gsLst>
+            <a:gs pos="0">
+              <a:schemeClr val="bg2">
+                <a:tint val="100000"/>
+                <a:shade val="0"/>
+                <a:satMod val="100000"/>
+              </a:schemeClr>
+            </a:gs>
+            <a:gs pos="85000">
+              <a:schemeClr val="bg2">
+                <a:tint val="100000"/>
+                <a:shade val="30000"/>
+                <a:satMod val="100000"/>
+              </a:schemeClr>
+            </a:gs>
+            <a:gs pos="100000">
+              <a:schemeClr val="bg2">
+                <a:shade val="60000"/>
+                <a:satMod val="100000"/>
+              </a:schemeClr>
+            </a:gs>
+          </a:gsLst>
+          <a:lin ang="3600000" scaled="0"/>
+          <a:tileRect/>
+        </a:gradFill>
+        <a:effectLst/>
+      </p:bgPr>
     </p:bg>
     <p:spTree>
       <p:nvGrpSpPr>
@@ -2456,9 +3687,380 @@
           <a:chExt cx="0" cy="0"/>
         </a:xfrm>
       </p:grpSpPr>
-      <p:sp>
-        <p:nvSpPr>
-          <p:cNvPr id="2" name="Espace réservé du titre 1"/>
+      <p:grpSp>
+        <p:nvGrpSpPr>
+          <p:cNvPr id="15" name="lignes de gauche"/>
+          <p:cNvGrpSpPr/>
+          <p:nvPr/>
+        </p:nvGrpSpPr>
+        <p:grpSpPr>
+          <a:xfrm>
+            <a:off x="-15874" y="-3174"/>
+            <a:ext cx="820207" cy="5229225"/>
+            <a:chOff x="-11906" y="-2381"/>
+            <a:chExt cx="615155" cy="3921919"/>
+          </a:xfrm>
+        </p:grpSpPr>
+        <p:sp>
+          <p:nvSpPr>
+            <p:cNvPr id="10" name="Forme libre 9"/>
+            <p:cNvSpPr/>
+            <p:nvPr/>
+          </p:nvSpPr>
+          <p:spPr>
+            <a:xfrm>
+              <a:off x="-9526" y="0"/>
+              <a:ext cx="612775" cy="3919538"/>
+            </a:xfrm>
+            <a:custGeom>
+              <a:avLst/>
+              <a:gdLst>
+                <a:gd name="connsiteX0" fmla="*/ 0 w 603250"/>
+                <a:gd name="connsiteY0" fmla="*/ 3905250 h 3905250"/>
+                <a:gd name="connsiteX1" fmla="*/ 603250 w 603250"/>
+                <a:gd name="connsiteY1" fmla="*/ 2984500 h 3905250"/>
+                <a:gd name="connsiteX2" fmla="*/ 603250 w 603250"/>
+                <a:gd name="connsiteY2" fmla="*/ 0 h 3905250"/>
+                <a:gd name="connsiteX0" fmla="*/ 0 w 612775"/>
+                <a:gd name="connsiteY0" fmla="*/ 3919538 h 3919538"/>
+                <a:gd name="connsiteX1" fmla="*/ 612775 w 612775"/>
+                <a:gd name="connsiteY1" fmla="*/ 2984500 h 3919538"/>
+                <a:gd name="connsiteX2" fmla="*/ 612775 w 612775"/>
+                <a:gd name="connsiteY2" fmla="*/ 0 h 3919538"/>
+              </a:gdLst>
+              <a:ahLst/>
+              <a:cxnLst>
+                <a:cxn ang="0">
+                  <a:pos x="connsiteX0" y="connsiteY0"/>
+                </a:cxn>
+                <a:cxn ang="0">
+                  <a:pos x="connsiteX1" y="connsiteY1"/>
+                </a:cxn>
+                <a:cxn ang="0">
+                  <a:pos x="connsiteX2" y="connsiteY2"/>
+                </a:cxn>
+              </a:cxnLst>
+              <a:rect l="l" t="t" r="r" b="b"/>
+              <a:pathLst>
+                <a:path w="612775" h="3919538">
+                  <a:moveTo>
+                    <a:pt x="0" y="3919538"/>
+                  </a:moveTo>
+                  <a:lnTo>
+                    <a:pt x="612775" y="2984500"/>
+                  </a:lnTo>
+                  <a:lnTo>
+                    <a:pt x="612775" y="0"/>
+                  </a:lnTo>
+                </a:path>
+              </a:pathLst>
+            </a:custGeom>
+            <a:noFill/>
+            <a:ln w="38100">
+              <a:gradFill>
+                <a:gsLst>
+                  <a:gs pos="50000">
+                    <a:schemeClr val="accent1">
+                      <a:lumMod val="75000"/>
+                    </a:schemeClr>
+                  </a:gs>
+                  <a:gs pos="0">
+                    <a:schemeClr val="accent1"/>
+                  </a:gs>
+                  <a:gs pos="100000">
+                    <a:schemeClr val="accent1"/>
+                  </a:gs>
+                </a:gsLst>
+                <a:lin ang="5400000" scaled="0"/>
+              </a:gradFill>
+            </a:ln>
+          </p:spPr>
+          <p:style>
+            <a:lnRef idx="2">
+              <a:schemeClr val="accent1">
+                <a:shade val="50000"/>
+              </a:schemeClr>
+            </a:lnRef>
+            <a:fillRef idx="1">
+              <a:schemeClr val="accent1"/>
+            </a:fillRef>
+            <a:effectRef idx="0">
+              <a:schemeClr val="accent1"/>
+            </a:effectRef>
+            <a:fontRef idx="minor">
+              <a:schemeClr val="lt1"/>
+            </a:fontRef>
+          </p:style>
+          <p:txBody>
+            <a:bodyPr rtlCol="0" anchor="ctr"/>
+            <a:lstStyle/>
+            <a:p>
+              <a:pPr algn="ctr" rtl="0"/>
+              <a:endParaRPr lang="fr-FR" sz="1800" dirty="0"/>
+            </a:p>
+          </p:txBody>
+        </p:sp>
+        <p:sp>
+          <p:nvSpPr>
+            <p:cNvPr id="11" name="Forme libre 10"/>
+            <p:cNvSpPr/>
+            <p:nvPr/>
+          </p:nvSpPr>
+          <p:spPr>
+            <a:xfrm>
+              <a:off x="-11906" y="0"/>
+              <a:ext cx="410751" cy="3421856"/>
+            </a:xfrm>
+            <a:custGeom>
+              <a:avLst/>
+              <a:gdLst>
+                <a:gd name="connsiteX0" fmla="*/ 0 w 603250"/>
+                <a:gd name="connsiteY0" fmla="*/ 3905250 h 3905250"/>
+                <a:gd name="connsiteX1" fmla="*/ 603250 w 603250"/>
+                <a:gd name="connsiteY1" fmla="*/ 2984500 h 3905250"/>
+                <a:gd name="connsiteX2" fmla="*/ 603250 w 603250"/>
+                <a:gd name="connsiteY2" fmla="*/ 0 h 3905250"/>
+                <a:gd name="connsiteX0" fmla="*/ 0 w 612775"/>
+                <a:gd name="connsiteY0" fmla="*/ 3919538 h 3919538"/>
+                <a:gd name="connsiteX1" fmla="*/ 612775 w 612775"/>
+                <a:gd name="connsiteY1" fmla="*/ 2984500 h 3919538"/>
+                <a:gd name="connsiteX2" fmla="*/ 612775 w 612775"/>
+                <a:gd name="connsiteY2" fmla="*/ 0 h 3919538"/>
+                <a:gd name="connsiteX0" fmla="*/ 0 w 612775"/>
+                <a:gd name="connsiteY0" fmla="*/ 3919538 h 3919538"/>
+                <a:gd name="connsiteX1" fmla="*/ 202024 w 612775"/>
+                <a:gd name="connsiteY1" fmla="*/ 3607676 h 3919538"/>
+                <a:gd name="connsiteX2" fmla="*/ 612775 w 612775"/>
+                <a:gd name="connsiteY2" fmla="*/ 2984500 h 3919538"/>
+                <a:gd name="connsiteX3" fmla="*/ 612775 w 612775"/>
+                <a:gd name="connsiteY3" fmla="*/ 0 h 3919538"/>
+                <a:gd name="connsiteX0" fmla="*/ 0 w 410751"/>
+                <a:gd name="connsiteY0" fmla="*/ 3607676 h 3607676"/>
+                <a:gd name="connsiteX1" fmla="*/ 410751 w 410751"/>
+                <a:gd name="connsiteY1" fmla="*/ 2984500 h 3607676"/>
+                <a:gd name="connsiteX2" fmla="*/ 410751 w 410751"/>
+                <a:gd name="connsiteY2" fmla="*/ 0 h 3607676"/>
+                <a:gd name="connsiteX0" fmla="*/ 0 w 410751"/>
+                <a:gd name="connsiteY0" fmla="*/ 3607676 h 3607676"/>
+                <a:gd name="connsiteX1" fmla="*/ 410751 w 410751"/>
+                <a:gd name="connsiteY1" fmla="*/ 2984500 h 3607676"/>
+                <a:gd name="connsiteX2" fmla="*/ 409575 w 410751"/>
+                <a:gd name="connsiteY2" fmla="*/ 185820 h 3607676"/>
+                <a:gd name="connsiteX3" fmla="*/ 410751 w 410751"/>
+                <a:gd name="connsiteY3" fmla="*/ 0 h 3607676"/>
+                <a:gd name="connsiteX0" fmla="*/ 0 w 410751"/>
+                <a:gd name="connsiteY0" fmla="*/ 3421856 h 3421856"/>
+                <a:gd name="connsiteX1" fmla="*/ 410751 w 410751"/>
+                <a:gd name="connsiteY1" fmla="*/ 2798680 h 3421856"/>
+                <a:gd name="connsiteX2" fmla="*/ 409575 w 410751"/>
+                <a:gd name="connsiteY2" fmla="*/ 0 h 3421856"/>
+              </a:gdLst>
+              <a:ahLst/>
+              <a:cxnLst>
+                <a:cxn ang="0">
+                  <a:pos x="connsiteX0" y="connsiteY0"/>
+                </a:cxn>
+                <a:cxn ang="0">
+                  <a:pos x="connsiteX1" y="connsiteY1"/>
+                </a:cxn>
+                <a:cxn ang="0">
+                  <a:pos x="connsiteX2" y="connsiteY2"/>
+                </a:cxn>
+              </a:cxnLst>
+              <a:rect l="l" t="t" r="r" b="b"/>
+              <a:pathLst>
+                <a:path w="410751" h="3421856">
+                  <a:moveTo>
+                    <a:pt x="0" y="3421856"/>
+                  </a:moveTo>
+                  <a:lnTo>
+                    <a:pt x="410751" y="2798680"/>
+                  </a:lnTo>
+                  <a:lnTo>
+                    <a:pt x="409575" y="0"/>
+                  </a:lnTo>
+                </a:path>
+              </a:pathLst>
+            </a:custGeom>
+            <a:noFill/>
+            <a:ln w="28575">
+              <a:gradFill>
+                <a:gsLst>
+                  <a:gs pos="0">
+                    <a:schemeClr val="accent1">
+                      <a:lumMod val="75000"/>
+                    </a:schemeClr>
+                  </a:gs>
+                  <a:gs pos="50000">
+                    <a:schemeClr val="accent1">
+                      <a:lumMod val="75000"/>
+                    </a:schemeClr>
+                  </a:gs>
+                  <a:gs pos="100000">
+                    <a:schemeClr val="accent1"/>
+                  </a:gs>
+                </a:gsLst>
+                <a:lin ang="5400000" scaled="0"/>
+              </a:gradFill>
+            </a:ln>
+          </p:spPr>
+          <p:style>
+            <a:lnRef idx="2">
+              <a:schemeClr val="accent1">
+                <a:shade val="50000"/>
+              </a:schemeClr>
+            </a:lnRef>
+            <a:fillRef idx="1">
+              <a:schemeClr val="accent1"/>
+            </a:fillRef>
+            <a:effectRef idx="0">
+              <a:schemeClr val="accent1"/>
+            </a:effectRef>
+            <a:fontRef idx="minor">
+              <a:schemeClr val="lt1"/>
+            </a:fontRef>
+          </p:style>
+          <p:txBody>
+            <a:bodyPr rtlCol="0" anchor="ctr"/>
+            <a:lstStyle/>
+            <a:p>
+              <a:pPr algn="ctr" rtl="0"/>
+              <a:endParaRPr lang="fr-FR" sz="1800" dirty="0"/>
+            </a:p>
+          </p:txBody>
+        </p:sp>
+        <p:sp>
+          <p:nvSpPr>
+            <p:cNvPr id="14" name="Forme libre 13"/>
+            <p:cNvSpPr/>
+            <p:nvPr/>
+          </p:nvSpPr>
+          <p:spPr>
+            <a:xfrm>
+              <a:off x="-7144" y="-2381"/>
+              <a:ext cx="238919" cy="2976561"/>
+            </a:xfrm>
+            <a:custGeom>
+              <a:avLst/>
+              <a:gdLst>
+                <a:gd name="connsiteX0" fmla="*/ 0 w 603250"/>
+                <a:gd name="connsiteY0" fmla="*/ 3905250 h 3905250"/>
+                <a:gd name="connsiteX1" fmla="*/ 603250 w 603250"/>
+                <a:gd name="connsiteY1" fmla="*/ 2984500 h 3905250"/>
+                <a:gd name="connsiteX2" fmla="*/ 603250 w 603250"/>
+                <a:gd name="connsiteY2" fmla="*/ 0 h 3905250"/>
+                <a:gd name="connsiteX0" fmla="*/ 0 w 612775"/>
+                <a:gd name="connsiteY0" fmla="*/ 3919538 h 3919538"/>
+                <a:gd name="connsiteX1" fmla="*/ 612775 w 612775"/>
+                <a:gd name="connsiteY1" fmla="*/ 2984500 h 3919538"/>
+                <a:gd name="connsiteX2" fmla="*/ 612775 w 612775"/>
+                <a:gd name="connsiteY2" fmla="*/ 0 h 3919538"/>
+                <a:gd name="connsiteX0" fmla="*/ 0 w 612775"/>
+                <a:gd name="connsiteY0" fmla="*/ 3919538 h 3919538"/>
+                <a:gd name="connsiteX1" fmla="*/ 373856 w 612775"/>
+                <a:gd name="connsiteY1" fmla="*/ 3344891 h 3919538"/>
+                <a:gd name="connsiteX2" fmla="*/ 612775 w 612775"/>
+                <a:gd name="connsiteY2" fmla="*/ 2984500 h 3919538"/>
+                <a:gd name="connsiteX3" fmla="*/ 612775 w 612775"/>
+                <a:gd name="connsiteY3" fmla="*/ 0 h 3919538"/>
+                <a:gd name="connsiteX0" fmla="*/ 0 w 238919"/>
+                <a:gd name="connsiteY0" fmla="*/ 3344891 h 3344891"/>
+                <a:gd name="connsiteX1" fmla="*/ 238919 w 238919"/>
+                <a:gd name="connsiteY1" fmla="*/ 2984500 h 3344891"/>
+                <a:gd name="connsiteX2" fmla="*/ 238919 w 238919"/>
+                <a:gd name="connsiteY2" fmla="*/ 0 h 3344891"/>
+                <a:gd name="connsiteX0" fmla="*/ 0 w 238919"/>
+                <a:gd name="connsiteY0" fmla="*/ 3344891 h 3344891"/>
+                <a:gd name="connsiteX1" fmla="*/ 238919 w 238919"/>
+                <a:gd name="connsiteY1" fmla="*/ 2984500 h 3344891"/>
+                <a:gd name="connsiteX2" fmla="*/ 238125 w 238919"/>
+                <a:gd name="connsiteY2" fmla="*/ 368330 h 3344891"/>
+                <a:gd name="connsiteX3" fmla="*/ 238919 w 238919"/>
+                <a:gd name="connsiteY3" fmla="*/ 0 h 3344891"/>
+                <a:gd name="connsiteX0" fmla="*/ 0 w 238919"/>
+                <a:gd name="connsiteY0" fmla="*/ 2976561 h 2976561"/>
+                <a:gd name="connsiteX1" fmla="*/ 238919 w 238919"/>
+                <a:gd name="connsiteY1" fmla="*/ 2616170 h 2976561"/>
+                <a:gd name="connsiteX2" fmla="*/ 238125 w 238919"/>
+                <a:gd name="connsiteY2" fmla="*/ 0 h 2976561"/>
+              </a:gdLst>
+              <a:ahLst/>
+              <a:cxnLst>
+                <a:cxn ang="0">
+                  <a:pos x="connsiteX0" y="connsiteY0"/>
+                </a:cxn>
+                <a:cxn ang="0">
+                  <a:pos x="connsiteX1" y="connsiteY1"/>
+                </a:cxn>
+                <a:cxn ang="0">
+                  <a:pos x="connsiteX2" y="connsiteY2"/>
+                </a:cxn>
+              </a:cxnLst>
+              <a:rect l="l" t="t" r="r" b="b"/>
+              <a:pathLst>
+                <a:path w="238919" h="2976561">
+                  <a:moveTo>
+                    <a:pt x="0" y="2976561"/>
+                  </a:moveTo>
+                  <a:lnTo>
+                    <a:pt x="238919" y="2616170"/>
+                  </a:lnTo>
+                  <a:cubicBezTo>
+                    <a:pt x="238654" y="1744113"/>
+                    <a:pt x="238390" y="872057"/>
+                    <a:pt x="238125" y="0"/>
+                  </a:cubicBezTo>
+                </a:path>
+              </a:pathLst>
+            </a:custGeom>
+            <a:noFill/>
+            <a:ln w="25400">
+              <a:gradFill>
+                <a:gsLst>
+                  <a:gs pos="0">
+                    <a:schemeClr val="accent1">
+                      <a:lumMod val="50000"/>
+                    </a:schemeClr>
+                  </a:gs>
+                  <a:gs pos="100000">
+                    <a:schemeClr val="accent1">
+                      <a:lumMod val="75000"/>
+                    </a:schemeClr>
+                  </a:gs>
+                </a:gsLst>
+                <a:lin ang="5400000" scaled="0"/>
+              </a:gradFill>
+            </a:ln>
+          </p:spPr>
+          <p:style>
+            <a:lnRef idx="2">
+              <a:schemeClr val="accent1">
+                <a:shade val="50000"/>
+              </a:schemeClr>
+            </a:lnRef>
+            <a:fillRef idx="1">
+              <a:schemeClr val="accent1"/>
+            </a:fillRef>
+            <a:effectRef idx="0">
+              <a:schemeClr val="accent1"/>
+            </a:effectRef>
+            <a:fontRef idx="minor">
+              <a:schemeClr val="lt1"/>
+            </a:fontRef>
+          </p:style>
+          <p:txBody>
+            <a:bodyPr rtlCol="0" anchor="ctr"/>
+            <a:lstStyle/>
+            <a:p>
+              <a:pPr algn="ctr" rtl="0"/>
+              <a:endParaRPr lang="fr-FR" sz="1800" dirty="0"/>
+            </a:p>
+          </p:txBody>
+        </p:sp>
+      </p:grpSp>
+      <p:sp>
+        <p:nvSpPr>
+          <p:cNvPr id="2" name="Espace réservé du titre 1"/>
           <p:cNvSpPr>
             <a:spLocks noGrp="1"/>
           </p:cNvSpPr>
@@ -2468,30 +4070,31 @@
         </p:nvSpPr>
         <p:spPr>
           <a:xfrm>
-            <a:off x="838200" y="365125"/>
-            <a:ext cx="10515600" cy="1325563"/>
+            <a:off x="1219201" y="274637"/>
+            <a:ext cx="10363200" cy="1223963"/>
           </a:xfrm>
           <a:prstGeom prst="rect">
             <a:avLst/>
           </a:prstGeom>
         </p:spPr>
         <p:txBody>
-          <a:bodyPr vert="horz" lIns="91440" tIns="45720" rIns="91440" bIns="45720" rtlCol="0" anchor="ctr">
+          <a:bodyPr vert="horz" lIns="121899" tIns="60949" rIns="121899" bIns="60949" rtlCol="0" anchor="b">
             <a:normAutofit/>
           </a:bodyPr>
           <a:lstStyle/>
           <a:p>
-            <a:r>
-              <a:rPr lang="fr-FR" smtClean="0"/>
+            <a:pPr rtl="0"/>
+            <a:r>
+              <a:rPr lang="fr-FR" dirty="0" smtClean="0"/>
               <a:t>Modifiez le style du titre</a:t>
             </a:r>
-            <a:endParaRPr lang="en-GB"/>
-          </a:p>
-        </p:txBody>
-      </p:sp>
-      <p:sp>
-        <p:nvSpPr>
-          <p:cNvPr id="3" name="Espace réservé du texte 2"/>
+            <a:endParaRPr lang="fr-FR" dirty="0"/>
+          </a:p>
+        </p:txBody>
+      </p:sp>
+      <p:sp>
+        <p:nvSpPr>
+          <p:cNvPr id="3" name="Espace réservé du texte 2"/>
           <p:cNvSpPr>
             <a:spLocks noGrp="1"/>
           </p:cNvSpPr>
@@ -2501,59 +4104,59 @@
         </p:nvSpPr>
         <p:spPr>
           <a:xfrm>
-            <a:off x="838200" y="1825625"/>
-            <a:ext cx="10515600" cy="4351338"/>
+            <a:off x="1219201" y="1701797"/>
+            <a:ext cx="10363200" cy="4462272"/>
           </a:xfrm>
           <a:prstGeom prst="rect">
             <a:avLst/>
           </a:prstGeom>
         </p:spPr>
         <p:txBody>
-          <a:bodyPr vert="horz" lIns="91440" tIns="45720" rIns="91440" bIns="45720" rtlCol="0">
+          <a:bodyPr vert="horz" lIns="121899" tIns="60949" rIns="121899" bIns="60949" rtlCol="0">
             <a:normAutofit/>
           </a:bodyPr>
           <a:lstStyle/>
           <a:p>
-            <a:pPr lvl="0"/>
-            <a:r>
-              <a:rPr lang="fr-FR" smtClean="0"/>
+            <a:pPr lvl="0" rtl="0"/>
+            <a:r>
+              <a:rPr lang="fr-FR" dirty="0" smtClean="0"/>
               <a:t>Modifiez les styles du texte du masque</a:t>
             </a:r>
           </a:p>
           <a:p>
-            <a:pPr lvl="1"/>
-            <a:r>
-              <a:rPr lang="fr-FR" smtClean="0"/>
+            <a:pPr lvl="1" rtl="0"/>
+            <a:r>
+              <a:rPr lang="fr-FR" dirty="0" smtClean="0"/>
               <a:t>Deuxième niveau</a:t>
             </a:r>
           </a:p>
           <a:p>
-            <a:pPr lvl="2"/>
-            <a:r>
-              <a:rPr lang="fr-FR" smtClean="0"/>
+            <a:pPr lvl="2" rtl="0"/>
+            <a:r>
+              <a:rPr lang="fr-FR" dirty="0" smtClean="0"/>
               <a:t>Troisième niveau</a:t>
             </a:r>
           </a:p>
           <a:p>
-            <a:pPr lvl="3"/>
-            <a:r>
-              <a:rPr lang="fr-FR" smtClean="0"/>
+            <a:pPr lvl="3" rtl="0"/>
+            <a:r>
+              <a:rPr lang="fr-FR" dirty="0" smtClean="0"/>
               <a:t>Quatrième niveau</a:t>
             </a:r>
           </a:p>
           <a:p>
-            <a:pPr lvl="4"/>
-            <a:r>
-              <a:rPr lang="fr-FR" smtClean="0"/>
+            <a:pPr lvl="4" rtl="0"/>
+            <a:r>
+              <a:rPr lang="fr-FR" dirty="0" smtClean="0"/>
               <a:t>Cinquième niveau</a:t>
             </a:r>
-            <a:endParaRPr lang="en-GB"/>
-          </a:p>
-        </p:txBody>
-      </p:sp>
-      <p:sp>
-        <p:nvSpPr>
-          <p:cNvPr id="4" name="Espace réservé de la date 3"/>
+            <a:endParaRPr lang="fr-FR" dirty="0"/>
+          </a:p>
+        </p:txBody>
+      </p:sp>
+      <p:sp>
+        <p:nvSpPr>
+          <p:cNvPr id="4" name="Espace réservé de la date 3"/>
           <p:cNvSpPr>
             <a:spLocks noGrp="1"/>
           </p:cNvSpPr>
@@ -2563,17 +4166,17 @@
         </p:nvSpPr>
         <p:spPr>
           <a:xfrm>
-            <a:off x="838200" y="6356350"/>
-            <a:ext cx="2743200" cy="365125"/>
+            <a:off x="1219200" y="6356353"/>
+            <a:ext cx="2235200" cy="365125"/>
           </a:xfrm>
           <a:prstGeom prst="rect">
             <a:avLst/>
           </a:prstGeom>
         </p:spPr>
         <p:txBody>
-          <a:bodyPr vert="horz" lIns="91440" tIns="45720" rIns="91440" bIns="45720" rtlCol="0" anchor="ctr"/>
+          <a:bodyPr vert="horz" lIns="121899" tIns="60949" rIns="121899" bIns="60949" rtlCol="0" anchor="ctr"/>
           <a:lstStyle>
-            <a:lvl1pPr algn="l">
+            <a:lvl1pPr algn="l" rtl="0">
               <a:defRPr sz="1200">
                 <a:solidFill>
                   <a:schemeClr val="tx1">
@@ -2604,17 +4207,17 @@
         </p:nvSpPr>
         <p:spPr>
           <a:xfrm>
-            <a:off x="4038600" y="6356350"/>
-            <a:ext cx="4114800" cy="365125"/>
+            <a:off x="3454401" y="6356353"/>
+            <a:ext cx="5283200" cy="365125"/>
           </a:xfrm>
           <a:prstGeom prst="rect">
             <a:avLst/>
           </a:prstGeom>
         </p:spPr>
         <p:txBody>
-          <a:bodyPr vert="horz" lIns="91440" tIns="45720" rIns="91440" bIns="45720" rtlCol="0" anchor="ctr"/>
+          <a:bodyPr vert="horz" lIns="121899" tIns="60949" rIns="121899" bIns="60949" rtlCol="0" anchor="ctr"/>
           <a:lstStyle>
-            <a:lvl1pPr algn="ctr">
+            <a:lvl1pPr algn="ctr" rtl="0">
               <a:defRPr sz="1200">
                 <a:solidFill>
                   <a:schemeClr val="tx1">
@@ -2641,17 +4244,17 @@
         </p:nvSpPr>
         <p:spPr>
           <a:xfrm>
-            <a:off x="8610600" y="6356350"/>
-            <a:ext cx="2743200" cy="365125"/>
+            <a:off x="10566401" y="6356353"/>
+            <a:ext cx="1016000" cy="365125"/>
           </a:xfrm>
           <a:prstGeom prst="rect">
             <a:avLst/>
           </a:prstGeom>
         </p:spPr>
         <p:txBody>
-          <a:bodyPr vert="horz" lIns="91440" tIns="45720" rIns="91440" bIns="45720" rtlCol="0" anchor="ctr"/>
+          <a:bodyPr vert="horz" lIns="121899" tIns="60949" rIns="121899" bIns="60949" rtlCol="0" anchor="ctr"/>
           <a:lstStyle>
-            <a:lvl1pPr algn="r">
+            <a:lvl1pPr algn="l" rtl="0">
               <a:defRPr sz="1200">
                 <a:solidFill>
                   <a:schemeClr val="tx1">
@@ -2673,27 +4276,39 @@
     </p:spTree>
     <p:extLst>
       <p:ext uri="{BB962C8B-B14F-4D97-AF65-F5344CB8AC3E}">
-        <p14:creationId xmlns:p14="http://schemas.microsoft.com/office/powerpoint/2010/main" val="380235583"/>
+        <p14:creationId xmlns:p14="http://schemas.microsoft.com/office/powerpoint/2010/main" val="2816538626"/>
       </p:ext>
     </p:extLst>
   </p:cSld>
-  <p:clrMap bg1="lt1" tx1="dk1" bg2="lt2" tx2="dk2" accent1="accent1" accent2="accent2" accent3="accent3" accent4="accent4" accent5="accent5" accent6="accent6" hlink="hlink" folHlink="folHlink"/>
+  <p:clrMap bg1="dk1" tx1="lt1" bg2="dk2" tx2="lt2" accent1="accent1" accent2="accent2" accent3="accent3" accent4="accent4" accent5="accent5" accent6="accent6" hlink="hlink" folHlink="folHlink"/>
   <p:sldLayoutIdLst>
-    <p:sldLayoutId id="2147483649" r:id="rId1"/>
-    <p:sldLayoutId id="2147483650" r:id="rId2"/>
-    <p:sldLayoutId id="2147483651" r:id="rId3"/>
-    <p:sldLayoutId id="2147483652" r:id="rId4"/>
-    <p:sldLayoutId id="2147483653" r:id="rId5"/>
-    <p:sldLayoutId id="2147483654" r:id="rId6"/>
-    <p:sldLayoutId id="2147483655" r:id="rId7"/>
-    <p:sldLayoutId id="2147483656" r:id="rId8"/>
-    <p:sldLayoutId id="2147483657" r:id="rId9"/>
-    <p:sldLayoutId id="2147483658" r:id="rId10"/>
-    <p:sldLayoutId id="2147483659" r:id="rId11"/>
+    <p:sldLayoutId id="2147483661" r:id="rId1"/>
+    <p:sldLayoutId id="2147483662" r:id="rId2"/>
+    <p:sldLayoutId id="2147483663" r:id="rId3"/>
+    <p:sldLayoutId id="2147483664" r:id="rId4"/>
+    <p:sldLayoutId id="2147483665" r:id="rId5"/>
+    <p:sldLayoutId id="2147483666" r:id="rId6"/>
+    <p:sldLayoutId id="2147483667" r:id="rId7"/>
+    <p:sldLayoutId id="2147483668" r:id="rId8"/>
+    <p:sldLayoutId id="2147483669" r:id="rId9"/>
+    <p:sldLayoutId id="2147483670" r:id="rId10"/>
+    <p:sldLayoutId id="2147483671" r:id="rId11"/>
   </p:sldLayoutIdLst>
+  <mc:AlternateContent xmlns:mc="http://schemas.openxmlformats.org/markup-compatibility/2006" xmlns:p14="http://schemas.microsoft.com/office/powerpoint/2010/main">
+    <mc:Choice Requires="p14">
+      <p:transition spd="med" p14:dur="700">
+        <p:fade/>
+      </p:transition>
+    </mc:Choice>
+    <mc:Fallback xmlns="">
+      <p:transition spd="med">
+        <p:fade/>
+      </p:transition>
+    </mc:Fallback>
+  </mc:AlternateContent>
   <p:txStyles>
     <p:titleStyle>
-      <a:lvl1pPr algn="l" defTabSz="914400" rtl="0" eaLnBrk="1" latinLnBrk="0" hangingPunct="1">
+      <a:lvl1pPr algn="l" defTabSz="1218987" rtl="0" eaLnBrk="1" latinLnBrk="0" hangingPunct="1">
         <a:lnSpc>
           <a:spcPct val="90000"/>
         </a:lnSpc>
@@ -2701,7 +4316,7 @@
           <a:spcPct val="0"/>
         </a:spcBef>
         <a:buNone/>
-        <a:defRPr sz="4400" kern="1200">
+        <a:defRPr sz="3600" kern="1200">
           <a:solidFill>
             <a:schemeClr val="tx1"/>
           </a:solidFill>
@@ -2712,14 +4327,18 @@
       </a:lvl1pPr>
     </p:titleStyle>
     <p:bodyStyle>
-      <a:lvl1pPr marL="228600" indent="-228600" algn="l" defTabSz="914400" rtl="0" eaLnBrk="1" latinLnBrk="0" hangingPunct="1">
+      <a:lvl1pPr marL="304747" indent="-304747" algn="l" defTabSz="1218987" rtl="0" eaLnBrk="1" latinLnBrk="0" hangingPunct="1">
         <a:lnSpc>
           <a:spcPct val="90000"/>
         </a:lnSpc>
         <a:spcBef>
-          <a:spcPts val="1000"/>
+          <a:spcPts val="1600"/>
         </a:spcBef>
-        <a:buFont typeface="Arial" panose="020B0604020202020204" pitchFamily="34" charset="0"/>
+        <a:buClr>
+          <a:schemeClr val="accent1"/>
+        </a:buClr>
+        <a:buSzPct val="100000"/>
+        <a:buFont typeface="Arial" pitchFamily="34" charset="0"/>
         <a:buChar char="•"/>
         <a:defRPr sz="2800" kern="1200">
           <a:solidFill>
@@ -2730,14 +4349,18 @@
           <a:cs typeface="+mn-cs"/>
         </a:defRPr>
       </a:lvl1pPr>
-      <a:lvl2pPr marL="685800" indent="-228600" algn="l" defTabSz="914400" rtl="0" eaLnBrk="1" latinLnBrk="0" hangingPunct="1">
+      <a:lvl2pPr marL="609493" indent="-231607" algn="l" defTabSz="1218987" rtl="0" eaLnBrk="1" latinLnBrk="0" hangingPunct="1">
         <a:lnSpc>
           <a:spcPct val="90000"/>
         </a:lnSpc>
         <a:spcBef>
-          <a:spcPts val="500"/>
+          <a:spcPts val="800"/>
         </a:spcBef>
-        <a:buFont typeface="Arial" panose="020B0604020202020204" pitchFamily="34" charset="0"/>
+        <a:buClr>
+          <a:schemeClr val="accent1"/>
+        </a:buClr>
+        <a:buSzPct val="80000"/>
+        <a:buFont typeface="Arial" pitchFamily="34" charset="0"/>
         <a:buChar char="•"/>
         <a:defRPr sz="2400" kern="1200">
           <a:solidFill>
@@ -2748,14 +4371,18 @@
           <a:cs typeface="+mn-cs"/>
         </a:defRPr>
       </a:lvl2pPr>
-      <a:lvl3pPr marL="1143000" indent="-228600" algn="l" defTabSz="914400" rtl="0" eaLnBrk="1" latinLnBrk="0" hangingPunct="1">
+      <a:lvl3pPr marL="914240" indent="-231607" algn="l" defTabSz="1218987" rtl="0" eaLnBrk="1" latinLnBrk="0" hangingPunct="1">
         <a:lnSpc>
           <a:spcPct val="90000"/>
         </a:lnSpc>
         <a:spcBef>
-          <a:spcPts val="500"/>
+          <a:spcPts val="800"/>
         </a:spcBef>
-        <a:buFont typeface="Arial" panose="020B0604020202020204" pitchFamily="34" charset="0"/>
+        <a:buClr>
+          <a:schemeClr val="accent1"/>
+        </a:buClr>
+        <a:buSzPct val="80000"/>
+        <a:buFont typeface="Arial" pitchFamily="34" charset="0"/>
         <a:buChar char="•"/>
         <a:defRPr sz="2000" kern="1200">
           <a:solidFill>
@@ -2766,16 +4393,20 @@
           <a:cs typeface="+mn-cs"/>
         </a:defRPr>
       </a:lvl3pPr>
-      <a:lvl4pPr marL="1600200" indent="-228600" algn="l" defTabSz="914400" rtl="0" eaLnBrk="1" latinLnBrk="0" hangingPunct="1">
+      <a:lvl4pPr marL="1218987" indent="-231607" algn="l" defTabSz="1218987" rtl="0" eaLnBrk="1" latinLnBrk="0" hangingPunct="1">
         <a:lnSpc>
           <a:spcPct val="90000"/>
         </a:lnSpc>
         <a:spcBef>
-          <a:spcPts val="500"/>
+          <a:spcPts val="800"/>
         </a:spcBef>
-        <a:buFont typeface="Arial" panose="020B0604020202020204" pitchFamily="34" charset="0"/>
+        <a:buClr>
+          <a:schemeClr val="accent1"/>
+        </a:buClr>
+        <a:buSzPct val="80000"/>
+        <a:buFont typeface="Arial" pitchFamily="34" charset="0"/>
         <a:buChar char="•"/>
-        <a:defRPr sz="1800" kern="1200">
+        <a:defRPr sz="2000" kern="1200">
           <a:solidFill>
             <a:schemeClr val="tx1"/>
           </a:solidFill>
@@ -2784,16 +4415,20 @@
           <a:cs typeface="+mn-cs"/>
         </a:defRPr>
       </a:lvl4pPr>
-      <a:lvl5pPr marL="2057400" indent="-228600" algn="l" defTabSz="914400" rtl="0" eaLnBrk="1" latinLnBrk="0" hangingPunct="1">
+      <a:lvl5pPr marL="1523733" indent="-231607" algn="l" defTabSz="1218987" rtl="0" eaLnBrk="1" latinLnBrk="0" hangingPunct="1">
         <a:lnSpc>
           <a:spcPct val="90000"/>
         </a:lnSpc>
         <a:spcBef>
-          <a:spcPts val="500"/>
+          <a:spcPts val="800"/>
         </a:spcBef>
-        <a:buFont typeface="Arial" panose="020B0604020202020204" pitchFamily="34" charset="0"/>
+        <a:buClr>
+          <a:schemeClr val="accent1"/>
+        </a:buClr>
+        <a:buSzPct val="80000"/>
+        <a:buFont typeface="Arial" pitchFamily="34" charset="0"/>
         <a:buChar char="•"/>
-        <a:defRPr sz="1800" kern="1200">
+        <a:defRPr sz="2000" kern="1200">
           <a:solidFill>
             <a:schemeClr val="tx1"/>
           </a:solidFill>
@@ -2802,16 +4437,20 @@
           <a:cs typeface="+mn-cs"/>
         </a:defRPr>
       </a:lvl5pPr>
-      <a:lvl6pPr marL="2514600" indent="-228600" algn="l" defTabSz="914400" rtl="0" eaLnBrk="1" latinLnBrk="0" hangingPunct="1">
+      <a:lvl6pPr marL="1828480" indent="-231607" algn="l" defTabSz="1218987" rtl="0" eaLnBrk="1" latinLnBrk="0" hangingPunct="1">
         <a:lnSpc>
           <a:spcPct val="90000"/>
         </a:lnSpc>
         <a:spcBef>
-          <a:spcPts val="500"/>
+          <a:spcPts val="800"/>
         </a:spcBef>
-        <a:buFont typeface="Arial" panose="020B0604020202020204" pitchFamily="34" charset="0"/>
+        <a:buClr>
+          <a:schemeClr val="accent1"/>
+        </a:buClr>
+        <a:buSzPct val="80000"/>
+        <a:buFont typeface="Arial" pitchFamily="34" charset="0"/>
         <a:buChar char="•"/>
-        <a:defRPr sz="1800" kern="1200">
+        <a:defRPr sz="2000" kern="1200">
           <a:solidFill>
             <a:schemeClr val="tx1"/>
           </a:solidFill>
@@ -2820,16 +4459,20 @@
           <a:cs typeface="+mn-cs"/>
         </a:defRPr>
       </a:lvl6pPr>
-      <a:lvl7pPr marL="2971800" indent="-228600" algn="l" defTabSz="914400" rtl="0" eaLnBrk="1" latinLnBrk="0" hangingPunct="1">
+      <a:lvl7pPr marL="2133227" indent="-231607" algn="l" defTabSz="1218987" rtl="0" eaLnBrk="1" latinLnBrk="0" hangingPunct="1">
         <a:lnSpc>
           <a:spcPct val="90000"/>
         </a:lnSpc>
         <a:spcBef>
-          <a:spcPts val="500"/>
+          <a:spcPts val="800"/>
         </a:spcBef>
-        <a:buFont typeface="Arial" panose="020B0604020202020204" pitchFamily="34" charset="0"/>
+        <a:buClr>
+          <a:schemeClr val="accent1"/>
+        </a:buClr>
+        <a:buSzPct val="80000"/>
+        <a:buFont typeface="Arial" pitchFamily="34" charset="0"/>
         <a:buChar char="•"/>
-        <a:defRPr sz="1800" kern="1200">
+        <a:defRPr sz="2000" kern="1200">
           <a:solidFill>
             <a:schemeClr val="tx1"/>
           </a:solidFill>
@@ -2838,16 +4481,20 @@
           <a:cs typeface="+mn-cs"/>
         </a:defRPr>
       </a:lvl7pPr>
-      <a:lvl8pPr marL="3429000" indent="-228600" algn="l" defTabSz="914400" rtl="0" eaLnBrk="1" latinLnBrk="0" hangingPunct="1">
+      <a:lvl8pPr marL="2437973" indent="-231607" algn="l" defTabSz="1218987" rtl="0" eaLnBrk="1" latinLnBrk="0" hangingPunct="1">
         <a:lnSpc>
           <a:spcPct val="90000"/>
         </a:lnSpc>
         <a:spcBef>
-          <a:spcPts val="500"/>
+          <a:spcPts val="800"/>
         </a:spcBef>
-        <a:buFont typeface="Arial" panose="020B0604020202020204" pitchFamily="34" charset="0"/>
+        <a:buClr>
+          <a:schemeClr val="accent1"/>
+        </a:buClr>
+        <a:buSzPct val="80000"/>
+        <a:buFont typeface="Arial" pitchFamily="34" charset="0"/>
         <a:buChar char="•"/>
-        <a:defRPr sz="1800" kern="1200">
+        <a:defRPr sz="2000" kern="1200" baseline="0">
           <a:solidFill>
             <a:schemeClr val="tx1"/>
           </a:solidFill>
@@ -2856,16 +4503,20 @@
           <a:cs typeface="+mn-cs"/>
         </a:defRPr>
       </a:lvl8pPr>
-      <a:lvl9pPr marL="3886200" indent="-228600" algn="l" defTabSz="914400" rtl="0" eaLnBrk="1" latinLnBrk="0" hangingPunct="1">
+      <a:lvl9pPr marL="2742720" indent="-231607" algn="l" defTabSz="1218987" rtl="0" eaLnBrk="1" latinLnBrk="0" hangingPunct="1">
         <a:lnSpc>
           <a:spcPct val="90000"/>
         </a:lnSpc>
         <a:spcBef>
-          <a:spcPts val="500"/>
+          <a:spcPts val="800"/>
         </a:spcBef>
-        <a:buFont typeface="Arial" panose="020B0604020202020204" pitchFamily="34" charset="0"/>
+        <a:buClr>
+          <a:schemeClr val="accent1"/>
+        </a:buClr>
+        <a:buSzPct val="80000"/>
+        <a:buFont typeface="Arial" pitchFamily="34" charset="0"/>
         <a:buChar char="•"/>
-        <a:defRPr sz="1800" kern="1200">
+        <a:defRPr sz="2000" kern="1200" baseline="0">
           <a:solidFill>
             <a:schemeClr val="tx1"/>
           </a:solidFill>
@@ -2877,10 +4528,10 @@
     </p:bodyStyle>
     <p:otherStyle>
       <a:defPPr>
-        <a:defRPr lang="en-US"/>
+        <a:defRPr/>
       </a:defPPr>
-      <a:lvl1pPr marL="0" algn="l" defTabSz="914400" rtl="0" eaLnBrk="1" latinLnBrk="0" hangingPunct="1">
-        <a:defRPr sz="1800" kern="1200">
+      <a:lvl1pPr marL="0" algn="l" defTabSz="1218987" rtl="0" eaLnBrk="1" latinLnBrk="0" hangingPunct="1">
+        <a:defRPr sz="2400" kern="1200">
           <a:solidFill>
             <a:schemeClr val="tx1"/>
           </a:solidFill>
@@ -2889,8 +4540,8 @@
           <a:cs typeface="+mn-cs"/>
         </a:defRPr>
       </a:lvl1pPr>
-      <a:lvl2pPr marL="457200" algn="l" defTabSz="914400" rtl="0" eaLnBrk="1" latinLnBrk="0" hangingPunct="1">
-        <a:defRPr sz="1800" kern="1200">
+      <a:lvl2pPr marL="609493" algn="l" defTabSz="1218987" rtl="0" eaLnBrk="1" latinLnBrk="0" hangingPunct="1">
+        <a:defRPr sz="2400" kern="1200">
           <a:solidFill>
             <a:schemeClr val="tx1"/>
           </a:solidFill>
@@ -2899,8 +4550,8 @@
           <a:cs typeface="+mn-cs"/>
         </a:defRPr>
       </a:lvl2pPr>
-      <a:lvl3pPr marL="914400" algn="l" defTabSz="914400" rtl="0" eaLnBrk="1" latinLnBrk="0" hangingPunct="1">
-        <a:defRPr sz="1800" kern="1200">
+      <a:lvl3pPr marL="1218987" algn="l" defTabSz="1218987" rtl="0" eaLnBrk="1" latinLnBrk="0" hangingPunct="1">
+        <a:defRPr sz="2400" kern="1200">
           <a:solidFill>
             <a:schemeClr val="tx1"/>
           </a:solidFill>
@@ -2909,8 +4560,8 @@
           <a:cs typeface="+mn-cs"/>
         </a:defRPr>
       </a:lvl3pPr>
-      <a:lvl4pPr marL="1371600" algn="l" defTabSz="914400" rtl="0" eaLnBrk="1" latinLnBrk="0" hangingPunct="1">
-        <a:defRPr sz="1800" kern="1200">
+      <a:lvl4pPr marL="1828480" algn="l" defTabSz="1218987" rtl="0" eaLnBrk="1" latinLnBrk="0" hangingPunct="1">
+        <a:defRPr sz="2400" kern="1200">
           <a:solidFill>
             <a:schemeClr val="tx1"/>
           </a:solidFill>
@@ -2919,8 +4570,8 @@
           <a:cs typeface="+mn-cs"/>
         </a:defRPr>
       </a:lvl4pPr>
-      <a:lvl5pPr marL="1828800" algn="l" defTabSz="914400" rtl="0" eaLnBrk="1" latinLnBrk="0" hangingPunct="1">
-        <a:defRPr sz="1800" kern="1200">
+      <a:lvl5pPr marL="2437973" algn="l" defTabSz="1218987" rtl="0" eaLnBrk="1" latinLnBrk="0" hangingPunct="1">
+        <a:defRPr sz="2400" kern="1200">
           <a:solidFill>
             <a:schemeClr val="tx1"/>
           </a:solidFill>
@@ -2929,8 +4580,8 @@
           <a:cs typeface="+mn-cs"/>
         </a:defRPr>
       </a:lvl5pPr>
-      <a:lvl6pPr marL="2286000" algn="l" defTabSz="914400" rtl="0" eaLnBrk="1" latinLnBrk="0" hangingPunct="1">
-        <a:defRPr sz="1800" kern="1200">
+      <a:lvl6pPr marL="3047467" algn="l" defTabSz="1218987" rtl="0" eaLnBrk="1" latinLnBrk="0" hangingPunct="1">
+        <a:defRPr sz="2400" kern="1200">
           <a:solidFill>
             <a:schemeClr val="tx1"/>
           </a:solidFill>
@@ -2939,8 +4590,8 @@
           <a:cs typeface="+mn-cs"/>
         </a:defRPr>
       </a:lvl6pPr>
-      <a:lvl7pPr marL="2743200" algn="l" defTabSz="914400" rtl="0" eaLnBrk="1" latinLnBrk="0" hangingPunct="1">
-        <a:defRPr sz="1800" kern="1200">
+      <a:lvl7pPr marL="3656960" algn="l" defTabSz="1218987" rtl="0" eaLnBrk="1" latinLnBrk="0" hangingPunct="1">
+        <a:defRPr sz="2400" kern="1200">
           <a:solidFill>
             <a:schemeClr val="tx1"/>
           </a:solidFill>
@@ -2949,8 +4600,8 @@
           <a:cs typeface="+mn-cs"/>
         </a:defRPr>
       </a:lvl7pPr>
-      <a:lvl8pPr marL="3200400" algn="l" defTabSz="914400" rtl="0" eaLnBrk="1" latinLnBrk="0" hangingPunct="1">
-        <a:defRPr sz="1800" kern="1200">
+      <a:lvl8pPr marL="4266453" algn="l" defTabSz="1218987" rtl="0" eaLnBrk="1" latinLnBrk="0" hangingPunct="1">
+        <a:defRPr sz="2400" kern="1200">
           <a:solidFill>
             <a:schemeClr val="tx1"/>
           </a:solidFill>
@@ -2959,8 +4610,8 @@
           <a:cs typeface="+mn-cs"/>
         </a:defRPr>
       </a:lvl8pPr>
-      <a:lvl9pPr marL="3657600" algn="l" defTabSz="914400" rtl="0" eaLnBrk="1" latinLnBrk="0" hangingPunct="1">
-        <a:defRPr sz="1800" kern="1200">
+      <a:lvl9pPr marL="4875947" algn="l" defTabSz="1218987" rtl="0" eaLnBrk="1" latinLnBrk="0" hangingPunct="1">
+        <a:defRPr sz="2400" kern="1200">
           <a:solidFill>
             <a:schemeClr val="tx1"/>
           </a:solidFill>
@@ -2971,6 +4622,22 @@
       </a:lvl9pPr>
     </p:otherStyle>
   </p:txStyles>
+  <p:extLst mod="1">
+    <p:ext uri="{27BBF7A9-308A-43DC-89C8-2F10F3537804}">
+      <p15:sldGuideLst xmlns:p15="http://schemas.microsoft.com/office/powerpoint/2012/main">
+        <p15:guide id="4294967295" orient="horz" pos="2160">
+          <p15:clr>
+            <a:srgbClr val="F26B43"/>
+          </p15:clr>
+        </p15:guide>
+        <p15:guide id="4294967295" pos="3839">
+          <p15:clr>
+            <a:srgbClr val="F26B43"/>
+          </p15:clr>
+        </p15:guide>
+      </p15:sldGuideLst>
+    </p:ext>
+  </p:extLst>
 </p:sldMaster>
 </file>
 
@@ -3043,6 +4710,18 @@
   <p:clrMapOvr>
     <a:masterClrMapping/>
   </p:clrMapOvr>
+  <mc:AlternateContent xmlns:mc="http://schemas.openxmlformats.org/markup-compatibility/2006" xmlns:p14="http://schemas.microsoft.com/office/powerpoint/2010/main">
+    <mc:Choice Requires="p14">
+      <p:transition spd="med" p14:dur="700">
+        <p:fade/>
+      </p:transition>
+    </mc:Choice>
+    <mc:Fallback xmlns="">
+      <p:transition spd="med">
+        <p:fade/>
+      </p:transition>
+    </mc:Fallback>
+  </mc:AlternateContent>
 </p:sld>
 </file>
 
@@ -3118,8 +4797,8 @@
         </p:blipFill>
         <p:spPr>
           <a:xfrm>
-            <a:off x="2614930" y="1825625"/>
-            <a:ext cx="6962140" cy="4351338"/>
+            <a:off x="2830830" y="1701800"/>
+            <a:ext cx="7139940" cy="4462463"/>
           </a:xfrm>
         </p:spPr>
       </p:pic>
@@ -3133,6 +4812,18 @@
   <p:clrMapOvr>
     <a:masterClrMapping/>
   </p:clrMapOvr>
+  <mc:AlternateContent xmlns:mc="http://schemas.openxmlformats.org/markup-compatibility/2006" xmlns:p14="http://schemas.microsoft.com/office/powerpoint/2010/main">
+    <mc:Choice Requires="p14">
+      <p:transition spd="med" p14:dur="700">
+        <p:fade/>
+      </p:transition>
+    </mc:Choice>
+    <mc:Fallback xmlns="">
+      <p:transition spd="med">
+        <p:fade/>
+      </p:transition>
+    </mc:Fallback>
+  </mc:AlternateContent>
 </p:sld>
 </file>
 
@@ -3208,8 +4899,8 @@
         </p:blipFill>
         <p:spPr>
           <a:xfrm>
-            <a:off x="2614930" y="1825625"/>
-            <a:ext cx="6962140" cy="4351338"/>
+            <a:off x="2830830" y="1701800"/>
+            <a:ext cx="7139940" cy="4462463"/>
           </a:xfrm>
         </p:spPr>
       </p:pic>
@@ -3223,6 +4914,18 @@
   <p:clrMapOvr>
     <a:masterClrMapping/>
   </p:clrMapOvr>
+  <mc:AlternateContent xmlns:mc="http://schemas.openxmlformats.org/markup-compatibility/2006" xmlns:p14="http://schemas.microsoft.com/office/powerpoint/2010/main">
+    <mc:Choice Requires="p14">
+      <p:transition spd="med" p14:dur="700">
+        <p:fade/>
+      </p:transition>
+    </mc:Choice>
+    <mc:Fallback xmlns="">
+      <p:transition spd="med">
+        <p:fade/>
+      </p:transition>
+    </mc:Fallback>
+  </mc:AlternateContent>
 </p:sld>
 </file>
 
@@ -3298,8 +5001,8 @@
         </p:blipFill>
         <p:spPr>
           <a:xfrm>
-            <a:off x="2614930" y="1825625"/>
-            <a:ext cx="6962140" cy="4351338"/>
+            <a:off x="2830830" y="1701800"/>
+            <a:ext cx="7139940" cy="4462463"/>
           </a:xfrm>
         </p:spPr>
       </p:pic>
@@ -3313,6 +5016,18 @@
   <p:clrMapOvr>
     <a:masterClrMapping/>
   </p:clrMapOvr>
+  <mc:AlternateContent xmlns:mc="http://schemas.openxmlformats.org/markup-compatibility/2006" xmlns:p14="http://schemas.microsoft.com/office/powerpoint/2010/main">
+    <mc:Choice Requires="p14">
+      <p:transition spd="med" p14:dur="700">
+        <p:fade/>
+      </p:transition>
+    </mc:Choice>
+    <mc:Fallback xmlns="">
+      <p:transition spd="med">
+        <p:fade/>
+      </p:transition>
+    </mc:Fallback>
+  </mc:AlternateContent>
 </p:sld>
 </file>
 
@@ -3388,8 +5103,8 @@
         </p:blipFill>
         <p:spPr>
           <a:xfrm>
-            <a:off x="2614930" y="1825625"/>
-            <a:ext cx="6962140" cy="4351338"/>
+            <a:off x="2830830" y="1701800"/>
+            <a:ext cx="7139940" cy="4462463"/>
           </a:xfrm>
         </p:spPr>
       </p:pic>
@@ -3403,6 +5118,18 @@
   <p:clrMapOvr>
     <a:masterClrMapping/>
   </p:clrMapOvr>
+  <mc:AlternateContent xmlns:mc="http://schemas.openxmlformats.org/markup-compatibility/2006" xmlns:p14="http://schemas.microsoft.com/office/powerpoint/2010/main">
+    <mc:Choice Requires="p14">
+      <p:transition spd="med" p14:dur="700">
+        <p:fade/>
+      </p:transition>
+    </mc:Choice>
+    <mc:Fallback xmlns="">
+      <p:transition spd="med">
+        <p:fade/>
+      </p:transition>
+    </mc:Fallback>
+  </mc:AlternateContent>
 </p:sld>
 </file>
 
@@ -3482,8 +5209,8 @@
         </p:blipFill>
         <p:spPr>
           <a:xfrm>
-            <a:off x="2614930" y="1825625"/>
-            <a:ext cx="6962140" cy="4351338"/>
+            <a:off x="2830830" y="1701800"/>
+            <a:ext cx="7139940" cy="4462463"/>
           </a:xfrm>
         </p:spPr>
       </p:pic>
@@ -3497,6 +5224,18 @@
   <p:clrMapOvr>
     <a:masterClrMapping/>
   </p:clrMapOvr>
+  <mc:AlternateContent xmlns:mc="http://schemas.openxmlformats.org/markup-compatibility/2006" xmlns:p14="http://schemas.microsoft.com/office/powerpoint/2010/main">
+    <mc:Choice Requires="p14">
+      <p:transition spd="med" p14:dur="700">
+        <p:fade/>
+      </p:transition>
+    </mc:Choice>
+    <mc:Fallback xmlns="">
+      <p:transition spd="med">
+        <p:fade/>
+      </p:transition>
+    </mc:Fallback>
+  </mc:AlternateContent>
 </p:sld>
 </file>
 
@@ -3576,8 +5315,8 @@
         </p:blipFill>
         <p:spPr>
           <a:xfrm>
-            <a:off x="2614930" y="1825625"/>
-            <a:ext cx="6962140" cy="4351338"/>
+            <a:off x="2830830" y="1701800"/>
+            <a:ext cx="7139940" cy="4462463"/>
           </a:xfrm>
         </p:spPr>
       </p:pic>
@@ -3591,6 +5330,18 @@
   <p:clrMapOvr>
     <a:masterClrMapping/>
   </p:clrMapOvr>
+  <mc:AlternateContent xmlns:mc="http://schemas.openxmlformats.org/markup-compatibility/2006" xmlns:p14="http://schemas.microsoft.com/office/powerpoint/2010/main">
+    <mc:Choice Requires="p14">
+      <p:transition spd="med" p14:dur="700">
+        <p:fade/>
+      </p:transition>
+    </mc:Choice>
+    <mc:Fallback xmlns="">
+      <p:transition spd="med">
+        <p:fade/>
+      </p:transition>
+    </mc:Fallback>
+  </mc:AlternateContent>
 </p:sld>
 </file>
 
@@ -3699,6 +5450,18 @@
   <p:clrMapOvr>
     <a:masterClrMapping/>
   </p:clrMapOvr>
+  <mc:AlternateContent xmlns:mc="http://schemas.openxmlformats.org/markup-compatibility/2006" xmlns:p14="http://schemas.microsoft.com/office/powerpoint/2010/main">
+    <mc:Choice Requires="p14">
+      <p:transition spd="med" p14:dur="700">
+        <p:fade/>
+      </p:transition>
+    </mc:Choice>
+    <mc:Fallback xmlns="">
+      <p:transition spd="med">
+        <p:fade/>
+      </p:transition>
+    </mc:Fallback>
+  </mc:AlternateContent>
 </p:sld>
 </file>
 
@@ -3778,8 +5541,8 @@
         </p:blipFill>
         <p:spPr>
           <a:xfrm>
-            <a:off x="2614930" y="1825625"/>
-            <a:ext cx="6962140" cy="4351338"/>
+            <a:off x="2830830" y="1701800"/>
+            <a:ext cx="7139940" cy="4462463"/>
           </a:xfrm>
         </p:spPr>
       </p:pic>
@@ -3793,6 +5556,18 @@
   <p:clrMapOvr>
     <a:masterClrMapping/>
   </p:clrMapOvr>
+  <mc:AlternateContent xmlns:mc="http://schemas.openxmlformats.org/markup-compatibility/2006" xmlns:p14="http://schemas.microsoft.com/office/powerpoint/2010/main">
+    <mc:Choice Requires="p14">
+      <p:transition spd="med" p14:dur="700">
+        <p:fade/>
+      </p:transition>
+    </mc:Choice>
+    <mc:Fallback xmlns="">
+      <p:transition spd="med">
+        <p:fade/>
+      </p:transition>
+    </mc:Fallback>
+  </mc:AlternateContent>
 </p:sld>
 </file>
 
@@ -3909,6 +5684,18 @@
   <p:clrMapOvr>
     <a:masterClrMapping/>
   </p:clrMapOvr>
+  <mc:AlternateContent xmlns:mc="http://schemas.openxmlformats.org/markup-compatibility/2006" xmlns:p14="http://schemas.microsoft.com/office/powerpoint/2010/main">
+    <mc:Choice Requires="p14">
+      <p:transition spd="med" p14:dur="700">
+        <p:fade/>
+      </p:transition>
+    </mc:Choice>
+    <mc:Fallback xmlns="">
+      <p:transition spd="med">
+        <p:fade/>
+      </p:transition>
+    </mc:Fallback>
+  </mc:AlternateContent>
   <p:timing>
     <p:tnLst>
       <p:par>
@@ -4003,8 +5790,8 @@
         </p:blipFill>
         <p:spPr>
           <a:xfrm>
-            <a:off x="2614930" y="1825625"/>
-            <a:ext cx="6962140" cy="4351338"/>
+            <a:off x="2830830" y="1701800"/>
+            <a:ext cx="7139940" cy="4462463"/>
           </a:xfrm>
         </p:spPr>
       </p:pic>
@@ -4018,6 +5805,18 @@
   <p:clrMapOvr>
     <a:masterClrMapping/>
   </p:clrMapOvr>
+  <mc:AlternateContent xmlns:mc="http://schemas.openxmlformats.org/markup-compatibility/2006" xmlns:p14="http://schemas.microsoft.com/office/powerpoint/2010/main">
+    <mc:Choice Requires="p14">
+      <p:transition spd="med" p14:dur="700">
+        <p:fade/>
+      </p:transition>
+    </mc:Choice>
+    <mc:Fallback xmlns="">
+      <p:transition spd="med">
+        <p:fade/>
+      </p:transition>
+    </mc:Fallback>
+  </mc:AlternateContent>
   <p:timing>
     <p:tnLst>
       <p:par>
@@ -4081,7 +5880,7 @@
         <p:spPr/>
         <p:txBody>
           <a:bodyPr>
-            <a:normAutofit fontScale="85000" lnSpcReduction="20000"/>
+            <a:normAutofit fontScale="70000" lnSpcReduction="20000"/>
           </a:bodyPr>
           <a:lstStyle/>
           <a:p>
@@ -4113,7 +5912,7 @@
           <a:p>
             <a:r>
               <a:rPr lang="fr-FR" dirty="0" smtClean="0"/>
-              <a:t>IDE								=&gt; Maxime</a:t>
+              <a:t>IDE							=&gt; Maxime</a:t>
             </a:r>
           </a:p>
           <a:p>
@@ -4134,7 +5933,7 @@
             </a:r>
             <a:r>
               <a:rPr lang="fr-FR" dirty="0" smtClean="0"/>
-              <a:t>, input et un bouton)    		=&gt; JB</a:t>
+              <a:t>, input et un bouton)    			=&gt; JB</a:t>
             </a:r>
           </a:p>
           <a:p>
@@ -4157,7 +5956,7 @@
             </a:r>
             <a:r>
               <a:rPr lang="fr-FR" dirty="0" smtClean="0"/>
-              <a:t>)     			=&gt; Morgan</a:t>
+              <a:t>)     				=&gt; Morgan</a:t>
             </a:r>
           </a:p>
           <a:p>
@@ -4172,7 +5971,7 @@
             </a:r>
             <a:r>
               <a:rPr lang="fr-FR" dirty="0" smtClean="0"/>
-              <a:t>…)		=&gt; Morgan</a:t>
+              <a:t>…)				=&gt; Morgan</a:t>
             </a:r>
           </a:p>
           <a:p>
@@ -4183,7 +5982,7 @@
             </a:r>
             <a:r>
               <a:rPr lang="fr-FR" dirty="0" smtClean="0"/>
-              <a:t>, utilisations services, cycle de vie…			=&gt; Samir</a:t>
+              <a:t>, utilisations services, cycle de vie…				=&gt; Samir</a:t>
             </a:r>
           </a:p>
           <a:p>
@@ -4196,19 +5995,14 @@
           <a:p>
             <a:r>
               <a:rPr lang="fr-FR" dirty="0" smtClean="0"/>
-              <a:t>Comment mettre appli sur le store			=&gt; Samir</a:t>
-            </a:r>
-          </a:p>
-          <a:p>
-            <a:r>
-              <a:rPr lang="fr-FR" dirty="0" smtClean="0"/>
-              <a:t>Conclusion (point +, point -) 		</a:t>
-            </a:r>
-            <a:r>
-              <a:rPr lang="fr-FR" smtClean="0"/>
-              <a:t>	</a:t>
-            </a:r>
-            <a:endParaRPr lang="fr-FR" dirty="0" smtClean="0"/>
+              <a:t>Comment mettre appli sur le store				=&gt; Samir</a:t>
+            </a:r>
+          </a:p>
+          <a:p>
+            <a:r>
+              <a:rPr lang="fr-FR" dirty="0" smtClean="0"/>
+              <a:t>Conclusion (point +, point -) 			</a:t>
+            </a:r>
           </a:p>
           <a:p>
             <a:endParaRPr lang="fr-FR" dirty="0" smtClean="0"/>
@@ -4231,6 +6025,18 @@
   <p:clrMapOvr>
     <a:masterClrMapping/>
   </p:clrMapOvr>
+  <mc:AlternateContent xmlns:mc="http://schemas.openxmlformats.org/markup-compatibility/2006" xmlns:p14="http://schemas.microsoft.com/office/powerpoint/2010/main">
+    <mc:Choice Requires="p14">
+      <p:transition spd="med" p14:dur="700">
+        <p:fade/>
+      </p:transition>
+    </mc:Choice>
+    <mc:Fallback xmlns="">
+      <p:transition spd="med">
+        <p:fade/>
+      </p:transition>
+    </mc:Fallback>
+  </mc:AlternateContent>
 </p:sld>
 </file>
 
@@ -4310,8 +6116,8 @@
         </p:blipFill>
         <p:spPr>
           <a:xfrm>
-            <a:off x="5098485" y="2322336"/>
-            <a:ext cx="6962140" cy="4351338"/>
+            <a:off x="2830830" y="1701800"/>
+            <a:ext cx="7139940" cy="4462463"/>
           </a:xfrm>
         </p:spPr>
       </p:pic>
@@ -4533,6 +6339,18 @@
   <p:clrMapOvr>
     <a:masterClrMapping/>
   </p:clrMapOvr>
+  <mc:AlternateContent xmlns:mc="http://schemas.openxmlformats.org/markup-compatibility/2006" xmlns:p14="http://schemas.microsoft.com/office/powerpoint/2010/main">
+    <mc:Choice Requires="p14">
+      <p:transition spd="med" p14:dur="700">
+        <p:fade/>
+      </p:transition>
+    </mc:Choice>
+    <mc:Fallback xmlns="">
+      <p:transition spd="med">
+        <p:fade/>
+      </p:transition>
+    </mc:Fallback>
+  </mc:AlternateContent>
   <p:timing>
     <p:tnLst>
       <p:par>
@@ -4708,6 +6526,18 @@
   <p:clrMapOvr>
     <a:masterClrMapping/>
   </p:clrMapOvr>
+  <mc:AlternateContent xmlns:mc="http://schemas.openxmlformats.org/markup-compatibility/2006" xmlns:p14="http://schemas.microsoft.com/office/powerpoint/2010/main">
+    <mc:Choice Requires="p14">
+      <p:transition spd="med" p14:dur="700">
+        <p:fade/>
+      </p:transition>
+    </mc:Choice>
+    <mc:Fallback xmlns="">
+      <p:transition spd="med">
+        <p:fade/>
+      </p:transition>
+    </mc:Fallback>
+  </mc:AlternateContent>
   <p:timing>
     <p:tnLst>
       <p:par>
@@ -4846,6 +6676,18 @@
   <p:clrMapOvr>
     <a:masterClrMapping/>
   </p:clrMapOvr>
+  <mc:AlternateContent xmlns:mc="http://schemas.openxmlformats.org/markup-compatibility/2006" xmlns:p14="http://schemas.microsoft.com/office/powerpoint/2010/main">
+    <mc:Choice Requires="p14">
+      <p:transition spd="med" p14:dur="700">
+        <p:fade/>
+      </p:transition>
+    </mc:Choice>
+    <mc:Fallback xmlns="">
+      <p:transition spd="med">
+        <p:fade/>
+      </p:transition>
+    </mc:Fallback>
+  </mc:AlternateContent>
   <p:timing>
     <p:tnLst>
       <p:par>
@@ -4933,6 +6775,18 @@
   <p:clrMapOvr>
     <a:masterClrMapping/>
   </p:clrMapOvr>
+  <mc:AlternateContent xmlns:mc="http://schemas.openxmlformats.org/markup-compatibility/2006" xmlns:p14="http://schemas.microsoft.com/office/powerpoint/2010/main">
+    <mc:Choice Requires="p14">
+      <p:transition spd="med" p14:dur="700">
+        <p:fade/>
+      </p:transition>
+    </mc:Choice>
+    <mc:Fallback xmlns="">
+      <p:transition spd="med">
+        <p:fade/>
+      </p:transition>
+    </mc:Fallback>
+  </mc:AlternateContent>
   <p:timing>
     <p:tnLst>
       <p:par>
@@ -5046,6 +6900,18 @@
   <p:clrMapOvr>
     <a:masterClrMapping/>
   </p:clrMapOvr>
+  <mc:AlternateContent xmlns:mc="http://schemas.openxmlformats.org/markup-compatibility/2006" xmlns:p14="http://schemas.microsoft.com/office/powerpoint/2010/main">
+    <mc:Choice Requires="p14">
+      <p:transition spd="med" p14:dur="700">
+        <p:fade/>
+      </p:transition>
+    </mc:Choice>
+    <mc:Fallback xmlns="">
+      <p:transition spd="med">
+        <p:fade/>
+      </p:transition>
+    </mc:Fallback>
+  </mc:AlternateContent>
 </p:sld>
 </file>
 
@@ -5136,6 +7002,18 @@
   <p:clrMapOvr>
     <a:masterClrMapping/>
   </p:clrMapOvr>
+  <mc:AlternateContent xmlns:mc="http://schemas.openxmlformats.org/markup-compatibility/2006" xmlns:p14="http://schemas.microsoft.com/office/powerpoint/2010/main">
+    <mc:Choice Requires="p14">
+      <p:transition spd="med" p14:dur="700">
+        <p:fade/>
+      </p:transition>
+    </mc:Choice>
+    <mc:Fallback xmlns="">
+      <p:transition spd="med">
+        <p:fade/>
+      </p:transition>
+    </mc:Fallback>
+  </mc:AlternateContent>
 </p:sld>
 </file>
 
@@ -5228,6 +7106,18 @@
   <p:clrMapOvr>
     <a:masterClrMapping/>
   </p:clrMapOvr>
+  <mc:AlternateContent xmlns:mc="http://schemas.openxmlformats.org/markup-compatibility/2006" xmlns:p14="http://schemas.microsoft.com/office/powerpoint/2010/main">
+    <mc:Choice Requires="p14">
+      <p:transition spd="med" p14:dur="700">
+        <p:fade/>
+      </p:transition>
+    </mc:Choice>
+    <mc:Fallback xmlns="">
+      <p:transition spd="med">
+        <p:fade/>
+      </p:transition>
+    </mc:Fallback>
+  </mc:AlternateContent>
 </p:sld>
 </file>
 
@@ -5352,6 +7242,18 @@
   <p:clrMapOvr>
     <a:masterClrMapping/>
   </p:clrMapOvr>
+  <mc:AlternateContent xmlns:mc="http://schemas.openxmlformats.org/markup-compatibility/2006" xmlns:p14="http://schemas.microsoft.com/office/powerpoint/2010/main">
+    <mc:Choice Requires="p14">
+      <p:transition spd="med" p14:dur="700">
+        <p:fade/>
+      </p:transition>
+    </mc:Choice>
+    <mc:Fallback xmlns="">
+      <p:transition spd="med">
+        <p:fade/>
+      </p:transition>
+    </mc:Fallback>
+  </mc:AlternateContent>
   <p:timing>
     <p:tnLst>
       <p:par>
@@ -5434,8 +7336,8 @@
         </p:blipFill>
         <p:spPr>
           <a:xfrm>
-            <a:off x="2614930" y="1825625"/>
-            <a:ext cx="6962140" cy="4351338"/>
+            <a:off x="2830830" y="1701800"/>
+            <a:ext cx="7139940" cy="4462463"/>
           </a:xfrm>
         </p:spPr>
       </p:pic>
@@ -5449,6 +7351,18 @@
   <p:clrMapOvr>
     <a:masterClrMapping/>
   </p:clrMapOvr>
+  <mc:AlternateContent xmlns:mc="http://schemas.openxmlformats.org/markup-compatibility/2006" xmlns:p14="http://schemas.microsoft.com/office/powerpoint/2010/main">
+    <mc:Choice Requires="p14">
+      <p:transition spd="med" p14:dur="700">
+        <p:fade/>
+      </p:transition>
+    </mc:Choice>
+    <mc:Fallback xmlns="">
+      <p:transition spd="med">
+        <p:fade/>
+      </p:transition>
+    </mc:Fallback>
+  </mc:AlternateContent>
 </p:sld>
 </file>
 
@@ -5524,8 +7438,8 @@
         </p:blipFill>
         <p:spPr>
           <a:xfrm>
-            <a:off x="2614930" y="1825625"/>
-            <a:ext cx="6962140" cy="4351338"/>
+            <a:off x="2830830" y="1701800"/>
+            <a:ext cx="7139940" cy="4462463"/>
           </a:xfrm>
         </p:spPr>
       </p:pic>
@@ -5539,6 +7453,18 @@
   <p:clrMapOvr>
     <a:masterClrMapping/>
   </p:clrMapOvr>
+  <mc:AlternateContent xmlns:mc="http://schemas.openxmlformats.org/markup-compatibility/2006" xmlns:p14="http://schemas.microsoft.com/office/powerpoint/2010/main">
+    <mc:Choice Requires="p14">
+      <p:transition spd="med" p14:dur="700">
+        <p:fade/>
+      </p:transition>
+    </mc:Choice>
+    <mc:Fallback xmlns="">
+      <p:transition spd="med">
+        <p:fade/>
+      </p:transition>
+    </mc:Fallback>
+  </mc:AlternateContent>
 </p:sld>
 </file>
 
@@ -5614,8 +7540,8 @@
         </p:blipFill>
         <p:spPr>
           <a:xfrm>
-            <a:off x="2614930" y="1825625"/>
-            <a:ext cx="6962140" cy="4351338"/>
+            <a:off x="2830830" y="1701800"/>
+            <a:ext cx="7139940" cy="4462463"/>
           </a:xfrm>
         </p:spPr>
       </p:pic>
@@ -5629,13 +7555,25 @@
   <p:clrMapOvr>
     <a:masterClrMapping/>
   </p:clrMapOvr>
+  <mc:AlternateContent xmlns:mc="http://schemas.openxmlformats.org/markup-compatibility/2006" xmlns:p14="http://schemas.microsoft.com/office/powerpoint/2010/main">
+    <mc:Choice Requires="p14">
+      <p:transition spd="med" p14:dur="700">
+        <p:fade/>
+      </p:transition>
+    </mc:Choice>
+    <mc:Fallback xmlns="">
+      <p:transition spd="med">
+        <p:fade/>
+      </p:transition>
+    </mc:Fallback>
+  </mc:AlternateContent>
 </p:sld>
 </file>
 
 <file path=ppt/theme/theme1.xml><?xml version="1.0" encoding="utf-8"?>
-<a:theme xmlns:a="http://schemas.openxmlformats.org/drawingml/2006/main" name="Thème Office">
+<a:theme xmlns:a="http://schemas.openxmlformats.org/drawingml/2006/main" name="Technologie 16:9">
   <a:themeElements>
-    <a:clrScheme name="Office">
+    <a:clrScheme name="Tech_16x9">
       <a:dk1>
         <a:sysClr val="windowText" lastClr="000000"/>
       </a:dk1>
@@ -5643,83 +7581,48 @@
         <a:sysClr val="window" lastClr="FFFFFF"/>
       </a:lt1>
       <a:dk2>
-        <a:srgbClr val="44546A"/>
+        <a:srgbClr val="192A52"/>
       </a:dk2>
       <a:lt2>
-        <a:srgbClr val="E7E6E6"/>
+        <a:srgbClr val="C0C0C0"/>
       </a:lt2>
       <a:accent1>
-        <a:srgbClr val="5B9BD5"/>
+        <a:srgbClr val="009999"/>
       </a:accent1>
       <a:accent2>
-        <a:srgbClr val="ED7D31"/>
+        <a:srgbClr val="E98915"/>
       </a:accent2>
       <a:accent3>
-        <a:srgbClr val="A5A5A5"/>
+        <a:srgbClr val="A419A7"/>
       </a:accent3>
       <a:accent4>
-        <a:srgbClr val="FFC000"/>
+        <a:srgbClr val="AFC34D"/>
       </a:accent4>
       <a:accent5>
-        <a:srgbClr val="4472C4"/>
+        <a:srgbClr val="E5572B"/>
       </a:accent5>
       <a:accent6>
-        <a:srgbClr val="70AD47"/>
+        <a:srgbClr val="6868C4"/>
       </a:accent6>
       <a:hlink>
-        <a:srgbClr val="0563C1"/>
+        <a:srgbClr val="009999"/>
       </a:hlink>
       <a:folHlink>
-        <a:srgbClr val="954F72"/>
+        <a:srgbClr val="7F7F7F"/>
       </a:folHlink>
     </a:clrScheme>
-    <a:fontScheme name="Office">
+    <a:fontScheme name="Calibri">
       <a:majorFont>
-        <a:latin typeface="Calibri Light" panose="020F0302020204030204"/>
+        <a:latin typeface="Calibri"/>
         <a:ea typeface=""/>
         <a:cs typeface=""/>
-        <a:font script="Jpan" typeface="ＭＳ Ｐゴシック"/>
-        <a:font script="Hang" typeface="맑은 고딕"/>
-        <a:font script="Hans" typeface="宋体"/>
-        <a:font script="Hant" typeface="新細明體"/>
-        <a:font script="Arab" typeface="Times New Roman"/>
-        <a:font script="Hebr" typeface="Times New Roman"/>
-        <a:font script="Thai" typeface="Angsana New"/>
-        <a:font script="Ethi" typeface="Nyala"/>
-        <a:font script="Beng" typeface="Vrinda"/>
-        <a:font script="Gujr" typeface="Shruti"/>
-        <a:font script="Khmr" typeface="MoolBoran"/>
-        <a:font script="Knda" typeface="Tunga"/>
-        <a:font script="Guru" typeface="Raavi"/>
-        <a:font script="Cans" typeface="Euphemia"/>
-        <a:font script="Cher" typeface="Plantagenet Cherokee"/>
-        <a:font script="Yiii" typeface="Microsoft Yi Baiti"/>
-        <a:font script="Tibt" typeface="Microsoft Himalaya"/>
-        <a:font script="Thaa" typeface="MV Boli"/>
-        <a:font script="Deva" typeface="Mangal"/>
-        <a:font script="Telu" typeface="Gautami"/>
-        <a:font script="Taml" typeface="Latha"/>
-        <a:font script="Syrc" typeface="Estrangelo Edessa"/>
-        <a:font script="Orya" typeface="Kalinga"/>
-        <a:font script="Mlym" typeface="Kartika"/>
-        <a:font script="Laoo" typeface="DokChampa"/>
-        <a:font script="Sinh" typeface="Iskoola Pota"/>
-        <a:font script="Mong" typeface="Mongolian Baiti"/>
-        <a:font script="Viet" typeface="Times New Roman"/>
-        <a:font script="Uigh" typeface="Microsoft Uighur"/>
-        <a:font script="Geor" typeface="Sylfaen"/>
-      </a:majorFont>
-      <a:minorFont>
-        <a:latin typeface="Calibri" panose="020F0502020204030204"/>
-        <a:ea typeface=""/>
-        <a:cs typeface=""/>
-        <a:font script="Jpan" typeface="ＭＳ Ｐゴシック"/>
-        <a:font script="Hang" typeface="맑은 고딕"/>
-        <a:font script="Hans" typeface="宋体"/>
-        <a:font script="Hant" typeface="新細明體"/>
-        <a:font script="Arab" typeface="Arial"/>
-        <a:font script="Hebr" typeface="Arial"/>
-        <a:font script="Thai" typeface="Cordia New"/>
+        <a:font script="Jpan" typeface="ＭＳ ゴシック"/>
+        <a:font script="Hang" typeface="HY중고딕"/>
+        <a:font script="Hans" typeface="幼圆"/>
+        <a:font script="Hant" typeface="微軟正黑體"/>
+        <a:font script="Arab" typeface="Tahoma"/>
+        <a:font script="Hebr" typeface="Gisha"/>
+        <a:font script="Thai" typeface="DilleniaUPC"/>
         <a:font script="Ethi" typeface="Nyala"/>
         <a:font script="Beng" typeface="Vrinda"/>
         <a:font script="Gujr" typeface="Shruti"/>
@@ -5740,12 +7643,47 @@
         <a:font script="Laoo" typeface="DokChampa"/>
         <a:font script="Sinh" typeface="Iskoola Pota"/>
         <a:font script="Mong" typeface="Mongolian Baiti"/>
-        <a:font script="Viet" typeface="Arial"/>
+        <a:font script="Viet" typeface="Tahoma"/>
+        <a:font script="Uigh" typeface="Microsoft Uighur"/>
+        <a:font script="Geor" typeface="Sylfaen"/>
+      </a:majorFont>
+      <a:minorFont>
+        <a:latin typeface="Calibri"/>
+        <a:ea typeface=""/>
+        <a:cs typeface=""/>
+        <a:font script="Jpan" typeface="ＭＳ ゴシック"/>
+        <a:font script="Hang" typeface="HY중고딕"/>
+        <a:font script="Hans" typeface="幼圆"/>
+        <a:font script="Hant" typeface="微軟正黑體"/>
+        <a:font script="Arab" typeface="Tahoma"/>
+        <a:font script="Hebr" typeface="Gisha"/>
+        <a:font script="Thai" typeface="DilleniaUPC"/>
+        <a:font script="Ethi" typeface="Nyala"/>
+        <a:font script="Beng" typeface="Vrinda"/>
+        <a:font script="Gujr" typeface="Shruti"/>
+        <a:font script="Khmr" typeface="DaunPenh"/>
+        <a:font script="Knda" typeface="Tunga"/>
+        <a:font script="Guru" typeface="Raavi"/>
+        <a:font script="Cans" typeface="Euphemia"/>
+        <a:font script="Cher" typeface="Plantagenet Cherokee"/>
+        <a:font script="Yiii" typeface="Microsoft Yi Baiti"/>
+        <a:font script="Tibt" typeface="Microsoft Himalaya"/>
+        <a:font script="Thaa" typeface="MV Boli"/>
+        <a:font script="Deva" typeface="Mangal"/>
+        <a:font script="Telu" typeface="Gautami"/>
+        <a:font script="Taml" typeface="Latha"/>
+        <a:font script="Syrc" typeface="Estrangelo Edessa"/>
+        <a:font script="Orya" typeface="Kalinga"/>
+        <a:font script="Mlym" typeface="Kartika"/>
+        <a:font script="Laoo" typeface="DokChampa"/>
+        <a:font script="Sinh" typeface="Iskoola Pota"/>
+        <a:font script="Mong" typeface="Mongolian Baiti"/>
+        <a:font script="Viet" typeface="Verdana"/>
         <a:font script="Uigh" typeface="Microsoft Uighur"/>
         <a:font script="Geor" typeface="Sylfaen"/>
       </a:minorFont>
     </a:fontScheme>
-    <a:fmtScheme name="Office">
+    <a:fmtScheme name="Tech_16x9">
       <a:fillStyleLst>
         <a:solidFill>
           <a:schemeClr val="phClr"/>
@@ -5754,75 +7692,76 @@
           <a:gsLst>
             <a:gs pos="0">
               <a:schemeClr val="phClr">
-                <a:lumMod val="110000"/>
-                <a:satMod val="105000"/>
-                <a:tint val="67000"/>
+                <a:tint val="20000"/>
+                <a:satMod val="180000"/>
+                <a:lumMod val="98000"/>
               </a:schemeClr>
             </a:gs>
-            <a:gs pos="50000">
+            <a:gs pos="40000">
               <a:schemeClr val="phClr">
-                <a:lumMod val="105000"/>
-                <a:satMod val="103000"/>
-                <a:tint val="73000"/>
+                <a:tint val="30000"/>
+                <a:satMod val="260000"/>
+                <a:lumMod val="84000"/>
               </a:schemeClr>
             </a:gs>
             <a:gs pos="100000">
               <a:schemeClr val="phClr">
-                <a:lumMod val="105000"/>
-                <a:satMod val="109000"/>
-                <a:tint val="81000"/>
+                <a:tint val="100000"/>
+                <a:satMod val="110000"/>
               </a:schemeClr>
             </a:gs>
           </a:gsLst>
-          <a:lin ang="5400000" scaled="0"/>
+          <a:lin ang="5040000" scaled="1"/>
         </a:gradFill>
         <a:gradFill rotWithShape="1">
           <a:gsLst>
             <a:gs pos="0">
               <a:schemeClr val="phClr">
-                <a:satMod val="103000"/>
-                <a:lumMod val="102000"/>
-                <a:tint val="94000"/>
+                <a:shade val="15000"/>
+                <a:satMod val="180000"/>
               </a:schemeClr>
             </a:gs>
             <a:gs pos="50000">
               <a:schemeClr val="phClr">
-                <a:satMod val="110000"/>
-                <a:lumMod val="100000"/>
-                <a:shade val="100000"/>
+                <a:shade val="45000"/>
+                <a:satMod val="170000"/>
+              </a:schemeClr>
+            </a:gs>
+            <a:gs pos="70000">
+              <a:schemeClr val="phClr">
+                <a:tint val="99000"/>
+                <a:shade val="65000"/>
+                <a:satMod val="155000"/>
               </a:schemeClr>
             </a:gs>
             <a:gs pos="100000">
               <a:schemeClr val="phClr">
-                <a:lumMod val="99000"/>
-                <a:satMod val="120000"/>
-                <a:shade val="78000"/>
+                <a:tint val="100000"/>
+                <a:shade val="100000"/>
+                <a:satMod val="155000"/>
               </a:schemeClr>
             </a:gs>
           </a:gsLst>
-          <a:lin ang="5400000" scaled="0"/>
+          <a:lin ang="16200000" scaled="0"/>
         </a:gradFill>
       </a:fillStyleLst>
       <a:lnStyleLst>
-        <a:ln w="6350" cap="flat" cmpd="sng" algn="ctr">
+        <a:ln w="9525" cap="flat" cmpd="sng" algn="ctr">
           <a:solidFill>
             <a:schemeClr val="phClr"/>
           </a:solidFill>
-          <a:prstDash val="solid"/>
           <a:miter lim="800000"/>
         </a:ln>
-        <a:ln w="12700" cap="flat" cmpd="sng" algn="ctr">
+        <a:ln w="25400" cap="flat" cmpd="sng" algn="ctr">
           <a:solidFill>
             <a:schemeClr val="phClr"/>
           </a:solidFill>
-          <a:prstDash val="solid"/>
           <a:miter lim="800000"/>
         </a:ln>
-        <a:ln w="19050" cap="flat" cmpd="sng" algn="ctr">
+        <a:ln w="38100" cap="flat" cmpd="sng" algn="ctr">
           <a:solidFill>
             <a:schemeClr val="phClr"/>
           </a:solidFill>
-          <a:prstDash val="solid"/>
           <a:miter lim="800000"/>
         </a:ln>
       </a:lnStyleLst>
@@ -5831,63 +7770,161 @@
           <a:effectLst/>
         </a:effectStyle>
         <a:effectStyle>
-          <a:effectLst/>
+          <a:effectLst>
+            <a:outerShdw blurRad="38100" dist="25400" dir="2700000" algn="br" rotWithShape="0">
+              <a:srgbClr val="000000">
+                <a:alpha val="60000"/>
+              </a:srgbClr>
+            </a:outerShdw>
+          </a:effectLst>
         </a:effectStyle>
         <a:effectStyle>
           <a:effectLst>
-            <a:outerShdw blurRad="57150" dist="19050" dir="5400000" algn="ctr" rotWithShape="0">
+            <a:outerShdw blurRad="38100" dist="25400" dir="2700000" algn="br" rotWithShape="0">
               <a:srgbClr val="000000">
-                <a:alpha val="63000"/>
+                <a:alpha val="60000"/>
               </a:srgbClr>
             </a:outerShdw>
           </a:effectLst>
+          <a:scene3d>
+            <a:camera prst="orthographicFront">
+              <a:rot lat="0" lon="0" rev="0"/>
+            </a:camera>
+            <a:lightRig rig="balanced" dir="t">
+              <a:rot lat="0" lon="0" rev="5100000"/>
+            </a:lightRig>
+          </a:scene3d>
+          <a:sp3d contourW="6350">
+            <a:bevelT w="29210" h="12700"/>
+            <a:contourClr>
+              <a:schemeClr val="phClr">
+                <a:satMod val="300000"/>
+              </a:schemeClr>
+            </a:contourClr>
+          </a:sp3d>
         </a:effectStyle>
       </a:effectStyleLst>
       <a:bgFillStyleLst>
         <a:solidFill>
           <a:schemeClr val="phClr"/>
         </a:solidFill>
-        <a:solidFill>
-          <a:schemeClr val="phClr">
-            <a:tint val="95000"/>
-            <a:satMod val="170000"/>
-          </a:schemeClr>
-        </a:solidFill>
         <a:gradFill rotWithShape="1">
           <a:gsLst>
             <a:gs pos="0">
               <a:schemeClr val="phClr">
-                <a:tint val="93000"/>
-                <a:satMod val="150000"/>
-                <a:shade val="98000"/>
-                <a:lumMod val="102000"/>
+                <a:tint val="100000"/>
+                <a:shade val="0"/>
+                <a:satMod val="100000"/>
               </a:schemeClr>
             </a:gs>
-            <a:gs pos="50000">
+            <a:gs pos="85000">
               <a:schemeClr val="phClr">
-                <a:tint val="98000"/>
-                <a:satMod val="130000"/>
-                <a:shade val="90000"/>
-                <a:lumMod val="103000"/>
+                <a:tint val="100000"/>
+                <a:shade val="30000"/>
+                <a:satMod val="100000"/>
               </a:schemeClr>
             </a:gs>
             <a:gs pos="100000">
               <a:schemeClr val="phClr">
-                <a:shade val="63000"/>
-                <a:satMod val="120000"/>
+                <a:shade val="60000"/>
+                <a:satMod val="100000"/>
               </a:schemeClr>
             </a:gs>
           </a:gsLst>
-          <a:lin ang="5400000" scaled="0"/>
+          <a:lin ang="13500000" scaled="0"/>
+        </a:gradFill>
+        <a:gradFill rotWithShape="1">
+          <a:gsLst>
+            <a:gs pos="0">
+              <a:schemeClr val="phClr">
+                <a:tint val="100000"/>
+                <a:shade val="0"/>
+                <a:satMod val="100000"/>
+              </a:schemeClr>
+            </a:gs>
+            <a:gs pos="85000">
+              <a:schemeClr val="phClr">
+                <a:shade val="30000"/>
+                <a:satMod val="100000"/>
+              </a:schemeClr>
+            </a:gs>
+            <a:gs pos="100000">
+              <a:schemeClr val="phClr">
+                <a:shade val="60000"/>
+                <a:satMod val="100000"/>
+              </a:schemeClr>
+            </a:gs>
+          </a:gsLst>
+          <a:lin ang="18900000" scaled="0"/>
         </a:gradFill>
       </a:bgFillStyleLst>
     </a:fmtScheme>
   </a:themeElements>
-  <a:objectDefaults/>
+  <a:objectDefaults>
+    <a:spDef>
+      <a:spPr/>
+      <a:bodyPr rtlCol="0" anchor="ctr"/>
+      <a:lstStyle>
+        <a:defPPr algn="ctr">
+          <a:defRPr sz="2800"/>
+        </a:defPPr>
+      </a:lstStyle>
+      <a:style>
+        <a:lnRef idx="2">
+          <a:schemeClr val="accent1">
+            <a:shade val="50000"/>
+          </a:schemeClr>
+        </a:lnRef>
+        <a:fillRef idx="1">
+          <a:schemeClr val="accent1"/>
+        </a:fillRef>
+        <a:effectRef idx="0">
+          <a:schemeClr val="accent1"/>
+        </a:effectRef>
+        <a:fontRef idx="minor">
+          <a:schemeClr val="lt1"/>
+        </a:fontRef>
+      </a:style>
+    </a:spDef>
+    <a:lnDef>
+      <a:spPr>
+        <a:ln w="25400"/>
+      </a:spPr>
+      <a:bodyPr/>
+      <a:lstStyle/>
+      <a:style>
+        <a:lnRef idx="1">
+          <a:schemeClr val="accent1"/>
+        </a:lnRef>
+        <a:fillRef idx="0">
+          <a:schemeClr val="accent1"/>
+        </a:fillRef>
+        <a:effectRef idx="0">
+          <a:schemeClr val="accent1"/>
+        </a:effectRef>
+        <a:fontRef idx="minor">
+          <a:schemeClr val="tx1"/>
+        </a:fontRef>
+      </a:style>
+    </a:lnDef>
+    <a:txDef>
+      <a:spPr>
+        <a:noFill/>
+      </a:spPr>
+      <a:bodyPr wrap="square" rtlCol="0">
+        <a:spAutoFit/>
+      </a:bodyPr>
+      <a:lstStyle>
+        <a:defPPr>
+          <a:defRPr sz="2800"/>
+        </a:defPPr>
+      </a:lstStyle>
+    </a:txDef>
+  </a:objectDefaults>
   <a:extraClrSchemeLst/>
   <a:extLst>
     <a:ext uri="{05A4C25C-085E-4340-85A3-A5531E510DB2}">
-      <thm15:themeFamily xmlns:thm15="http://schemas.microsoft.com/office/thememl/2012/main" name="Office Theme" id="{62F939B6-93AF-4DB8-9C6B-D6C7DFDC589F}" vid="{4A3C46E8-61CC-4603-A589-7422A47A8E4A}"/>
+      <thm15:themeFamily xmlns:thm15="http://schemas.microsoft.com/office/thememl/2012/main" name="Office_9533257_TF02787990_TF02787990.potx" id="{ABCB071B-19A3-44BE-B302-F4BBE7E3E2D5}" vid="{F4600F28-01B2-4FC5-9857-5FFF9F08051B}"/>
     </a:ext>
   </a:extLst>
 </a:theme>
